--- a/Abgabe_Meilenstein2/Meilenstein 2 - Design.pptx
+++ b/Abgabe_Meilenstein2/Meilenstein 2 - Design.pptx
@@ -201,7 +201,7 @@
       </p:grpSpPr>
       <p:sp>
         <p:nvSpPr>
-          <p:cNvPr id="1305647073" name="Rectangle 2"/>
+          <p:cNvPr id="1513512111" name="Rectangle 2"/>
           <p:cNvSpPr>
             <a:spLocks noChangeArrowheads="1" noGrp="1"/>
           </p:cNvSpPr>
@@ -245,7 +245,7 @@
       </p:sp>
       <p:sp>
         <p:nvSpPr>
-          <p:cNvPr id="266948894" name="Rectangle 3"/>
+          <p:cNvPr id="409069313" name="Rectangle 3"/>
           <p:cNvSpPr>
             <a:spLocks noChangeArrowheads="1" noGrp="1"/>
           </p:cNvSpPr>
@@ -289,7 +289,7 @@
       </p:sp>
       <p:sp>
         <p:nvSpPr>
-          <p:cNvPr id="1230723089" name="Rectangle 4"/>
+          <p:cNvPr id="1639833030" name="Rectangle 4"/>
           <p:cNvSpPr>
             <a:spLocks noChangeArrowheads="1" noChangeAspect="1" noGrp="1" noRot="1" noTextEdit="1"/>
           </p:cNvSpPr>
@@ -319,7 +319,7 @@
       </p:sp>
       <p:sp>
         <p:nvSpPr>
-          <p:cNvPr id="1871440641" name="Rectangle 5"/>
+          <p:cNvPr id="289584607" name="Rectangle 5"/>
           <p:cNvSpPr>
             <a:spLocks noChangeArrowheads="1" noGrp="1"/>
           </p:cNvSpPr>
@@ -400,7 +400,7 @@
       </p:sp>
       <p:sp>
         <p:nvSpPr>
-          <p:cNvPr id="195619272" name="Rectangle 6"/>
+          <p:cNvPr id="1094398625" name="Rectangle 6"/>
           <p:cNvSpPr>
             <a:spLocks noChangeArrowheads="1" noGrp="1"/>
           </p:cNvSpPr>
@@ -444,7 +444,7 @@
       </p:sp>
       <p:sp>
         <p:nvSpPr>
-          <p:cNvPr id="1906524177" name="Rectangle 7"/>
+          <p:cNvPr id="672630038" name="Rectangle 7"/>
           <p:cNvSpPr>
             <a:spLocks noChangeArrowheads="1" noGrp="1"/>
           </p:cNvSpPr>
@@ -634,7 +634,7 @@
       </p:grpSpPr>
       <p:sp>
         <p:nvSpPr>
-          <p:cNvPr id="1250589256" name="Folienbildplatzhalter 1"/>
+          <p:cNvPr id="708401681" name="Folienbildplatzhalter 1"/>
           <p:cNvSpPr>
             <a:spLocks noChangeAspect="1" noGrp="1" noRot="1"/>
           </p:cNvSpPr>
@@ -646,7 +646,7 @@
       </p:sp>
       <p:sp>
         <p:nvSpPr>
-          <p:cNvPr id="251500676" name="Notizenplatzhalter 2"/>
+          <p:cNvPr id="750092914" name="Notizenplatzhalter 2"/>
           <p:cNvSpPr>
             <a:spLocks noGrp="1"/>
           </p:cNvSpPr>
@@ -668,7 +668,7 @@
       </p:sp>
       <p:sp>
         <p:nvSpPr>
-          <p:cNvPr id="1593099968" name="Foliennummernplatzhalter 3"/>
+          <p:cNvPr id="1895691313" name="Foliennummernplatzhalter 3"/>
           <p:cNvSpPr>
             <a:spLocks noGrp="1"/>
           </p:cNvSpPr>
@@ -719,7 +719,7 @@
       </p:grpSpPr>
       <p:sp>
         <p:nvSpPr>
-          <p:cNvPr id="254492036" name="Slide Image Placeholder 1"/>
+          <p:cNvPr id="1267643775" name="Slide Image Placeholder 1"/>
           <p:cNvSpPr>
             <a:spLocks noChangeAspect="1" noGrp="1" noRot="1"/>
           </p:cNvSpPr>
@@ -731,7 +731,7 @@
       </p:sp>
       <p:sp>
         <p:nvSpPr>
-          <p:cNvPr id="1811780223" name="Notes Placeholder 2"/>
+          <p:cNvPr id="1365716083" name="Notes Placeholder 2"/>
           <p:cNvSpPr>
             <a:spLocks noGrp="1"/>
           </p:cNvSpPr>
@@ -753,7 +753,7 @@
       </p:sp>
       <p:sp>
         <p:nvSpPr>
-          <p:cNvPr id="1168797346" name="Slide Number Placeholder 3"/>
+          <p:cNvPr id="984806641" name="Slide Number Placeholder 3"/>
           <p:cNvSpPr>
             <a:spLocks noGrp="1"/>
           </p:cNvSpPr>
@@ -804,7 +804,7 @@
       </p:grpSpPr>
       <p:sp>
         <p:nvSpPr>
-          <p:cNvPr id="386791967" name="Slide Image Placeholder 1"/>
+          <p:cNvPr id="1492798049" name="Slide Image Placeholder 1"/>
           <p:cNvSpPr>
             <a:spLocks noChangeAspect="1" noGrp="1" noRot="1"/>
           </p:cNvSpPr>
@@ -816,7 +816,7 @@
       </p:sp>
       <p:sp>
         <p:nvSpPr>
-          <p:cNvPr id="1883875764" name="Notes Placeholder 2"/>
+          <p:cNvPr id="764363353" name="Notes Placeholder 2"/>
           <p:cNvSpPr>
             <a:spLocks noGrp="1"/>
           </p:cNvSpPr>
@@ -838,7 +838,7 @@
       </p:sp>
       <p:sp>
         <p:nvSpPr>
-          <p:cNvPr id="1395502323" name="Slide Number Placeholder 3"/>
+          <p:cNvPr id="1011102143" name="Slide Number Placeholder 3"/>
           <p:cNvSpPr>
             <a:spLocks noGrp="1"/>
           </p:cNvSpPr>
@@ -889,7 +889,7 @@
       </p:grpSpPr>
       <p:sp>
         <p:nvSpPr>
-          <p:cNvPr id="952070530" name="Slide Image Placeholder 1"/>
+          <p:cNvPr id="159629715" name="Slide Image Placeholder 1"/>
           <p:cNvSpPr>
             <a:spLocks noChangeAspect="1" noGrp="1" noRot="1"/>
           </p:cNvSpPr>
@@ -901,7 +901,7 @@
       </p:sp>
       <p:sp>
         <p:nvSpPr>
-          <p:cNvPr id="1304384033" name="Notes Placeholder 2"/>
+          <p:cNvPr id="1258516952" name="Notes Placeholder 2"/>
           <p:cNvSpPr>
             <a:spLocks noGrp="1"/>
           </p:cNvSpPr>
@@ -923,7 +923,7 @@
       </p:sp>
       <p:sp>
         <p:nvSpPr>
-          <p:cNvPr id="1545104244" name="Slide Number Placeholder 3"/>
+          <p:cNvPr id="1006250674" name="Slide Number Placeholder 3"/>
           <p:cNvSpPr>
             <a:spLocks noGrp="1"/>
           </p:cNvSpPr>
@@ -974,7 +974,7 @@
       </p:grpSpPr>
       <p:sp>
         <p:nvSpPr>
-          <p:cNvPr id="1514303272" name="Slide Image Placeholder 1"/>
+          <p:cNvPr id="1234490772" name="Slide Image Placeholder 1"/>
           <p:cNvSpPr>
             <a:spLocks noChangeAspect="1" noGrp="1" noRot="1"/>
           </p:cNvSpPr>
@@ -986,7 +986,7 @@
       </p:sp>
       <p:sp>
         <p:nvSpPr>
-          <p:cNvPr id="475842796" name="Notes Placeholder 2"/>
+          <p:cNvPr id="584069902" name="Notes Placeholder 2"/>
           <p:cNvSpPr>
             <a:spLocks noGrp="1"/>
           </p:cNvSpPr>
@@ -1008,7 +1008,7 @@
       </p:sp>
       <p:sp>
         <p:nvSpPr>
-          <p:cNvPr id="1540228628" name="Slide Number Placeholder 3"/>
+          <p:cNvPr id="2005195080" name="Slide Number Placeholder 3"/>
           <p:cNvSpPr>
             <a:spLocks noGrp="1"/>
           </p:cNvSpPr>
@@ -1059,7 +1059,7 @@
       </p:grpSpPr>
       <p:sp>
         <p:nvSpPr>
-          <p:cNvPr id="1310213832" name="Slide Image Placeholder 1"/>
+          <p:cNvPr id="1059734708" name="Slide Image Placeholder 1"/>
           <p:cNvSpPr>
             <a:spLocks noChangeAspect="1" noGrp="1" noRot="1"/>
           </p:cNvSpPr>
@@ -1071,7 +1071,7 @@
       </p:sp>
       <p:sp>
         <p:nvSpPr>
-          <p:cNvPr id="797054113" name="Notes Placeholder 2"/>
+          <p:cNvPr id="2019138234" name="Notes Placeholder 2"/>
           <p:cNvSpPr>
             <a:spLocks noGrp="1"/>
           </p:cNvSpPr>
@@ -1093,7 +1093,7 @@
       </p:sp>
       <p:sp>
         <p:nvSpPr>
-          <p:cNvPr id="356959124" name="Slide Number Placeholder 3"/>
+          <p:cNvPr id="2006290629" name="Slide Number Placeholder 3"/>
           <p:cNvSpPr>
             <a:spLocks noGrp="1"/>
           </p:cNvSpPr>
@@ -1144,7 +1144,7 @@
       </p:grpSpPr>
       <p:sp>
         <p:nvSpPr>
-          <p:cNvPr id="619335350" name="Slide Image Placeholder 1"/>
+          <p:cNvPr id="1108058626" name="Slide Image Placeholder 1"/>
           <p:cNvSpPr>
             <a:spLocks noChangeAspect="1" noGrp="1" noRot="1"/>
           </p:cNvSpPr>
@@ -1156,7 +1156,7 @@
       </p:sp>
       <p:sp>
         <p:nvSpPr>
-          <p:cNvPr id="1583618089" name="Notes Placeholder 2"/>
+          <p:cNvPr id="141702698" name="Notes Placeholder 2"/>
           <p:cNvSpPr>
             <a:spLocks noGrp="1"/>
           </p:cNvSpPr>
@@ -1178,7 +1178,7 @@
       </p:sp>
       <p:sp>
         <p:nvSpPr>
-          <p:cNvPr id="1404164393" name="Slide Number Placeholder 3"/>
+          <p:cNvPr id="1341016898" name="Slide Number Placeholder 3"/>
           <p:cNvSpPr>
             <a:spLocks noGrp="1"/>
           </p:cNvSpPr>
@@ -1229,7 +1229,7 @@
       </p:grpSpPr>
       <p:sp>
         <p:nvSpPr>
-          <p:cNvPr id="1304083901" name="Slide Image Placeholder 1"/>
+          <p:cNvPr id="2111836093" name="Slide Image Placeholder 1"/>
           <p:cNvSpPr>
             <a:spLocks noChangeAspect="1" noGrp="1" noRot="1"/>
           </p:cNvSpPr>
@@ -1241,7 +1241,7 @@
       </p:sp>
       <p:sp>
         <p:nvSpPr>
-          <p:cNvPr id="1019609901" name="Notes Placeholder 2"/>
+          <p:cNvPr id="973917448" name="Notes Placeholder 2"/>
           <p:cNvSpPr>
             <a:spLocks noGrp="1"/>
           </p:cNvSpPr>
@@ -1263,7 +1263,7 @@
       </p:sp>
       <p:sp>
         <p:nvSpPr>
-          <p:cNvPr id="1475421191" name="Slide Number Placeholder 3"/>
+          <p:cNvPr id="671503502" name="Slide Number Placeholder 3"/>
           <p:cNvSpPr>
             <a:spLocks noGrp="1"/>
           </p:cNvSpPr>
@@ -1314,7 +1314,7 @@
       </p:grpSpPr>
       <p:sp>
         <p:nvSpPr>
-          <p:cNvPr id="2073609855" name="Slide Image Placeholder 1"/>
+          <p:cNvPr id="1035826654" name="Slide Image Placeholder 1"/>
           <p:cNvSpPr>
             <a:spLocks noChangeAspect="1" noGrp="1" noRot="1"/>
           </p:cNvSpPr>
@@ -1326,7 +1326,7 @@
       </p:sp>
       <p:sp>
         <p:nvSpPr>
-          <p:cNvPr id="1032747112" name="Notes Placeholder 2"/>
+          <p:cNvPr id="1028508323" name="Notes Placeholder 2"/>
           <p:cNvSpPr>
             <a:spLocks noGrp="1"/>
           </p:cNvSpPr>
@@ -1348,7 +1348,7 @@
       </p:sp>
       <p:sp>
         <p:nvSpPr>
-          <p:cNvPr id="1851934793" name="Slide Number Placeholder 3"/>
+          <p:cNvPr id="1425112941" name="Slide Number Placeholder 3"/>
           <p:cNvSpPr>
             <a:spLocks noGrp="1"/>
           </p:cNvSpPr>
@@ -1399,7 +1399,7 @@
       </p:grpSpPr>
       <p:sp>
         <p:nvSpPr>
-          <p:cNvPr id="1213862612" name="Slide Image Placeholder 1"/>
+          <p:cNvPr id="75556576" name="Slide Image Placeholder 1"/>
           <p:cNvSpPr>
             <a:spLocks noChangeAspect="1" noGrp="1" noRot="1"/>
           </p:cNvSpPr>
@@ -1411,7 +1411,7 @@
       </p:sp>
       <p:sp>
         <p:nvSpPr>
-          <p:cNvPr id="189739864" name="Notes Placeholder 2"/>
+          <p:cNvPr id="414282258" name="Notes Placeholder 2"/>
           <p:cNvSpPr>
             <a:spLocks noGrp="1"/>
           </p:cNvSpPr>
@@ -1433,7 +1433,7 @@
       </p:sp>
       <p:sp>
         <p:nvSpPr>
-          <p:cNvPr id="1500218632" name="Slide Number Placeholder 3"/>
+          <p:cNvPr id="837767938" name="Slide Number Placeholder 3"/>
           <p:cNvSpPr>
             <a:spLocks noGrp="1"/>
           </p:cNvSpPr>
@@ -1484,7 +1484,7 @@
       </p:grpSpPr>
       <p:sp>
         <p:nvSpPr>
-          <p:cNvPr id="449571201" name="Slide Image Placeholder 1"/>
+          <p:cNvPr id="11955292" name="Slide Image Placeholder 1"/>
           <p:cNvSpPr>
             <a:spLocks noChangeAspect="1" noGrp="1" noRot="1"/>
           </p:cNvSpPr>
@@ -1496,7 +1496,7 @@
       </p:sp>
       <p:sp>
         <p:nvSpPr>
-          <p:cNvPr id="83833659" name="Notes Placeholder 2"/>
+          <p:cNvPr id="1264441273" name="Notes Placeholder 2"/>
           <p:cNvSpPr>
             <a:spLocks noGrp="1"/>
           </p:cNvSpPr>
@@ -1518,7 +1518,7 @@
       </p:sp>
       <p:sp>
         <p:nvSpPr>
-          <p:cNvPr id="7592938" name="Slide Number Placeholder 3"/>
+          <p:cNvPr id="460392017" name="Slide Number Placeholder 3"/>
           <p:cNvSpPr>
             <a:spLocks noGrp="1"/>
           </p:cNvSpPr>
@@ -1569,7 +1569,7 @@
       </p:grpSpPr>
       <p:sp>
         <p:nvSpPr>
-          <p:cNvPr id="200789416" name="Slide Image Placeholder 1"/>
+          <p:cNvPr id="1811569111" name="Slide Image Placeholder 1"/>
           <p:cNvSpPr>
             <a:spLocks noChangeAspect="1" noGrp="1" noRot="1"/>
           </p:cNvSpPr>
@@ -1581,7 +1581,7 @@
       </p:sp>
       <p:sp>
         <p:nvSpPr>
-          <p:cNvPr id="1126983814" name="Notes Placeholder 2"/>
+          <p:cNvPr id="1735494810" name="Notes Placeholder 2"/>
           <p:cNvSpPr>
             <a:spLocks noGrp="1"/>
           </p:cNvSpPr>
@@ -1603,7 +1603,7 @@
       </p:sp>
       <p:sp>
         <p:nvSpPr>
-          <p:cNvPr id="2028592174" name="Slide Number Placeholder 3"/>
+          <p:cNvPr id="1559878754" name="Slide Number Placeholder 3"/>
           <p:cNvSpPr>
             <a:spLocks noGrp="1"/>
           </p:cNvSpPr>
@@ -1654,7 +1654,7 @@
       </p:grpSpPr>
       <p:sp>
         <p:nvSpPr>
-          <p:cNvPr id="2068217463" name="Slide Image Placeholder 1"/>
+          <p:cNvPr id="1715537845" name="Slide Image Placeholder 1"/>
           <p:cNvSpPr>
             <a:spLocks noChangeAspect="1" noGrp="1" noRot="1"/>
           </p:cNvSpPr>
@@ -1666,7 +1666,7 @@
       </p:sp>
       <p:sp>
         <p:nvSpPr>
-          <p:cNvPr id="131904326" name="Notes Placeholder 2"/>
+          <p:cNvPr id="305195047" name="Notes Placeholder 2"/>
           <p:cNvSpPr>
             <a:spLocks noGrp="1"/>
           </p:cNvSpPr>
@@ -1688,7 +1688,7 @@
       </p:sp>
       <p:sp>
         <p:nvSpPr>
-          <p:cNvPr id="1621824572" name="Slide Number Placeholder 3"/>
+          <p:cNvPr id="1473345282" name="Slide Number Placeholder 3"/>
           <p:cNvSpPr>
             <a:spLocks noGrp="1"/>
           </p:cNvSpPr>
@@ -1739,7 +1739,7 @@
       </p:grpSpPr>
       <p:sp>
         <p:nvSpPr>
-          <p:cNvPr id="2094251256" name="Slide Image Placeholder 1"/>
+          <p:cNvPr id="805623507" name="Slide Image Placeholder 1"/>
           <p:cNvSpPr>
             <a:spLocks noChangeAspect="1" noGrp="1" noRot="1"/>
           </p:cNvSpPr>
@@ -1751,7 +1751,7 @@
       </p:sp>
       <p:sp>
         <p:nvSpPr>
-          <p:cNvPr id="2104835251" name="Notes Placeholder 2"/>
+          <p:cNvPr id="1705801510" name="Notes Placeholder 2"/>
           <p:cNvSpPr>
             <a:spLocks noGrp="1"/>
           </p:cNvSpPr>
@@ -1773,7 +1773,7 @@
       </p:sp>
       <p:sp>
         <p:nvSpPr>
-          <p:cNvPr id="1817618328" name="Slide Number Placeholder 3"/>
+          <p:cNvPr id="1249049345" name="Slide Number Placeholder 3"/>
           <p:cNvSpPr>
             <a:spLocks noGrp="1"/>
           </p:cNvSpPr>
@@ -1824,7 +1824,7 @@
       </p:grpSpPr>
       <p:sp>
         <p:nvSpPr>
-          <p:cNvPr id="1278616721" name="Slide Image Placeholder 1"/>
+          <p:cNvPr id="65375686" name="Slide Image Placeholder 1"/>
           <p:cNvSpPr>
             <a:spLocks noChangeAspect="1" noGrp="1" noRot="1"/>
           </p:cNvSpPr>
@@ -1836,7 +1836,7 @@
       </p:sp>
       <p:sp>
         <p:nvSpPr>
-          <p:cNvPr id="292607121" name="Notes Placeholder 2"/>
+          <p:cNvPr id="1641338503" name="Notes Placeholder 2"/>
           <p:cNvSpPr>
             <a:spLocks noGrp="1"/>
           </p:cNvSpPr>
@@ -1858,7 +1858,7 @@
       </p:sp>
       <p:sp>
         <p:nvSpPr>
-          <p:cNvPr id="1168707073" name="Slide Number Placeholder 3"/>
+          <p:cNvPr id="15607015" name="Slide Number Placeholder 3"/>
           <p:cNvSpPr>
             <a:spLocks noGrp="1"/>
           </p:cNvSpPr>
@@ -1909,7 +1909,7 @@
       </p:grpSpPr>
       <p:sp>
         <p:nvSpPr>
-          <p:cNvPr id="706401233" name="Slide Image Placeholder 1"/>
+          <p:cNvPr id="1923487790" name="Slide Image Placeholder 1"/>
           <p:cNvSpPr>
             <a:spLocks noChangeAspect="1" noGrp="1" noRot="1"/>
           </p:cNvSpPr>
@@ -1921,7 +1921,7 @@
       </p:sp>
       <p:sp>
         <p:nvSpPr>
-          <p:cNvPr id="227147077" name="Notes Placeholder 2"/>
+          <p:cNvPr id="2032976195" name="Notes Placeholder 2"/>
           <p:cNvSpPr>
             <a:spLocks noGrp="1"/>
           </p:cNvSpPr>
@@ -1943,7 +1943,7 @@
       </p:sp>
       <p:sp>
         <p:nvSpPr>
-          <p:cNvPr id="1238612697" name="Slide Number Placeholder 3"/>
+          <p:cNvPr id="1737971439" name="Slide Number Placeholder 3"/>
           <p:cNvSpPr>
             <a:spLocks noGrp="1"/>
           </p:cNvSpPr>
@@ -1994,7 +1994,7 @@
       </p:grpSpPr>
       <p:sp>
         <p:nvSpPr>
-          <p:cNvPr id="1573147593" name="Slide Image Placeholder 1"/>
+          <p:cNvPr id="2072467000" name="Slide Image Placeholder 1"/>
           <p:cNvSpPr>
             <a:spLocks noChangeAspect="1" noGrp="1" noRot="1"/>
           </p:cNvSpPr>
@@ -2006,7 +2006,7 @@
       </p:sp>
       <p:sp>
         <p:nvSpPr>
-          <p:cNvPr id="1152785609" name="Notes Placeholder 2"/>
+          <p:cNvPr id="590789699" name="Notes Placeholder 2"/>
           <p:cNvSpPr>
             <a:spLocks noGrp="1"/>
           </p:cNvSpPr>
@@ -2028,7 +2028,7 @@
       </p:sp>
       <p:sp>
         <p:nvSpPr>
-          <p:cNvPr id="618967407" name="Slide Number Placeholder 3"/>
+          <p:cNvPr id="1861751868" name="Slide Number Placeholder 3"/>
           <p:cNvSpPr>
             <a:spLocks noGrp="1"/>
           </p:cNvSpPr>
@@ -2079,7 +2079,7 @@
       </p:grpSpPr>
       <p:sp>
         <p:nvSpPr>
-          <p:cNvPr id="788204902" name="Slide Image Placeholder 1"/>
+          <p:cNvPr id="112006203" name="Slide Image Placeholder 1"/>
           <p:cNvSpPr>
             <a:spLocks noChangeAspect="1" noGrp="1" noRot="1"/>
           </p:cNvSpPr>
@@ -2091,7 +2091,7 @@
       </p:sp>
       <p:sp>
         <p:nvSpPr>
-          <p:cNvPr id="1878088120" name="Notes Placeholder 2"/>
+          <p:cNvPr id="166291755" name="Notes Placeholder 2"/>
           <p:cNvSpPr>
             <a:spLocks noGrp="1"/>
           </p:cNvSpPr>
@@ -2113,7 +2113,7 @@
       </p:sp>
       <p:sp>
         <p:nvSpPr>
-          <p:cNvPr id="1042165464" name="Slide Number Placeholder 3"/>
+          <p:cNvPr id="1222380986" name="Slide Number Placeholder 3"/>
           <p:cNvSpPr>
             <a:spLocks noGrp="1"/>
           </p:cNvSpPr>
@@ -2164,7 +2164,7 @@
       </p:grpSpPr>
       <p:sp>
         <p:nvSpPr>
-          <p:cNvPr id="959240935" name="Slide Image Placeholder 1"/>
+          <p:cNvPr id="743946724" name="Slide Image Placeholder 1"/>
           <p:cNvSpPr>
             <a:spLocks noChangeAspect="1" noGrp="1" noRot="1"/>
           </p:cNvSpPr>
@@ -2176,7 +2176,7 @@
       </p:sp>
       <p:sp>
         <p:nvSpPr>
-          <p:cNvPr id="1391967371" name="Notes Placeholder 2"/>
+          <p:cNvPr id="219047424" name="Notes Placeholder 2"/>
           <p:cNvSpPr>
             <a:spLocks noGrp="1"/>
           </p:cNvSpPr>
@@ -2198,7 +2198,7 @@
       </p:sp>
       <p:sp>
         <p:nvSpPr>
-          <p:cNvPr id="1618730521" name="Slide Number Placeholder 3"/>
+          <p:cNvPr id="1669316433" name="Slide Number Placeholder 3"/>
           <p:cNvSpPr>
             <a:spLocks noGrp="1"/>
           </p:cNvSpPr>
@@ -2249,7 +2249,7 @@
       </p:grpSpPr>
       <p:sp>
         <p:nvSpPr>
-          <p:cNvPr id="1551532369" name="Slide Image Placeholder 1"/>
+          <p:cNvPr id="778151148" name="Slide Image Placeholder 1"/>
           <p:cNvSpPr>
             <a:spLocks noChangeAspect="1" noGrp="1" noRot="1"/>
           </p:cNvSpPr>
@@ -2261,7 +2261,7 @@
       </p:sp>
       <p:sp>
         <p:nvSpPr>
-          <p:cNvPr id="1930115350" name="Notes Placeholder 2"/>
+          <p:cNvPr id="305490708" name="Notes Placeholder 2"/>
           <p:cNvSpPr>
             <a:spLocks noGrp="1"/>
           </p:cNvSpPr>
@@ -2283,7 +2283,7 @@
       </p:sp>
       <p:sp>
         <p:nvSpPr>
-          <p:cNvPr id="1054384247" name="Slide Number Placeholder 3"/>
+          <p:cNvPr id="929997383" name="Slide Number Placeholder 3"/>
           <p:cNvSpPr>
             <a:spLocks noGrp="1"/>
           </p:cNvSpPr>
@@ -2334,7 +2334,7 @@
       </p:grpSpPr>
       <p:sp>
         <p:nvSpPr>
-          <p:cNvPr id="1318521788" name="Slide Image Placeholder 1"/>
+          <p:cNvPr id="935902563" name="Slide Image Placeholder 1"/>
           <p:cNvSpPr>
             <a:spLocks noChangeAspect="1" noGrp="1" noRot="1"/>
           </p:cNvSpPr>
@@ -2346,7 +2346,7 @@
       </p:sp>
       <p:sp>
         <p:nvSpPr>
-          <p:cNvPr id="315947320" name="Notes Placeholder 2"/>
+          <p:cNvPr id="1475105424" name="Notes Placeholder 2"/>
           <p:cNvSpPr>
             <a:spLocks noGrp="1"/>
           </p:cNvSpPr>
@@ -2368,7 +2368,7 @@
       </p:sp>
       <p:sp>
         <p:nvSpPr>
-          <p:cNvPr id="1545786015" name="Slide Number Placeholder 3"/>
+          <p:cNvPr id="1249032767" name="Slide Number Placeholder 3"/>
           <p:cNvSpPr>
             <a:spLocks noGrp="1"/>
           </p:cNvSpPr>
@@ -2419,7 +2419,7 @@
       </p:grpSpPr>
       <p:sp>
         <p:nvSpPr>
-          <p:cNvPr id="1768153068" name="Slide Image Placeholder 1"/>
+          <p:cNvPr id="497517648" name="Slide Image Placeholder 1"/>
           <p:cNvSpPr>
             <a:spLocks noChangeAspect="1" noGrp="1" noRot="1"/>
           </p:cNvSpPr>
@@ -2431,7 +2431,7 @@
       </p:sp>
       <p:sp>
         <p:nvSpPr>
-          <p:cNvPr id="933477165" name="Notes Placeholder 2"/>
+          <p:cNvPr id="511052138" name="Notes Placeholder 2"/>
           <p:cNvSpPr>
             <a:spLocks noGrp="1"/>
           </p:cNvSpPr>
@@ -2453,7 +2453,7 @@
       </p:sp>
       <p:sp>
         <p:nvSpPr>
-          <p:cNvPr id="772999624" name="Slide Number Placeholder 3"/>
+          <p:cNvPr id="1993726392" name="Slide Number Placeholder 3"/>
           <p:cNvSpPr>
             <a:spLocks noGrp="1"/>
           </p:cNvSpPr>
@@ -2504,7 +2504,7 @@
       </p:grpSpPr>
       <p:sp>
         <p:nvSpPr>
-          <p:cNvPr id="1380796800" name="Slide Image Placeholder 1"/>
+          <p:cNvPr id="577244151" name="Slide Image Placeholder 1"/>
           <p:cNvSpPr>
             <a:spLocks noChangeAspect="1" noGrp="1" noRot="1"/>
           </p:cNvSpPr>
@@ -2516,7 +2516,7 @@
       </p:sp>
       <p:sp>
         <p:nvSpPr>
-          <p:cNvPr id="2093324385" name="Notes Placeholder 2"/>
+          <p:cNvPr id="568276023" name="Notes Placeholder 2"/>
           <p:cNvSpPr>
             <a:spLocks noGrp="1"/>
           </p:cNvSpPr>
@@ -2538,7 +2538,7 @@
       </p:sp>
       <p:sp>
         <p:nvSpPr>
-          <p:cNvPr id="2037346944" name="Slide Number Placeholder 3"/>
+          <p:cNvPr id="1853052078" name="Slide Number Placeholder 3"/>
           <p:cNvSpPr>
             <a:spLocks noGrp="1"/>
           </p:cNvSpPr>
@@ -2589,7 +2589,7 @@
       </p:grpSpPr>
       <p:sp>
         <p:nvSpPr>
-          <p:cNvPr id="1719964070" name="Slide Image Placeholder 1"/>
+          <p:cNvPr id="200753468" name="Slide Image Placeholder 1"/>
           <p:cNvSpPr>
             <a:spLocks noChangeAspect="1" noGrp="1" noRot="1"/>
           </p:cNvSpPr>
@@ -2601,7 +2601,7 @@
       </p:sp>
       <p:sp>
         <p:nvSpPr>
-          <p:cNvPr id="871080158" name="Notes Placeholder 2"/>
+          <p:cNvPr id="519020596" name="Notes Placeholder 2"/>
           <p:cNvSpPr>
             <a:spLocks noGrp="1"/>
           </p:cNvSpPr>
@@ -2623,7 +2623,7 @@
       </p:sp>
       <p:sp>
         <p:nvSpPr>
-          <p:cNvPr id="757781259" name="Slide Number Placeholder 3"/>
+          <p:cNvPr id="232306809" name="Slide Number Placeholder 3"/>
           <p:cNvSpPr>
             <a:spLocks noGrp="1"/>
           </p:cNvSpPr>
@@ -2674,7 +2674,7 @@
       </p:grpSpPr>
       <p:sp>
         <p:nvSpPr>
-          <p:cNvPr id="740060790" name="Slide Image Placeholder 1"/>
+          <p:cNvPr id="42332439" name="Slide Image Placeholder 1"/>
           <p:cNvSpPr>
             <a:spLocks noChangeAspect="1" noGrp="1" noRot="1"/>
           </p:cNvSpPr>
@@ -2686,7 +2686,7 @@
       </p:sp>
       <p:sp>
         <p:nvSpPr>
-          <p:cNvPr id="736796591" name="Notes Placeholder 2"/>
+          <p:cNvPr id="1830426611" name="Notes Placeholder 2"/>
           <p:cNvSpPr>
             <a:spLocks noGrp="1"/>
           </p:cNvSpPr>
@@ -2708,7 +2708,7 @@
       </p:sp>
       <p:sp>
         <p:nvSpPr>
-          <p:cNvPr id="1794937298" name="Slide Number Placeholder 3"/>
+          <p:cNvPr id="215777218" name="Slide Number Placeholder 3"/>
           <p:cNvSpPr>
             <a:spLocks noGrp="1"/>
           </p:cNvSpPr>
@@ -2759,7 +2759,7 @@
       </p:grpSpPr>
       <p:sp>
         <p:nvSpPr>
-          <p:cNvPr id="2" name="Slide Image Placeholder 1"/>
+          <p:cNvPr id="2115881741" name="Slide Image Placeholder 1"/>
           <p:cNvSpPr>
             <a:spLocks noChangeAspect="1" noGrp="1" noRot="1"/>
           </p:cNvSpPr>
@@ -2771,7 +2771,7 @@
       </p:sp>
       <p:sp>
         <p:nvSpPr>
-          <p:cNvPr id="3" name="Notes Placeholder 2"/>
+          <p:cNvPr id="1241385878" name="Notes Placeholder 2"/>
           <p:cNvSpPr>
             <a:spLocks noGrp="1"/>
           </p:cNvSpPr>
@@ -2793,7 +2793,7 @@
       </p:sp>
       <p:sp>
         <p:nvSpPr>
-          <p:cNvPr id="4" name="Slide Number Placeholder 3"/>
+          <p:cNvPr id="1354135217" name="Slide Number Placeholder 3"/>
           <p:cNvSpPr>
             <a:spLocks noGrp="1"/>
           </p:cNvSpPr>
@@ -2844,7 +2844,7 @@
       </p:grpSpPr>
       <p:sp>
         <p:nvSpPr>
-          <p:cNvPr id="2" name="Slide Image Placeholder 1"/>
+          <p:cNvPr id="1571940878" name="Slide Image Placeholder 1"/>
           <p:cNvSpPr>
             <a:spLocks noChangeAspect="1" noGrp="1" noRot="1"/>
           </p:cNvSpPr>
@@ -2856,7 +2856,7 @@
       </p:sp>
       <p:sp>
         <p:nvSpPr>
-          <p:cNvPr id="3" name="Notes Placeholder 2"/>
+          <p:cNvPr id="2113715480" name="Notes Placeholder 2"/>
           <p:cNvSpPr>
             <a:spLocks noGrp="1"/>
           </p:cNvSpPr>
@@ -2878,7 +2878,7 @@
       </p:sp>
       <p:sp>
         <p:nvSpPr>
-          <p:cNvPr id="4" name="Slide Number Placeholder 3"/>
+          <p:cNvPr id="1896100707" name="Slide Number Placeholder 3"/>
           <p:cNvSpPr>
             <a:spLocks noGrp="1"/>
           </p:cNvSpPr>
@@ -2929,7 +2929,7 @@
       </p:grpSpPr>
       <p:sp>
         <p:nvSpPr>
-          <p:cNvPr id="2" name="Slide Image Placeholder 1"/>
+          <p:cNvPr id="1074733501" name="Slide Image Placeholder 1"/>
           <p:cNvSpPr>
             <a:spLocks noChangeAspect="1" noGrp="1" noRot="1"/>
           </p:cNvSpPr>
@@ -2941,7 +2941,7 @@
       </p:sp>
       <p:sp>
         <p:nvSpPr>
-          <p:cNvPr id="3" name="Notes Placeholder 2"/>
+          <p:cNvPr id="956586795" name="Notes Placeholder 2"/>
           <p:cNvSpPr>
             <a:spLocks noGrp="1"/>
           </p:cNvSpPr>
@@ -2963,7 +2963,7 @@
       </p:sp>
       <p:sp>
         <p:nvSpPr>
-          <p:cNvPr id="4" name="Slide Number Placeholder 3"/>
+          <p:cNvPr id="83214232" name="Slide Number Placeholder 3"/>
           <p:cNvSpPr>
             <a:spLocks noGrp="1"/>
           </p:cNvSpPr>
@@ -3014,7 +3014,7 @@
       </p:grpSpPr>
       <p:sp>
         <p:nvSpPr>
-          <p:cNvPr id="2" name="Slide Image Placeholder 1"/>
+          <p:cNvPr id="1752517661" name="Slide Image Placeholder 1"/>
           <p:cNvSpPr>
             <a:spLocks noChangeAspect="1" noGrp="1" noRot="1"/>
           </p:cNvSpPr>
@@ -3026,7 +3026,7 @@
       </p:sp>
       <p:sp>
         <p:nvSpPr>
-          <p:cNvPr id="3" name="Notes Placeholder 2"/>
+          <p:cNvPr id="1054706827" name="Notes Placeholder 2"/>
           <p:cNvSpPr>
             <a:spLocks noGrp="1"/>
           </p:cNvSpPr>
@@ -3048,7 +3048,7 @@
       </p:sp>
       <p:sp>
         <p:nvSpPr>
-          <p:cNvPr id="4" name="Slide Number Placeholder 3"/>
+          <p:cNvPr id="375946896" name="Slide Number Placeholder 3"/>
           <p:cNvSpPr>
             <a:spLocks noGrp="1"/>
           </p:cNvSpPr>
@@ -3099,7 +3099,7 @@
       </p:grpSpPr>
       <p:sp>
         <p:nvSpPr>
-          <p:cNvPr id="582961914" name="Slide Image Placeholder 1"/>
+          <p:cNvPr id="1798774228" name="Slide Image Placeholder 1"/>
           <p:cNvSpPr>
             <a:spLocks noChangeAspect="1" noGrp="1" noRot="1"/>
           </p:cNvSpPr>
@@ -3111,7 +3111,7 @@
       </p:sp>
       <p:sp>
         <p:nvSpPr>
-          <p:cNvPr id="1858417717" name="Notes Placeholder 2"/>
+          <p:cNvPr id="714623475" name="Notes Placeholder 2"/>
           <p:cNvSpPr>
             <a:spLocks noGrp="1"/>
           </p:cNvSpPr>
@@ -3133,7 +3133,7 @@
       </p:sp>
       <p:sp>
         <p:nvSpPr>
-          <p:cNvPr id="1637212018" name="Slide Number Placeholder 3"/>
+          <p:cNvPr id="1234982944" name="Slide Number Placeholder 3"/>
           <p:cNvSpPr>
             <a:spLocks noGrp="1"/>
           </p:cNvSpPr>
@@ -3184,7 +3184,7 @@
       </p:grpSpPr>
       <p:sp>
         <p:nvSpPr>
-          <p:cNvPr id="1554152062" name="Slide Image Placeholder 1"/>
+          <p:cNvPr id="822288220" name="Slide Image Placeholder 1"/>
           <p:cNvSpPr>
             <a:spLocks noChangeAspect="1" noGrp="1" noRot="1"/>
           </p:cNvSpPr>
@@ -3196,7 +3196,7 @@
       </p:sp>
       <p:sp>
         <p:nvSpPr>
-          <p:cNvPr id="929787196" name="Notes Placeholder 2"/>
+          <p:cNvPr id="1454896263" name="Notes Placeholder 2"/>
           <p:cNvSpPr>
             <a:spLocks noGrp="1"/>
           </p:cNvSpPr>
@@ -3218,7 +3218,7 @@
       </p:sp>
       <p:sp>
         <p:nvSpPr>
-          <p:cNvPr id="91747236" name="Slide Number Placeholder 3"/>
+          <p:cNvPr id="530670563" name="Slide Number Placeholder 3"/>
           <p:cNvSpPr>
             <a:spLocks noGrp="1"/>
           </p:cNvSpPr>
@@ -3269,7 +3269,7 @@
       </p:grpSpPr>
       <p:sp>
         <p:nvSpPr>
-          <p:cNvPr id="2144065282" name="Slide Image Placeholder 1"/>
+          <p:cNvPr id="993825292" name="Slide Image Placeholder 1"/>
           <p:cNvSpPr>
             <a:spLocks noChangeAspect="1" noGrp="1" noRot="1"/>
           </p:cNvSpPr>
@@ -3281,7 +3281,7 @@
       </p:sp>
       <p:sp>
         <p:nvSpPr>
-          <p:cNvPr id="1517979944" name="Notes Placeholder 2"/>
+          <p:cNvPr id="1774283461" name="Notes Placeholder 2"/>
           <p:cNvSpPr>
             <a:spLocks noGrp="1"/>
           </p:cNvSpPr>
@@ -3303,7 +3303,7 @@
       </p:sp>
       <p:sp>
         <p:nvSpPr>
-          <p:cNvPr id="1715331883" name="Slide Number Placeholder 3"/>
+          <p:cNvPr id="1403496187" name="Slide Number Placeholder 3"/>
           <p:cNvSpPr>
             <a:spLocks noGrp="1"/>
           </p:cNvSpPr>
@@ -3354,7 +3354,7 @@
       </p:grpSpPr>
       <p:sp>
         <p:nvSpPr>
-          <p:cNvPr id="95648288" name="Slide Image Placeholder 1"/>
+          <p:cNvPr id="913671469" name="Slide Image Placeholder 1"/>
           <p:cNvSpPr>
             <a:spLocks noChangeAspect="1" noGrp="1" noRot="1"/>
           </p:cNvSpPr>
@@ -3366,7 +3366,7 @@
       </p:sp>
       <p:sp>
         <p:nvSpPr>
-          <p:cNvPr id="432033276" name="Notes Placeholder 2"/>
+          <p:cNvPr id="1202717003" name="Notes Placeholder 2"/>
           <p:cNvSpPr>
             <a:spLocks noGrp="1"/>
           </p:cNvSpPr>
@@ -3388,7 +3388,7 @@
       </p:sp>
       <p:sp>
         <p:nvSpPr>
-          <p:cNvPr id="1431285369" name="Slide Number Placeholder 3"/>
+          <p:cNvPr id="635546541" name="Slide Number Placeholder 3"/>
           <p:cNvSpPr>
             <a:spLocks noGrp="1"/>
           </p:cNvSpPr>
@@ -3439,7 +3439,7 @@
       </p:grpSpPr>
       <p:sp>
         <p:nvSpPr>
-          <p:cNvPr id="1960230193" name="Slide Image Placeholder 1"/>
+          <p:cNvPr id="1099683045" name="Slide Image Placeholder 1"/>
           <p:cNvSpPr>
             <a:spLocks noChangeAspect="1" noGrp="1" noRot="1"/>
           </p:cNvSpPr>
@@ -3451,7 +3451,7 @@
       </p:sp>
       <p:sp>
         <p:nvSpPr>
-          <p:cNvPr id="1926384944" name="Notes Placeholder 2"/>
+          <p:cNvPr id="1995754225" name="Notes Placeholder 2"/>
           <p:cNvSpPr>
             <a:spLocks noGrp="1"/>
           </p:cNvSpPr>
@@ -3473,7 +3473,7 @@
       </p:sp>
       <p:sp>
         <p:nvSpPr>
-          <p:cNvPr id="536480059" name="Slide Number Placeholder 3"/>
+          <p:cNvPr id="1821958064" name="Slide Number Placeholder 3"/>
           <p:cNvSpPr>
             <a:spLocks noGrp="1"/>
           </p:cNvSpPr>
@@ -3524,7 +3524,7 @@
       </p:grpSpPr>
       <p:sp>
         <p:nvSpPr>
-          <p:cNvPr id="1826472308" name="Slide Image Placeholder 1"/>
+          <p:cNvPr id="2140938425" name="Slide Image Placeholder 1"/>
           <p:cNvSpPr>
             <a:spLocks noChangeAspect="1" noGrp="1" noRot="1"/>
           </p:cNvSpPr>
@@ -3536,7 +3536,7 @@
       </p:sp>
       <p:sp>
         <p:nvSpPr>
-          <p:cNvPr id="1328364753" name="Notes Placeholder 2"/>
+          <p:cNvPr id="1123940360" name="Notes Placeholder 2"/>
           <p:cNvSpPr>
             <a:spLocks noGrp="1"/>
           </p:cNvSpPr>
@@ -3558,7 +3558,7 @@
       </p:sp>
       <p:sp>
         <p:nvSpPr>
-          <p:cNvPr id="168840835" name="Slide Number Placeholder 3"/>
+          <p:cNvPr id="718526580" name="Slide Number Placeholder 3"/>
           <p:cNvSpPr>
             <a:spLocks noGrp="1"/>
           </p:cNvSpPr>
@@ -3609,7 +3609,7 @@
       </p:grpSpPr>
       <p:sp>
         <p:nvSpPr>
-          <p:cNvPr id="600553587" name="Titelplatzhalter 25"/>
+          <p:cNvPr id="1003589597" name="Titelplatzhalter 25"/>
           <p:cNvSpPr>
             <a:spLocks noGrp="1"/>
           </p:cNvSpPr>
@@ -3706,7 +3706,7 @@
       </p:grpSpPr>
       <p:sp>
         <p:nvSpPr>
-          <p:cNvPr id="278885714" name="Titel 3"/>
+          <p:cNvPr id="1481987929" name="Titel 3"/>
           <p:cNvSpPr>
             <a:spLocks noGrp="1"/>
           </p:cNvSpPr>
@@ -3746,7 +3746,7 @@
       </p:sp>
       <p:sp>
         <p:nvSpPr>
-          <p:cNvPr id="1250918635" name="Textplatzhalter 7"/>
+          <p:cNvPr id="717203998" name="Textplatzhalter 7"/>
           <p:cNvSpPr>
             <a:spLocks noGrp="1"/>
           </p:cNvSpPr>
@@ -3818,7 +3818,7 @@
       </p:sp>
       <p:sp>
         <p:nvSpPr>
-          <p:cNvPr id="1369607877" name="Bildplatzhalter 2"/>
+          <p:cNvPr id="1634775225" name="Bildplatzhalter 2"/>
           <p:cNvSpPr>
             <a:spLocks noGrp="1"/>
           </p:cNvSpPr>
@@ -3860,7 +3860,7 @@
       </p:sp>
       <p:sp>
         <p:nvSpPr>
-          <p:cNvPr id="562592383" name="Textplatzhalter 7"/>
+          <p:cNvPr id="1475350880" name="Textplatzhalter 7"/>
           <p:cNvSpPr>
             <a:spLocks noGrp="1"/>
           </p:cNvSpPr>
@@ -3967,7 +3967,7 @@
       </p:sp>
       <p:sp>
         <p:nvSpPr>
-          <p:cNvPr id="1785229918" name="Bildplatzhalter 2"/>
+          <p:cNvPr id="1511010009" name="Bildplatzhalter 2"/>
           <p:cNvSpPr>
             <a:spLocks noGrp="1"/>
           </p:cNvSpPr>
@@ -4009,7 +4009,7 @@
       </p:sp>
       <p:sp>
         <p:nvSpPr>
-          <p:cNvPr id="1640089173" name="Textplatzhalter 7"/>
+          <p:cNvPr id="680755502" name="Textplatzhalter 7"/>
           <p:cNvSpPr>
             <a:spLocks noGrp="1"/>
           </p:cNvSpPr>
@@ -4116,7 +4116,7 @@
       </p:sp>
       <p:sp>
         <p:nvSpPr>
-          <p:cNvPr id="1624390093" name="Bildplatzhalter 2"/>
+          <p:cNvPr id="1027266838" name="Bildplatzhalter 2"/>
           <p:cNvSpPr>
             <a:spLocks noGrp="1"/>
           </p:cNvSpPr>
@@ -4158,7 +4158,7 @@
       </p:sp>
       <p:sp>
         <p:nvSpPr>
-          <p:cNvPr id="378914876" name="Textplatzhalter 7"/>
+          <p:cNvPr id="1134578645" name="Textplatzhalter 7"/>
           <p:cNvSpPr>
             <a:spLocks noGrp="1"/>
           </p:cNvSpPr>
@@ -4290,7 +4290,7 @@
       </p:grpSpPr>
       <p:sp>
         <p:nvSpPr>
-          <p:cNvPr id="1872982340" name="Titelplatzhalter 25"/>
+          <p:cNvPr id="61923609" name="Titelplatzhalter 25"/>
           <p:cNvSpPr>
             <a:spLocks noGrp="1"/>
           </p:cNvSpPr>
@@ -4334,7 +4334,7 @@
       </p:sp>
       <p:sp>
         <p:nvSpPr>
-          <p:cNvPr id="591575090" name="Textplatzhalter 7"/>
+          <p:cNvPr id="1642219285" name="Textplatzhalter 7"/>
           <p:cNvSpPr>
             <a:spLocks noGrp="1"/>
           </p:cNvSpPr>
@@ -4406,7 +4406,7 @@
       </p:sp>
       <p:sp>
         <p:nvSpPr>
-          <p:cNvPr id="264036305" name="Bildplatzhalter 2"/>
+          <p:cNvPr id="93057270" name="Bildplatzhalter 2"/>
           <p:cNvSpPr>
             <a:spLocks noGrp="1"/>
           </p:cNvSpPr>
@@ -4448,7 +4448,7 @@
       </p:sp>
       <p:sp>
         <p:nvSpPr>
-          <p:cNvPr id="1408023476" name="Bildplatzhalter 2"/>
+          <p:cNvPr id="1506885297" name="Bildplatzhalter 2"/>
           <p:cNvSpPr>
             <a:spLocks noGrp="1"/>
           </p:cNvSpPr>
@@ -4490,7 +4490,7 @@
       </p:sp>
       <p:sp>
         <p:nvSpPr>
-          <p:cNvPr id="1152113337" name="Bildplatzhalter 2"/>
+          <p:cNvPr id="1053497780" name="Bildplatzhalter 2"/>
           <p:cNvSpPr>
             <a:spLocks noGrp="1"/>
           </p:cNvSpPr>
@@ -4532,7 +4532,7 @@
       </p:sp>
       <p:sp>
         <p:nvSpPr>
-          <p:cNvPr id="787511661" name="Bildplatzhalter 4"/>
+          <p:cNvPr id="1902824997" name="Bildplatzhalter 4"/>
           <p:cNvSpPr>
             <a:spLocks noGrp="1"/>
           </p:cNvSpPr>
@@ -4576,7 +4576,7 @@
       </p:sp>
       <p:sp>
         <p:nvSpPr>
-          <p:cNvPr id="129111198" name="Textplatzhalter 7"/>
+          <p:cNvPr id="150128585" name="Textplatzhalter 7"/>
           <p:cNvSpPr>
             <a:spLocks noGrp="1"/>
           </p:cNvSpPr>
@@ -4669,7 +4669,7 @@
       </p:grpSpPr>
       <p:sp>
         <p:nvSpPr>
-          <p:cNvPr id="1620456153" name="Titelplatzhalter 25"/>
+          <p:cNvPr id="981242641" name="Titelplatzhalter 25"/>
           <p:cNvSpPr>
             <a:spLocks noGrp="1"/>
           </p:cNvSpPr>
@@ -4713,7 +4713,7 @@
       </p:sp>
       <p:sp>
         <p:nvSpPr>
-          <p:cNvPr id="1816443109" name="Bildplatzhalter 4"/>
+          <p:cNvPr id="334945498" name="Bildplatzhalter 4"/>
           <p:cNvSpPr>
             <a:spLocks noGrp="1"/>
           </p:cNvSpPr>
@@ -4757,7 +4757,7 @@
       </p:sp>
       <p:sp>
         <p:nvSpPr>
-          <p:cNvPr id="1082765462" name="Textplatzhalter 7"/>
+          <p:cNvPr id="2119615894" name="Textplatzhalter 7"/>
           <p:cNvSpPr>
             <a:spLocks noGrp="1"/>
           </p:cNvSpPr>
@@ -4829,7 +4829,7 @@
       </p:sp>
       <p:sp>
         <p:nvSpPr>
-          <p:cNvPr id="37026748" name="Bildplatzhalter 2"/>
+          <p:cNvPr id="1517551816" name="Bildplatzhalter 2"/>
           <p:cNvSpPr>
             <a:spLocks noGrp="1"/>
           </p:cNvSpPr>
@@ -4896,7 +4896,7 @@
       </p:grpSpPr>
       <p:sp>
         <p:nvSpPr>
-          <p:cNvPr id="528896217" name="Titelplatzhalter 25"/>
+          <p:cNvPr id="211939002" name="Titelplatzhalter 25"/>
           <p:cNvSpPr>
             <a:spLocks noGrp="1"/>
           </p:cNvSpPr>
@@ -4940,7 +4940,7 @@
       </p:sp>
       <p:sp>
         <p:nvSpPr>
-          <p:cNvPr id="2121347390" name="Bildplatzhalter 2"/>
+          <p:cNvPr id="1520365714" name="Bildplatzhalter 2"/>
           <p:cNvSpPr>
             <a:spLocks noGrp="1"/>
           </p:cNvSpPr>
@@ -4982,7 +4982,7 @@
       </p:sp>
       <p:sp>
         <p:nvSpPr>
-          <p:cNvPr id="1976295577" name="Bildplatzhalter 2"/>
+          <p:cNvPr id="1374214044" name="Bildplatzhalter 2"/>
           <p:cNvSpPr>
             <a:spLocks noGrp="1"/>
           </p:cNvSpPr>
@@ -5024,7 +5024,7 @@
       </p:sp>
       <p:sp>
         <p:nvSpPr>
-          <p:cNvPr id="1585714652" name="Bildplatzhalter 2"/>
+          <p:cNvPr id="135884446" name="Bildplatzhalter 2"/>
           <p:cNvSpPr>
             <a:spLocks noGrp="1"/>
           </p:cNvSpPr>
@@ -5066,7 +5066,7 @@
       </p:sp>
       <p:sp>
         <p:nvSpPr>
-          <p:cNvPr id="386317488" name="Textplatzhalter 7"/>
+          <p:cNvPr id="1600419347" name="Textplatzhalter 7"/>
           <p:cNvSpPr>
             <a:spLocks noGrp="1"/>
           </p:cNvSpPr>
@@ -5163,7 +5163,7 @@
       </p:grpSpPr>
       <p:sp>
         <p:nvSpPr>
-          <p:cNvPr id="1205456282" name="Titel 3"/>
+          <p:cNvPr id="1545995111" name="Titel 3"/>
           <p:cNvSpPr>
             <a:spLocks noGrp="1"/>
           </p:cNvSpPr>
@@ -5231,7 +5231,7 @@
       </p:sp>
       <p:sp>
         <p:nvSpPr>
-          <p:cNvPr id="179540728" name="Textplatzhalter 7"/>
+          <p:cNvPr id="1070699096" name="Textplatzhalter 7"/>
           <p:cNvSpPr>
             <a:spLocks noGrp="1"/>
           </p:cNvSpPr>
@@ -5303,7 +5303,7 @@
       </p:sp>
       <p:sp>
         <p:nvSpPr>
-          <p:cNvPr id="1599791089" name="Textplatzhalter 7"/>
+          <p:cNvPr id="2080246411" name="Textplatzhalter 7"/>
           <p:cNvSpPr>
             <a:spLocks noGrp="1"/>
           </p:cNvSpPr>
@@ -5435,7 +5435,7 @@
       </p:grpSpPr>
       <p:sp>
         <p:nvSpPr>
-          <p:cNvPr id="615181189" name="Titel 3"/>
+          <p:cNvPr id="143929972" name="Titel 3"/>
           <p:cNvSpPr>
             <a:spLocks noGrp="1"/>
           </p:cNvSpPr>
@@ -5503,7 +5503,7 @@
       </p:sp>
       <p:sp>
         <p:nvSpPr>
-          <p:cNvPr id="458260722" name="Textplatzhalter 7"/>
+          <p:cNvPr id="1488587892" name="Textplatzhalter 7"/>
           <p:cNvSpPr>
             <a:spLocks noGrp="1"/>
           </p:cNvSpPr>
@@ -5575,7 +5575,7 @@
       </p:sp>
       <p:sp>
         <p:nvSpPr>
-          <p:cNvPr id="311285520" name="Bildplatzhalter 2"/>
+          <p:cNvPr id="291246296" name="Bildplatzhalter 2"/>
           <p:cNvSpPr>
             <a:spLocks noGrp="1"/>
           </p:cNvSpPr>
@@ -5617,7 +5617,7 @@
       </p:sp>
       <p:sp>
         <p:nvSpPr>
-          <p:cNvPr id="1870316526" name="Textplatzhalter 7"/>
+          <p:cNvPr id="1296774654" name="Textplatzhalter 7"/>
           <p:cNvSpPr>
             <a:spLocks noGrp="1"/>
           </p:cNvSpPr>
@@ -5749,7 +5749,7 @@
       </p:grpSpPr>
       <p:sp>
         <p:nvSpPr>
-          <p:cNvPr id="1154363680" name="Titel 3"/>
+          <p:cNvPr id="1310204997" name="Titel 3"/>
           <p:cNvSpPr>
             <a:spLocks noGrp="1"/>
           </p:cNvSpPr>
@@ -5823,7 +5823,7 @@
       </p:sp>
       <p:sp>
         <p:nvSpPr>
-          <p:cNvPr id="1608173943" name="Textplatzhalter 7"/>
+          <p:cNvPr id="2118504504" name="Textplatzhalter 7"/>
           <p:cNvSpPr>
             <a:spLocks noGrp="1"/>
           </p:cNvSpPr>
@@ -5895,7 +5895,7 @@
       </p:sp>
       <p:sp>
         <p:nvSpPr>
-          <p:cNvPr id="1389768882" name="Bildplatzhalter 2"/>
+          <p:cNvPr id="1198469972" name="Bildplatzhalter 2"/>
           <p:cNvSpPr>
             <a:spLocks noGrp="1"/>
           </p:cNvSpPr>
@@ -5937,7 +5937,7 @@
       </p:sp>
       <p:sp>
         <p:nvSpPr>
-          <p:cNvPr id="1451155955" name="Textplatzhalter 7"/>
+          <p:cNvPr id="280927540" name="Textplatzhalter 7"/>
           <p:cNvSpPr>
             <a:spLocks noGrp="1"/>
           </p:cNvSpPr>
@@ -6014,7 +6014,7 @@
       </p:sp>
       <p:sp>
         <p:nvSpPr>
-          <p:cNvPr id="1947120106" name="Bildplatzhalter 2"/>
+          <p:cNvPr id="987999972" name="Bildplatzhalter 2"/>
           <p:cNvSpPr>
             <a:spLocks noGrp="1"/>
           </p:cNvSpPr>
@@ -6056,7 +6056,7 @@
       </p:sp>
       <p:sp>
         <p:nvSpPr>
-          <p:cNvPr id="1221389607" name="Textplatzhalter 7"/>
+          <p:cNvPr id="159067157" name="Textplatzhalter 7"/>
           <p:cNvSpPr>
             <a:spLocks noGrp="1"/>
           </p:cNvSpPr>
@@ -6158,7 +6158,7 @@
       </p:grpSpPr>
       <p:sp>
         <p:nvSpPr>
-          <p:cNvPr id="63391354" name="Titel 3"/>
+          <p:cNvPr id="1237916813" name="Titel 3"/>
           <p:cNvSpPr>
             <a:spLocks noGrp="1"/>
           </p:cNvSpPr>
@@ -6232,7 +6232,7 @@
       </p:sp>
       <p:sp>
         <p:nvSpPr>
-          <p:cNvPr id="547369039" name="Textplatzhalter 7"/>
+          <p:cNvPr id="967853929" name="Textplatzhalter 7"/>
           <p:cNvSpPr>
             <a:spLocks noGrp="1"/>
           </p:cNvSpPr>
@@ -6304,7 +6304,7 @@
       </p:sp>
       <p:sp>
         <p:nvSpPr>
-          <p:cNvPr id="586505534" name="Bildplatzhalter 2"/>
+          <p:cNvPr id="1955037915" name="Bildplatzhalter 2"/>
           <p:cNvSpPr>
             <a:spLocks noGrp="1"/>
           </p:cNvSpPr>
@@ -6346,7 +6346,7 @@
       </p:sp>
       <p:sp>
         <p:nvSpPr>
-          <p:cNvPr id="1078954171" name="Textplatzhalter 7"/>
+          <p:cNvPr id="1635137572" name="Textplatzhalter 7"/>
           <p:cNvSpPr>
             <a:spLocks noGrp="1"/>
           </p:cNvSpPr>
@@ -6478,7 +6478,7 @@
       </p:grpSpPr>
       <p:sp>
         <p:nvSpPr>
-          <p:cNvPr id="827876741" name="Titel 3"/>
+          <p:cNvPr id="2061041261" name="Titel 3"/>
           <p:cNvSpPr>
             <a:spLocks noGrp="1"/>
           </p:cNvSpPr>
@@ -6518,7 +6518,7 @@
       </p:sp>
       <p:sp>
         <p:nvSpPr>
-          <p:cNvPr id="974306455" name="Bildplatzhalter 4"/>
+          <p:cNvPr id="1388537457" name="Bildplatzhalter 4"/>
           <p:cNvSpPr>
             <a:spLocks noGrp="1"/>
           </p:cNvSpPr>
@@ -6562,7 +6562,7 @@
       </p:sp>
       <p:sp>
         <p:nvSpPr>
-          <p:cNvPr id="1071001524" name="Textplatzhalter 7"/>
+          <p:cNvPr id="876403636" name="Textplatzhalter 7"/>
           <p:cNvSpPr>
             <a:spLocks noGrp="1"/>
           </p:cNvSpPr>
@@ -6634,7 +6634,7 @@
       </p:sp>
       <p:sp>
         <p:nvSpPr>
-          <p:cNvPr id="1379931945" name="Textplatzhalter 7"/>
+          <p:cNvPr id="1503695725" name="Textplatzhalter 7"/>
           <p:cNvSpPr>
             <a:spLocks noGrp="1"/>
           </p:cNvSpPr>
@@ -6773,7 +6773,7 @@
       </p:grpSpPr>
       <p:sp>
         <p:nvSpPr>
-          <p:cNvPr id="1418842135" name="Rechteck 8"/>
+          <p:cNvPr id="1633315859" name="Rechteck 8"/>
           <p:cNvSpPr/>
           <p:nvPr userDrawn="1"/>
         </p:nvSpPr>
@@ -6821,7 +6821,7 @@
       </p:sp>
       <p:cxnSp>
         <p:nvCxnSpPr>
-          <p:cNvPr id="193000598" name="Gerader Verbinder 13"/>
+          <p:cNvPr id="479672750" name="Gerader Verbinder 13"/>
           <p:cNvCxnSpPr/>
           <p:nvPr userDrawn="1"/>
         </p:nvCxnSpPr>
@@ -6856,7 +6856,7 @@
       </p:cxnSp>
       <p:cxnSp>
         <p:nvCxnSpPr>
-          <p:cNvPr id="207430490" name="Gerader Verbinder 9"/>
+          <p:cNvPr id="402574443" name="Gerader Verbinder 9"/>
           <p:cNvCxnSpPr/>
           <p:nvPr userDrawn="1"/>
         </p:nvCxnSpPr>
@@ -6893,7 +6893,7 @@
       </p:cxnSp>
       <p:sp>
         <p:nvSpPr>
-          <p:cNvPr id="1477085389" name="Rectangle 4"/>
+          <p:cNvPr id="1169116805" name="Rectangle 4"/>
           <p:cNvSpPr txBox="1">
             <a:spLocks noChangeArrowheads="1"/>
           </p:cNvSpPr>
@@ -7124,7 +7124,7 @@
       </p:sp>
       <p:sp>
         <p:nvSpPr>
-          <p:cNvPr id="631998909" name="Rectangle 5"/>
+          <p:cNvPr id="1155119534" name="Rectangle 5"/>
           <p:cNvSpPr txBox="1">
             <a:spLocks noChangeArrowheads="1"/>
           </p:cNvSpPr>
@@ -7290,7 +7290,7 @@
       </p:sp>
       <p:pic>
         <p:nvPicPr>
-          <p:cNvPr id="336802870" name="Grafik 2" title="Logo der TU Chemnitz mit Bezug zur Kulturhauptstadt 2025"/>
+          <p:cNvPr id="530913300" name="Grafik 2" title="Logo der TU Chemnitz mit Bezug zur Kulturhauptstadt 2025"/>
           <p:cNvPicPr>
             <a:picLocks noChangeAspect="1"/>
           </p:cNvPicPr>
@@ -7731,7 +7731,7 @@
       </p:grpSpPr>
       <p:sp>
         <p:nvSpPr>
-          <p:cNvPr id="1188753124" name="Rechteck 8"/>
+          <p:cNvPr id="1013241752" name="Rechteck 8"/>
           <p:cNvSpPr/>
           <p:nvPr userDrawn="1"/>
         </p:nvSpPr>
@@ -7779,7 +7779,7 @@
       </p:sp>
       <p:cxnSp>
         <p:nvCxnSpPr>
-          <p:cNvPr id="1618948822" name="Gerader Verbinder 10"/>
+          <p:cNvPr id="650464886" name="Gerader Verbinder 10"/>
           <p:cNvCxnSpPr/>
           <p:nvPr userDrawn="1"/>
         </p:nvCxnSpPr>
@@ -7814,7 +7814,7 @@
       </p:cxnSp>
       <p:cxnSp>
         <p:nvCxnSpPr>
-          <p:cNvPr id="296220284" name="Gerader Verbinder 32"/>
+          <p:cNvPr id="830367929" name="Gerader Verbinder 32"/>
           <p:cNvCxnSpPr/>
           <p:nvPr userDrawn="1"/>
         </p:nvCxnSpPr>
@@ -7851,7 +7851,7 @@
       </p:cxnSp>
       <p:sp>
         <p:nvSpPr>
-          <p:cNvPr id="48865971" name="Rectangle 5"/>
+          <p:cNvPr id="1784100576" name="Rectangle 5"/>
           <p:cNvSpPr txBox="1">
             <a:spLocks noChangeArrowheads="1"/>
           </p:cNvSpPr>
@@ -8017,7 +8017,7 @@
       </p:sp>
       <p:sp>
         <p:nvSpPr>
-          <p:cNvPr id="587770209" name="Fußzeilenplatzhalter 4"/>
+          <p:cNvPr id="2032284800" name="Fußzeilenplatzhalter 4"/>
           <p:cNvSpPr txBox="1"/>
           <p:nvPr userDrawn="1"/>
         </p:nvSpPr>
@@ -8177,7 +8177,7 @@
       </p:sp>
       <p:sp>
         <p:nvSpPr>
-          <p:cNvPr id="1098128344" name="Rectangle 4"/>
+          <p:cNvPr id="1023199308" name="Rectangle 4"/>
           <p:cNvSpPr txBox="1">
             <a:spLocks noChangeArrowheads="1"/>
           </p:cNvSpPr>
@@ -8347,7 +8347,7 @@
       </p:sp>
       <p:pic>
         <p:nvPicPr>
-          <p:cNvPr id="994205390" name="Grafik 9" title="Logo der TU Chemnitz mit Bezug zur Kulturhauptstadt 2025"/>
+          <p:cNvPr id="1035762634" name="Grafik 9" title="Logo der TU Chemnitz mit Bezug zur Kulturhauptstadt 2025"/>
           <p:cNvPicPr>
             <a:picLocks noChangeAspect="1"/>
           </p:cNvPicPr>
@@ -8680,7 +8680,7 @@
       </p:grpSpPr>
       <p:sp>
         <p:nvSpPr>
-          <p:cNvPr id="2144370436" name="Titel 1"/>
+          <p:cNvPr id="604370026" name="Titel 1"/>
           <p:cNvSpPr>
             <a:spLocks noGrp="1"/>
           </p:cNvSpPr>
@@ -8688,12 +8688,7 @@
             <p:ph type="title"/>
           </p:nvPr>
         </p:nvSpPr>
-        <p:spPr bwMode="auto">
-          <a:xfrm flipH="0" flipV="0">
-            <a:off x="2279382" y="266699"/>
-            <a:ext cx="9377469" cy="776226"/>
-          </a:xfrm>
-        </p:spPr>
+        <p:spPr bwMode="auto"/>
         <p:txBody>
           <a:bodyPr vertOverflow="overflow" horzOverflow="overflow" vert="horz" wrap="square" lIns="0" tIns="0" rIns="0" bIns="0" numCol="1" spcCol="0" rtlCol="0" fromWordArt="0" anchor="t" anchorCtr="0" forceAA="0" upright="0" compatLnSpc="0">
             <a:normAutofit fontScale="95000" lnSpcReduction="1000"/>
@@ -8739,78 +8734,28 @@
           </a:p>
         </p:txBody>
       </p:sp>
-      <p:sp>
-        <p:nvSpPr>
-          <p:cNvPr id="202846068" name="Textplatzhalter 7"/>
-          <p:cNvSpPr>
-            <a:spLocks noGrp="1"/>
-          </p:cNvSpPr>
-          <p:nvPr>
-            <p:ph type="body" sz="quarter" idx="13"/>
-          </p:nvPr>
-        </p:nvSpPr>
+      <p:pic>
+        <p:nvPicPr>
+          <p:cNvPr id="2010105430" name=""/>
+          <p:cNvPicPr>
+            <a:picLocks noChangeAspect="1"/>
+          </p:cNvPicPr>
+          <p:nvPr/>
+        </p:nvPicPr>
+        <p:blipFill rotWithShape="1">
+          <a:blip r:embed="rId3"/>
+          <a:stretch/>
+        </p:blipFill>
         <p:spPr bwMode="auto">
-          <a:xfrm>
-            <a:off x="334962" y="1776094"/>
-            <a:ext cx="11556999" cy="448944"/>
+          <a:xfrm flipH="0" flipV="0">
+            <a:off x="1499376" y="1693333"/>
+            <a:ext cx="9193247" cy="4487333"/>
           </a:xfrm>
           <a:prstGeom prst="rect">
             <a:avLst/>
           </a:prstGeom>
         </p:spPr>
-        <p:txBody>
-          <a:bodyPr vertOverflow="overflow" horzOverflow="overflow" vert="horz" wrap="square" lIns="0" tIns="0" rIns="0" bIns="0" numCol="1" spcCol="0" rtlCol="0" fromWordArt="0" anchor="t" anchorCtr="0" forceAA="0" upright="0" compatLnSpc="0">
-            <a:normAutofit/>
-          </a:bodyPr>
-          <a:lstStyle>
-            <a:lvl1pPr marL="0" indent="0">
-              <a:buFont typeface="Arial"/>
-              <a:buNone/>
-              <a:defRPr sz="2400" b="1">
-                <a:solidFill>
-                  <a:schemeClr val="tx1"/>
-                </a:solidFill>
-                <a:latin typeface="Roboto"/>
-                <a:ea typeface="Roboto"/>
-              </a:defRPr>
-            </a:lvl1pPr>
-            <a:lvl2pPr>
-              <a:defRPr sz="2400">
-                <a:latin typeface="Roboto"/>
-                <a:ea typeface="Roboto"/>
-              </a:defRPr>
-            </a:lvl2pPr>
-            <a:lvl3pPr>
-              <a:defRPr sz="2000">
-                <a:latin typeface="Roboto"/>
-                <a:ea typeface="Roboto"/>
-              </a:defRPr>
-            </a:lvl3pPr>
-            <a:lvl4pPr>
-              <a:defRPr sz="2000">
-                <a:latin typeface="Roboto"/>
-                <a:ea typeface="Roboto"/>
-              </a:defRPr>
-            </a:lvl4pPr>
-            <a:lvl5pPr>
-              <a:defRPr sz="2000">
-                <a:latin typeface="Roboto"/>
-                <a:ea typeface="Roboto"/>
-              </a:defRPr>
-            </a:lvl5pPr>
-          </a:lstStyle>
-          <a:p>
-            <a:pPr>
-              <a:defRPr/>
-            </a:pPr>
-            <a:r>
-              <a:rPr/>
-              <a:t>Teil 1: Vorestllung der Ergebnisse</a:t>
-            </a:r>
-            <a:endParaRPr/>
-          </a:p>
-        </p:txBody>
-      </p:sp>
+      </p:pic>
     </p:spTree>
   </p:cSld>
   <p:clrMapOvr>
@@ -8846,7 +8791,7 @@
       </p:grpSpPr>
       <p:sp>
         <p:nvSpPr>
-          <p:cNvPr id="1250716137" name="Titel 3"/>
+          <p:cNvPr id="1980992259" name="Titel 3"/>
           <p:cNvSpPr>
             <a:spLocks noGrp="1"/>
           </p:cNvSpPr>
@@ -8912,7 +8857,7 @@
       </p:sp>
       <p:sp>
         <p:nvSpPr>
-          <p:cNvPr id="1607728860" name="Textplatzhalter 7"/>
+          <p:cNvPr id="1942365547" name="Textplatzhalter 7"/>
           <p:cNvSpPr>
             <a:spLocks noGrp="1"/>
           </p:cNvSpPr>
@@ -9006,7 +8951,7 @@
       </p:sp>
       <p:pic>
         <p:nvPicPr>
-          <p:cNvPr id="1589589146" name=""/>
+          <p:cNvPr id="395505360" name=""/>
           <p:cNvPicPr>
             <a:picLocks noChangeAspect="1"/>
           </p:cNvPicPr>
@@ -9072,7 +9017,7 @@
       </p:grpSpPr>
       <p:sp>
         <p:nvSpPr>
-          <p:cNvPr id="323407118" name="Titel 3"/>
+          <p:cNvPr id="65147535" name="Titel 3"/>
           <p:cNvSpPr>
             <a:spLocks noGrp="1"/>
           </p:cNvSpPr>
@@ -9083,7 +9028,7 @@
         <p:spPr bwMode="auto">
           <a:xfrm>
             <a:off x="1343025" y="76896"/>
-            <a:ext cx="10656886" cy="468312"/>
+            <a:ext cx="10656885" cy="468312"/>
           </a:xfrm>
           <a:prstGeom prst="rect">
             <a:avLst/>
@@ -9138,7 +9083,7 @@
       </p:sp>
       <p:sp>
         <p:nvSpPr>
-          <p:cNvPr id="1665814477" name="Textplatzhalter 7"/>
+          <p:cNvPr id="81096580" name="Textplatzhalter 7"/>
           <p:cNvSpPr>
             <a:spLocks noGrp="1"/>
           </p:cNvSpPr>
@@ -9232,7 +9177,7 @@
       </p:sp>
       <p:pic>
         <p:nvPicPr>
-          <p:cNvPr id="1152196546" name=""/>
+          <p:cNvPr id="1995083070" name=""/>
           <p:cNvPicPr>
             <a:picLocks noChangeAspect="1"/>
           </p:cNvPicPr>
@@ -9298,7 +9243,7 @@
       </p:grpSpPr>
       <p:sp>
         <p:nvSpPr>
-          <p:cNvPr id="602013454" name="Titel 3"/>
+          <p:cNvPr id="1254711746" name="Titel 3"/>
           <p:cNvSpPr>
             <a:spLocks noGrp="1"/>
           </p:cNvSpPr>
@@ -9309,7 +9254,7 @@
         <p:spPr bwMode="auto">
           <a:xfrm>
             <a:off x="1343025" y="76896"/>
-            <a:ext cx="10656886" cy="468312"/>
+            <a:ext cx="10656885" cy="468312"/>
           </a:xfrm>
           <a:prstGeom prst="rect">
             <a:avLst/>
@@ -9364,7 +9309,7 @@
       </p:sp>
       <p:sp>
         <p:nvSpPr>
-          <p:cNvPr id="236685992" name="Textplatzhalter 7"/>
+          <p:cNvPr id="1330117706" name="Textplatzhalter 7"/>
           <p:cNvSpPr>
             <a:spLocks noGrp="1"/>
           </p:cNvSpPr>
@@ -9458,7 +9403,7 @@
       </p:sp>
       <p:pic>
         <p:nvPicPr>
-          <p:cNvPr id="1402262665" name=""/>
+          <p:cNvPr id="992232968" name=""/>
           <p:cNvPicPr>
             <a:picLocks noChangeAspect="1"/>
           </p:cNvPicPr>
@@ -9524,7 +9469,7 @@
       </p:grpSpPr>
       <p:sp>
         <p:nvSpPr>
-          <p:cNvPr id="2038753916" name="Titel 3"/>
+          <p:cNvPr id="92069430" name="Titel 3"/>
           <p:cNvSpPr>
             <a:spLocks noGrp="1"/>
           </p:cNvSpPr>
@@ -9535,7 +9480,7 @@
         <p:spPr bwMode="auto">
           <a:xfrm>
             <a:off x="1343025" y="76896"/>
-            <a:ext cx="10656886" cy="468312"/>
+            <a:ext cx="10656885" cy="468312"/>
           </a:xfrm>
           <a:prstGeom prst="rect">
             <a:avLst/>
@@ -9590,7 +9535,7 @@
       </p:sp>
       <p:sp>
         <p:nvSpPr>
-          <p:cNvPr id="123435933" name="Textplatzhalter 7"/>
+          <p:cNvPr id="1267462239" name="Textplatzhalter 7"/>
           <p:cNvSpPr>
             <a:spLocks noGrp="1"/>
           </p:cNvSpPr>
@@ -9684,7 +9629,7 @@
       </p:sp>
       <p:pic>
         <p:nvPicPr>
-          <p:cNvPr id="1574828115" name=""/>
+          <p:cNvPr id="1704638132" name=""/>
           <p:cNvPicPr>
             <a:picLocks noChangeAspect="1"/>
           </p:cNvPicPr>
@@ -9750,7 +9695,7 @@
       </p:grpSpPr>
       <p:sp>
         <p:nvSpPr>
-          <p:cNvPr id="583385420" name="Titel 3"/>
+          <p:cNvPr id="2001410455" name="Titel 3"/>
           <p:cNvSpPr>
             <a:spLocks noGrp="1"/>
           </p:cNvSpPr>
@@ -9761,7 +9706,7 @@
         <p:spPr bwMode="auto">
           <a:xfrm>
             <a:off x="1343025" y="76896"/>
-            <a:ext cx="10656886" cy="468312"/>
+            <a:ext cx="10656885" cy="468312"/>
           </a:xfrm>
           <a:prstGeom prst="rect">
             <a:avLst/>
@@ -9816,7 +9761,7 @@
       </p:sp>
       <p:sp>
         <p:nvSpPr>
-          <p:cNvPr id="609777278" name="Textplatzhalter 7"/>
+          <p:cNvPr id="1574011060" name="Textplatzhalter 7"/>
           <p:cNvSpPr>
             <a:spLocks noGrp="1"/>
           </p:cNvSpPr>
@@ -9910,7 +9855,7 @@
       </p:sp>
       <p:pic>
         <p:nvPicPr>
-          <p:cNvPr id="1427884564" name=""/>
+          <p:cNvPr id="1707319161" name=""/>
           <p:cNvPicPr>
             <a:picLocks noChangeAspect="1"/>
           </p:cNvPicPr>
@@ -9976,7 +9921,7 @@
       </p:grpSpPr>
       <p:sp>
         <p:nvSpPr>
-          <p:cNvPr id="473364414" name="Titel 3"/>
+          <p:cNvPr id="1347269045" name="Titel 3"/>
           <p:cNvSpPr>
             <a:spLocks noGrp="1"/>
           </p:cNvSpPr>
@@ -9987,7 +9932,7 @@
         <p:spPr bwMode="auto">
           <a:xfrm>
             <a:off x="1343025" y="76896"/>
-            <a:ext cx="10656886" cy="468312"/>
+            <a:ext cx="10656885" cy="468312"/>
           </a:xfrm>
           <a:prstGeom prst="rect">
             <a:avLst/>
@@ -10042,7 +9987,7 @@
       </p:sp>
       <p:sp>
         <p:nvSpPr>
-          <p:cNvPr id="1292451646" name="Textplatzhalter 7"/>
+          <p:cNvPr id="510675182" name="Textplatzhalter 7"/>
           <p:cNvSpPr>
             <a:spLocks noGrp="1"/>
           </p:cNvSpPr>
@@ -10136,7 +10081,7 @@
       </p:sp>
       <p:pic>
         <p:nvPicPr>
-          <p:cNvPr id="888307145" name=""/>
+          <p:cNvPr id="1365783979" name=""/>
           <p:cNvPicPr>
             <a:picLocks noChangeAspect="1"/>
           </p:cNvPicPr>
@@ -10144,7 +10089,7 @@
         </p:nvPicPr>
         <p:blipFill rotWithShape="1">
           <a:blip r:embed="rId3"/>
-          <a:srcRect l="47865" t="67285" r="13133" b="1980"/>
+          <a:srcRect l="47865" t="67285" r="13132" b="1980"/>
           <a:stretch/>
         </p:blipFill>
         <p:spPr bwMode="auto">
@@ -10202,7 +10147,7 @@
       </p:grpSpPr>
       <p:sp>
         <p:nvSpPr>
-          <p:cNvPr id="2132439323" name="Titel 3"/>
+          <p:cNvPr id="1687877711" name="Titel 3"/>
           <p:cNvSpPr>
             <a:spLocks noGrp="1"/>
           </p:cNvSpPr>
@@ -10213,7 +10158,7 @@
         <p:spPr bwMode="auto">
           <a:xfrm>
             <a:off x="1343025" y="76896"/>
-            <a:ext cx="10656886" cy="468312"/>
+            <a:ext cx="10656885" cy="468312"/>
           </a:xfrm>
           <a:prstGeom prst="rect">
             <a:avLst/>
@@ -10268,7 +10213,7 @@
       </p:sp>
       <p:sp>
         <p:nvSpPr>
-          <p:cNvPr id="1733563583" name="Textplatzhalter 7"/>
+          <p:cNvPr id="904362422" name="Textplatzhalter 7"/>
           <p:cNvSpPr>
             <a:spLocks noGrp="1"/>
           </p:cNvSpPr>
@@ -10362,7 +10307,7 @@
       </p:sp>
       <p:pic>
         <p:nvPicPr>
-          <p:cNvPr id="1714593566" name=""/>
+          <p:cNvPr id="1266758555" name=""/>
           <p:cNvPicPr>
             <a:picLocks noChangeAspect="1"/>
           </p:cNvPicPr>
@@ -10428,7 +10373,7 @@
       </p:grpSpPr>
       <p:sp>
         <p:nvSpPr>
-          <p:cNvPr id="1608421527" name="Titel 3"/>
+          <p:cNvPr id="1734503331" name="Titel 3"/>
           <p:cNvSpPr>
             <a:spLocks noGrp="1"/>
           </p:cNvSpPr>
@@ -10439,7 +10384,7 @@
         <p:spPr bwMode="auto">
           <a:xfrm>
             <a:off x="1343025" y="76896"/>
-            <a:ext cx="10656886" cy="468312"/>
+            <a:ext cx="10656885" cy="468312"/>
           </a:xfrm>
           <a:prstGeom prst="rect">
             <a:avLst/>
@@ -10494,7 +10439,7 @@
       </p:sp>
       <p:sp>
         <p:nvSpPr>
-          <p:cNvPr id="267221315" name="Textplatzhalter 7"/>
+          <p:cNvPr id="2000463171" name="Textplatzhalter 7"/>
           <p:cNvSpPr>
             <a:spLocks noGrp="1"/>
           </p:cNvSpPr>
@@ -10568,7 +10513,7 @@
       </p:sp>
       <p:pic>
         <p:nvPicPr>
-          <p:cNvPr id="695053450" name=""/>
+          <p:cNvPr id="735834926" name=""/>
           <p:cNvPicPr>
             <a:picLocks noChangeAspect="1"/>
           </p:cNvPicPr>
@@ -10634,7 +10579,7 @@
       </p:grpSpPr>
       <p:sp>
         <p:nvSpPr>
-          <p:cNvPr id="1848637019" name="Titel 3"/>
+          <p:cNvPr id="137393316" name="Titel 3"/>
           <p:cNvSpPr>
             <a:spLocks noGrp="1"/>
           </p:cNvSpPr>
@@ -10645,7 +10590,7 @@
         <p:spPr bwMode="auto">
           <a:xfrm>
             <a:off x="1343025" y="76896"/>
-            <a:ext cx="10656886" cy="468312"/>
+            <a:ext cx="10656885" cy="468312"/>
           </a:xfrm>
           <a:prstGeom prst="rect">
             <a:avLst/>
@@ -10700,7 +10645,7 @@
       </p:sp>
       <p:sp>
         <p:nvSpPr>
-          <p:cNvPr id="1685579874" name="Textplatzhalter 7"/>
+          <p:cNvPr id="1354155160" name="Textplatzhalter 7"/>
           <p:cNvSpPr>
             <a:spLocks noGrp="1"/>
           </p:cNvSpPr>
@@ -10774,7 +10719,7 @@
       </p:sp>
       <p:pic>
         <p:nvPicPr>
-          <p:cNvPr id="1265063018" name=""/>
+          <p:cNvPr id="1451482111" name=""/>
           <p:cNvPicPr>
             <a:picLocks noChangeAspect="1"/>
           </p:cNvPicPr>
@@ -10782,7 +10727,7 @@
         </p:nvPicPr>
         <p:blipFill rotWithShape="1">
           <a:blip r:embed="rId3"/>
-          <a:srcRect l="-5" t="0" r="52138" b="17154"/>
+          <a:srcRect l="-5" t="0" r="52138" b="17152"/>
           <a:stretch/>
         </p:blipFill>
         <p:spPr bwMode="auto">
@@ -10840,7 +10785,7 @@
       </p:grpSpPr>
       <p:sp>
         <p:nvSpPr>
-          <p:cNvPr id="430455928" name="Titel 3"/>
+          <p:cNvPr id="961543550" name="Titel 3"/>
           <p:cNvSpPr>
             <a:spLocks noGrp="1"/>
           </p:cNvSpPr>
@@ -10851,7 +10796,7 @@
         <p:spPr bwMode="auto">
           <a:xfrm>
             <a:off x="1343025" y="76896"/>
-            <a:ext cx="10656886" cy="468312"/>
+            <a:ext cx="10656885" cy="468312"/>
           </a:xfrm>
           <a:prstGeom prst="rect">
             <a:avLst/>
@@ -10906,7 +10851,7 @@
       </p:sp>
       <p:sp>
         <p:nvSpPr>
-          <p:cNvPr id="121324085" name="Textplatzhalter 7"/>
+          <p:cNvPr id="2054832413" name="Textplatzhalter 7"/>
           <p:cNvSpPr>
             <a:spLocks noGrp="1"/>
           </p:cNvSpPr>
@@ -10980,7 +10925,7 @@
       </p:sp>
       <p:pic>
         <p:nvPicPr>
-          <p:cNvPr id="1557919098" name=""/>
+          <p:cNvPr id="1855440171" name=""/>
           <p:cNvPicPr>
             <a:picLocks noChangeAspect="1"/>
           </p:cNvPicPr>
@@ -11046,7 +10991,7 @@
       </p:grpSpPr>
       <p:sp>
         <p:nvSpPr>
-          <p:cNvPr id="36617532" name="Titel 3"/>
+          <p:cNvPr id="821107604" name="Titel 3"/>
           <p:cNvSpPr>
             <a:spLocks noGrp="1"/>
           </p:cNvSpPr>
@@ -11118,7 +11063,7 @@
       </p:sp>
       <p:sp>
         <p:nvSpPr>
-          <p:cNvPr id="1599322518" name="Textplatzhalter 2"/>
+          <p:cNvPr id="320290463" name="Textplatzhalter 2"/>
           <p:cNvSpPr>
             <a:spLocks noGrp="1"/>
           </p:cNvSpPr>
@@ -11193,7 +11138,7 @@
       </p:sp>
       <p:pic>
         <p:nvPicPr>
-          <p:cNvPr id="1477300756" name=""/>
+          <p:cNvPr id="2125175853" name=""/>
           <p:cNvPicPr>
             <a:picLocks noChangeAspect="1"/>
           </p:cNvPicPr>
@@ -11248,7 +11193,7 @@
       </p:grpSpPr>
       <p:sp>
         <p:nvSpPr>
-          <p:cNvPr id="515840044" name="Titel 3"/>
+          <p:cNvPr id="575065772" name="Titel 3"/>
           <p:cNvSpPr>
             <a:spLocks noGrp="1"/>
           </p:cNvSpPr>
@@ -11259,7 +11204,7 @@
         <p:spPr bwMode="auto">
           <a:xfrm>
             <a:off x="1343025" y="76896"/>
-            <a:ext cx="10656886" cy="468312"/>
+            <a:ext cx="10656885" cy="468312"/>
           </a:xfrm>
           <a:prstGeom prst="rect">
             <a:avLst/>
@@ -11314,7 +11259,7 @@
       </p:sp>
       <p:sp>
         <p:nvSpPr>
-          <p:cNvPr id="1882273248" name="Textplatzhalter 7"/>
+          <p:cNvPr id="2094889267" name="Textplatzhalter 7"/>
           <p:cNvSpPr>
             <a:spLocks noGrp="1"/>
           </p:cNvSpPr>
@@ -11430,7 +11375,7 @@
       </p:sp>
       <p:pic>
         <p:nvPicPr>
-          <p:cNvPr id="1625227040" name=""/>
+          <p:cNvPr id="1659116136" name=""/>
           <p:cNvPicPr>
             <a:picLocks noChangeAspect="1"/>
           </p:cNvPicPr>
@@ -11496,7 +11441,7 @@
       </p:grpSpPr>
       <p:sp>
         <p:nvSpPr>
-          <p:cNvPr id="1214509467" name="Titel 3"/>
+          <p:cNvPr id="1142975643" name="Titel 3"/>
           <p:cNvSpPr>
             <a:spLocks noGrp="1"/>
           </p:cNvSpPr>
@@ -11507,7 +11452,7 @@
         <p:spPr bwMode="auto">
           <a:xfrm>
             <a:off x="1343025" y="76896"/>
-            <a:ext cx="10656886" cy="468312"/>
+            <a:ext cx="10656885" cy="468312"/>
           </a:xfrm>
           <a:prstGeom prst="rect">
             <a:avLst/>
@@ -11562,7 +11507,7 @@
       </p:sp>
       <p:sp>
         <p:nvSpPr>
-          <p:cNvPr id="957741065" name="Textplatzhalter 7"/>
+          <p:cNvPr id="515974580" name="Textplatzhalter 7"/>
           <p:cNvSpPr>
             <a:spLocks noGrp="1"/>
           </p:cNvSpPr>
@@ -11678,7 +11623,7 @@
       </p:sp>
       <p:pic>
         <p:nvPicPr>
-          <p:cNvPr id="546338591" name=""/>
+          <p:cNvPr id="177143116" name=""/>
           <p:cNvPicPr>
             <a:picLocks noChangeAspect="1"/>
           </p:cNvPicPr>
@@ -11744,7 +11689,7 @@
       </p:grpSpPr>
       <p:sp>
         <p:nvSpPr>
-          <p:cNvPr id="1565041465" name="Titel 3"/>
+          <p:cNvPr id="99763703" name="Titel 3"/>
           <p:cNvSpPr>
             <a:spLocks noGrp="1"/>
           </p:cNvSpPr>
@@ -11755,7 +11700,7 @@
         <p:spPr bwMode="auto">
           <a:xfrm>
             <a:off x="1343025" y="76896"/>
-            <a:ext cx="10656886" cy="468312"/>
+            <a:ext cx="10656885" cy="468312"/>
           </a:xfrm>
           <a:prstGeom prst="rect">
             <a:avLst/>
@@ -11810,7 +11755,7 @@
       </p:sp>
       <p:sp>
         <p:nvSpPr>
-          <p:cNvPr id="2079878660" name="Textplatzhalter 7"/>
+          <p:cNvPr id="1645724142" name="Textplatzhalter 7"/>
           <p:cNvSpPr>
             <a:spLocks noGrp="1"/>
           </p:cNvSpPr>
@@ -11926,7 +11871,7 @@
       </p:sp>
       <p:pic>
         <p:nvPicPr>
-          <p:cNvPr id="570662271" name=""/>
+          <p:cNvPr id="1857600428" name=""/>
           <p:cNvPicPr>
             <a:picLocks noChangeAspect="1"/>
           </p:cNvPicPr>
@@ -11992,7 +11937,7 @@
       </p:grpSpPr>
       <p:sp>
         <p:nvSpPr>
-          <p:cNvPr id="405635283" name="Titel 3"/>
+          <p:cNvPr id="1375741142" name="Titel 3"/>
           <p:cNvSpPr>
             <a:spLocks noGrp="1"/>
           </p:cNvSpPr>
@@ -12003,7 +11948,7 @@
         <p:spPr bwMode="auto">
           <a:xfrm>
             <a:off x="1343025" y="76896"/>
-            <a:ext cx="10656886" cy="468312"/>
+            <a:ext cx="10656885" cy="468312"/>
           </a:xfrm>
           <a:prstGeom prst="rect">
             <a:avLst/>
@@ -12058,7 +12003,7 @@
       </p:sp>
       <p:sp>
         <p:nvSpPr>
-          <p:cNvPr id="284994909" name="Textplatzhalter 7"/>
+          <p:cNvPr id="1492407697" name="Textplatzhalter 7"/>
           <p:cNvSpPr>
             <a:spLocks noGrp="1"/>
           </p:cNvSpPr>
@@ -12174,7 +12119,7 @@
       </p:sp>
       <p:pic>
         <p:nvPicPr>
-          <p:cNvPr id="1154674354" name=""/>
+          <p:cNvPr id="1848013333" name=""/>
           <p:cNvPicPr>
             <a:picLocks noChangeAspect="1"/>
           </p:cNvPicPr>
@@ -12240,7 +12185,7 @@
       </p:grpSpPr>
       <p:sp>
         <p:nvSpPr>
-          <p:cNvPr id="1659423057" name="Titel 3"/>
+          <p:cNvPr id="1397478571" name="Titel 3"/>
           <p:cNvSpPr>
             <a:spLocks noGrp="1"/>
           </p:cNvSpPr>
@@ -12251,7 +12196,7 @@
         <p:spPr bwMode="auto">
           <a:xfrm>
             <a:off x="1343025" y="76896"/>
-            <a:ext cx="10656886" cy="468312"/>
+            <a:ext cx="10656885" cy="468312"/>
           </a:xfrm>
           <a:prstGeom prst="rect">
             <a:avLst/>
@@ -12306,7 +12251,7 @@
       </p:sp>
       <p:sp>
         <p:nvSpPr>
-          <p:cNvPr id="1698087822" name="Textplatzhalter 7"/>
+          <p:cNvPr id="1207136205" name="Textplatzhalter 7"/>
           <p:cNvSpPr>
             <a:spLocks noGrp="1"/>
           </p:cNvSpPr>
@@ -12422,7 +12367,7 @@
       </p:sp>
       <p:pic>
         <p:nvPicPr>
-          <p:cNvPr id="450444928" name=""/>
+          <p:cNvPr id="1292204267" name=""/>
           <p:cNvPicPr>
             <a:picLocks noChangeAspect="1"/>
           </p:cNvPicPr>
@@ -12490,7 +12435,7 @@
       </p:grpSpPr>
       <p:sp>
         <p:nvSpPr>
-          <p:cNvPr id="1852883609" name="Titel 3"/>
+          <p:cNvPr id="367743078" name="Titel 3"/>
           <p:cNvSpPr>
             <a:spLocks noGrp="1"/>
           </p:cNvSpPr>
@@ -12501,7 +12446,7 @@
         <p:spPr bwMode="auto">
           <a:xfrm>
             <a:off x="1343025" y="76896"/>
-            <a:ext cx="10656886" cy="468312"/>
+            <a:ext cx="10656885" cy="468312"/>
           </a:xfrm>
           <a:prstGeom prst="rect">
             <a:avLst/>
@@ -12556,7 +12501,7 @@
       </p:sp>
       <p:sp>
         <p:nvSpPr>
-          <p:cNvPr id="32075693" name="Textplatzhalter 7"/>
+          <p:cNvPr id="1726242757" name="Textplatzhalter 7"/>
           <p:cNvSpPr>
             <a:spLocks noGrp="1"/>
           </p:cNvSpPr>
@@ -12672,7 +12617,7 @@
       </p:sp>
       <p:pic>
         <p:nvPicPr>
-          <p:cNvPr id="1234882776" name=""/>
+          <p:cNvPr id="1945618531" name=""/>
           <p:cNvPicPr>
             <a:picLocks noChangeAspect="1"/>
           </p:cNvPicPr>
@@ -12741,7 +12686,7 @@
       </p:grpSpPr>
       <p:sp>
         <p:nvSpPr>
-          <p:cNvPr id="2048923576" name="Titel 3"/>
+          <p:cNvPr id="1780244268" name="Titel 3"/>
           <p:cNvSpPr>
             <a:spLocks noGrp="1"/>
           </p:cNvSpPr>
@@ -12752,7 +12697,7 @@
         <p:spPr bwMode="auto">
           <a:xfrm>
             <a:off x="1343025" y="76896"/>
-            <a:ext cx="10656886" cy="468312"/>
+            <a:ext cx="10656885" cy="468312"/>
           </a:xfrm>
           <a:prstGeom prst="rect">
             <a:avLst/>
@@ -12807,7 +12752,7 @@
       </p:sp>
       <p:sp>
         <p:nvSpPr>
-          <p:cNvPr id="1966099058" name="Textplatzhalter 7"/>
+          <p:cNvPr id="1171675947" name="Textplatzhalter 7"/>
           <p:cNvSpPr>
             <a:spLocks noGrp="1"/>
           </p:cNvSpPr>
@@ -12923,7 +12868,7 @@
       </p:sp>
       <p:pic>
         <p:nvPicPr>
-          <p:cNvPr id="229356970" name=""/>
+          <p:cNvPr id="626153697" name=""/>
           <p:cNvPicPr>
             <a:picLocks noChangeAspect="1"/>
           </p:cNvPicPr>
@@ -12992,7 +12937,7 @@
       </p:grpSpPr>
       <p:sp>
         <p:nvSpPr>
-          <p:cNvPr id="1249858558" name="Titel 3"/>
+          <p:cNvPr id="14181622" name="Titel 3"/>
           <p:cNvSpPr>
             <a:spLocks noGrp="1"/>
           </p:cNvSpPr>
@@ -13003,7 +12948,7 @@
         <p:spPr bwMode="auto">
           <a:xfrm>
             <a:off x="1343025" y="76896"/>
-            <a:ext cx="10656886" cy="468312"/>
+            <a:ext cx="10656885" cy="468312"/>
           </a:xfrm>
           <a:prstGeom prst="rect">
             <a:avLst/>
@@ -13058,7 +13003,7 @@
       </p:sp>
       <p:sp>
         <p:nvSpPr>
-          <p:cNvPr id="1534744690" name="Textplatzhalter 7"/>
+          <p:cNvPr id="2123509587" name="Textplatzhalter 7"/>
           <p:cNvSpPr>
             <a:spLocks noGrp="1"/>
           </p:cNvSpPr>
@@ -13174,7 +13119,7 @@
       </p:sp>
       <p:pic>
         <p:nvPicPr>
-          <p:cNvPr id="1310004722" name=""/>
+          <p:cNvPr id="1072418767" name=""/>
           <p:cNvPicPr>
             <a:picLocks noChangeAspect="1"/>
           </p:cNvPicPr>
@@ -13243,7 +13188,7 @@
       </p:grpSpPr>
       <p:sp>
         <p:nvSpPr>
-          <p:cNvPr id="206599454" name="Titel 3"/>
+          <p:cNvPr id="1258071125" name="Titel 3"/>
           <p:cNvSpPr>
             <a:spLocks noGrp="1"/>
           </p:cNvSpPr>
@@ -13254,7 +13199,7 @@
         <p:spPr bwMode="auto">
           <a:xfrm>
             <a:off x="1343025" y="76896"/>
-            <a:ext cx="10656886" cy="468312"/>
+            <a:ext cx="10656885" cy="468312"/>
           </a:xfrm>
           <a:prstGeom prst="rect">
             <a:avLst/>
@@ -13309,7 +13254,7 @@
       </p:sp>
       <p:sp>
         <p:nvSpPr>
-          <p:cNvPr id="1894875549" name="Textplatzhalter 7"/>
+          <p:cNvPr id="860992305" name="Textplatzhalter 7"/>
           <p:cNvSpPr>
             <a:spLocks noGrp="1"/>
           </p:cNvSpPr>
@@ -13425,7 +13370,7 @@
       </p:sp>
       <p:pic>
         <p:nvPicPr>
-          <p:cNvPr id="320890158" name=""/>
+          <p:cNvPr id="2028275313" name=""/>
           <p:cNvPicPr>
             <a:picLocks noChangeAspect="1"/>
           </p:cNvPicPr>
@@ -13494,7 +13439,7 @@
       </p:grpSpPr>
       <p:sp>
         <p:nvSpPr>
-          <p:cNvPr id="716065051" name="Titel 3"/>
+          <p:cNvPr id="466450819" name="Titel 3"/>
           <p:cNvSpPr>
             <a:spLocks noGrp="1"/>
           </p:cNvSpPr>
@@ -13505,7 +13450,7 @@
         <p:spPr bwMode="auto">
           <a:xfrm>
             <a:off x="1343025" y="76896"/>
-            <a:ext cx="10656886" cy="468312"/>
+            <a:ext cx="10656885" cy="468312"/>
           </a:xfrm>
           <a:prstGeom prst="rect">
             <a:avLst/>
@@ -13560,7 +13505,7 @@
       </p:sp>
       <p:sp>
         <p:nvSpPr>
-          <p:cNvPr id="1502657950" name="Textplatzhalter 7"/>
+          <p:cNvPr id="2079482039" name="Textplatzhalter 7"/>
           <p:cNvSpPr>
             <a:spLocks noGrp="1"/>
           </p:cNvSpPr>
@@ -13676,7 +13621,7 @@
       </p:sp>
       <p:pic>
         <p:nvPicPr>
-          <p:cNvPr id="1254929994" name=""/>
+          <p:cNvPr id="635647887" name=""/>
           <p:cNvPicPr>
             <a:picLocks noChangeAspect="1"/>
           </p:cNvPicPr>
@@ -13684,7 +13629,7 @@
         </p:nvPicPr>
         <p:blipFill rotWithShape="1">
           <a:blip r:embed="rId3"/>
-          <a:srcRect l="-438" t="62491" r="81056" b="18127"/>
+          <a:srcRect l="-438" t="62491" r="81056" b="18126"/>
           <a:stretch/>
         </p:blipFill>
         <p:spPr bwMode="auto">
@@ -13745,7 +13690,7 @@
       </p:grpSpPr>
       <p:sp>
         <p:nvSpPr>
-          <p:cNvPr id="619091400" name="Titel 3"/>
+          <p:cNvPr id="1828847296" name="Titel 3"/>
           <p:cNvSpPr>
             <a:spLocks noGrp="1"/>
           </p:cNvSpPr>
@@ -13811,7 +13756,7 @@
       </p:sp>
       <p:sp>
         <p:nvSpPr>
-          <p:cNvPr id="1875053915" name="Textplatzhalter 7"/>
+          <p:cNvPr id="2138694605" name="Textplatzhalter 7"/>
           <p:cNvSpPr>
             <a:spLocks noGrp="1"/>
           </p:cNvSpPr>
@@ -13881,7 +13826,7 @@
       </p:sp>
       <p:pic>
         <p:nvPicPr>
-          <p:cNvPr id="1707367748" name=""/>
+          <p:cNvPr id="1760064324" name=""/>
           <p:cNvPicPr>
             <a:picLocks noChangeAspect="1"/>
           </p:cNvPicPr>
@@ -13942,7 +13887,7 @@
       </p:grpSpPr>
       <p:sp>
         <p:nvSpPr>
-          <p:cNvPr id="20027393" name="Titel 3"/>
+          <p:cNvPr id="352004209" name="Titel 3"/>
           <p:cNvSpPr>
             <a:spLocks noGrp="1"/>
           </p:cNvSpPr>
@@ -13953,7 +13898,7 @@
         <p:spPr bwMode="auto">
           <a:xfrm>
             <a:off x="1343025" y="76896"/>
-            <a:ext cx="10656886" cy="468312"/>
+            <a:ext cx="10656885" cy="468312"/>
           </a:xfrm>
           <a:prstGeom prst="rect">
             <a:avLst/>
@@ -14008,7 +13953,7 @@
       </p:sp>
       <p:sp>
         <p:nvSpPr>
-          <p:cNvPr id="791891272" name="Textplatzhalter 7"/>
+          <p:cNvPr id="134810496" name="Textplatzhalter 7"/>
           <p:cNvSpPr>
             <a:spLocks noGrp="1"/>
           </p:cNvSpPr>
@@ -14124,7 +14069,7 @@
       </p:sp>
       <p:pic>
         <p:nvPicPr>
-          <p:cNvPr id="1295989785" name=""/>
+          <p:cNvPr id="957600152" name=""/>
           <p:cNvPicPr>
             <a:picLocks noChangeAspect="1"/>
           </p:cNvPicPr>
@@ -14132,7 +14077,7 @@
         </p:nvPicPr>
         <p:blipFill rotWithShape="1">
           <a:blip r:embed="rId3"/>
-          <a:srcRect l="42405" t="39785" r="946" b="3566"/>
+          <a:srcRect l="42405" t="39785" r="944" b="3566"/>
           <a:stretch/>
         </p:blipFill>
         <p:spPr bwMode="auto">
@@ -14193,7 +14138,7 @@
       </p:grpSpPr>
       <p:sp>
         <p:nvSpPr>
-          <p:cNvPr id="844870933" name="Titel 3"/>
+          <p:cNvPr id="986015081" name="Titel 3"/>
           <p:cNvSpPr>
             <a:spLocks noGrp="1"/>
           </p:cNvSpPr>
@@ -14204,7 +14149,7 @@
         <p:spPr bwMode="auto">
           <a:xfrm>
             <a:off x="1343025" y="76896"/>
-            <a:ext cx="10656886" cy="468312"/>
+            <a:ext cx="10656885" cy="468312"/>
           </a:xfrm>
           <a:prstGeom prst="rect">
             <a:avLst/>
@@ -14259,7 +14204,7 @@
       </p:sp>
       <p:sp>
         <p:nvSpPr>
-          <p:cNvPr id="312539064" name="Textplatzhalter 7"/>
+          <p:cNvPr id="1151387306" name="Textplatzhalter 7"/>
           <p:cNvSpPr>
             <a:spLocks noGrp="1"/>
           </p:cNvSpPr>
@@ -14375,7 +14320,7 @@
       </p:sp>
       <p:pic>
         <p:nvPicPr>
-          <p:cNvPr id="266650861" name=""/>
+          <p:cNvPr id="1797274292" name=""/>
           <p:cNvPicPr>
             <a:picLocks noChangeAspect="1"/>
           </p:cNvPicPr>
@@ -14444,7 +14389,7 @@
       </p:grpSpPr>
       <p:sp>
         <p:nvSpPr>
-          <p:cNvPr id="277134799" name="Titelplatzhalter 25"/>
+          <p:cNvPr id="657344022" name="Titelplatzhalter 25"/>
           <p:cNvSpPr>
             <a:spLocks noGrp="1"/>
           </p:cNvSpPr>
@@ -14522,7 +14467,7 @@
       </p:sp>
       <p:sp>
         <p:nvSpPr>
-          <p:cNvPr id="1530844176" name=""/>
+          <p:cNvPr id="597315589" name=""/>
           <p:cNvSpPr/>
           <p:nvPr/>
         </p:nvSpPr>
@@ -14568,7 +14513,7 @@
       </p:sp>
       <p:pic>
         <p:nvPicPr>
-          <p:cNvPr id="1587043114" name=""/>
+          <p:cNvPr id="790515549" name=""/>
           <p:cNvPicPr>
             <a:picLocks noChangeAspect="1"/>
           </p:cNvPicPr>
@@ -14623,7 +14568,7 @@
       </p:grpSpPr>
       <p:sp>
         <p:nvSpPr>
-          <p:cNvPr id="376952048" name="Titel 3"/>
+          <p:cNvPr id="389385841" name="Titel 3"/>
           <p:cNvSpPr>
             <a:spLocks noGrp="1"/>
           </p:cNvSpPr>
@@ -14695,7 +14640,7 @@
       </p:sp>
       <p:sp>
         <p:nvSpPr>
-          <p:cNvPr id="1583246893" name="Textplatzhalter 7"/>
+          <p:cNvPr id="436686799" name="Textplatzhalter 7"/>
           <p:cNvSpPr>
             <a:spLocks noGrp="1"/>
           </p:cNvSpPr>
@@ -14772,7 +14717,7 @@
       </p:sp>
       <p:sp>
         <p:nvSpPr>
-          <p:cNvPr id="497025852" name=""/>
+          <p:cNvPr id="63169097" name=""/>
           <p:cNvSpPr/>
           <p:nvPr/>
         </p:nvSpPr>
@@ -14808,7 +14753,7 @@
       </p:sp>
       <p:pic>
         <p:nvPicPr>
-          <p:cNvPr id="237458524" name=""/>
+          <p:cNvPr id="285121206" name=""/>
           <p:cNvPicPr>
             <a:picLocks noChangeAspect="1"/>
           </p:cNvPicPr>
@@ -14830,7 +14775,7 @@
       </p:pic>
       <p:pic>
         <p:nvPicPr>
-          <p:cNvPr id="570130986" name=""/>
+          <p:cNvPr id="966493898" name=""/>
           <p:cNvPicPr>
             <a:picLocks noChangeAspect="1"/>
           </p:cNvPicPr>
@@ -14852,7 +14797,7 @@
       </p:pic>
       <p:pic>
         <p:nvPicPr>
-          <p:cNvPr id="170429986" name=""/>
+          <p:cNvPr id="1571065000" name=""/>
           <p:cNvPicPr>
             <a:picLocks noChangeAspect="1"/>
           </p:cNvPicPr>
@@ -14874,9 +14819,9 @@
       </p:pic>
       <p:cxnSp>
         <p:nvCxnSpPr>
-          <p:cNvPr id="274642295" name=""/>
+          <p:cNvPr id="991916054" name=""/>
           <p:cNvCxnSpPr>
-            <a:stCxn id="237458524" idx="3"/>
+            <a:stCxn id="285121206" idx="3"/>
           </p:cNvCxnSpPr>
           <p:nvPr/>
         </p:nvCxnSpPr>
@@ -14916,16 +14861,16 @@
       </p:cxnSp>
       <p:cxnSp>
         <p:nvCxnSpPr>
-          <p:cNvPr id="750594548" name=""/>
+          <p:cNvPr id="724067191" name=""/>
           <p:cNvCxnSpPr>
-            <a:stCxn id="570130986" idx="3"/>
-            <a:endCxn id="170429986" idx="1"/>
+            <a:stCxn id="966493898" idx="3"/>
+            <a:endCxn id="1571065000" idx="1"/>
           </p:cNvCxnSpPr>
           <p:nvPr/>
         </p:nvCxnSpPr>
         <p:spPr bwMode="auto">
           <a:xfrm rot="0" flipH="0" flipV="0">
-            <a:off x="6724829" y="3541712"/>
+            <a:off x="6724828" y="3541712"/>
             <a:ext cx="1609544" cy="0"/>
           </a:xfrm>
           <a:prstGeom prst="line">
@@ -14992,7 +14937,7 @@
       </p:grpSpPr>
       <p:sp>
         <p:nvSpPr>
-          <p:cNvPr id="373087258" name="Titel 3"/>
+          <p:cNvPr id="932329605" name="Titel 3"/>
           <p:cNvSpPr>
             <a:spLocks noGrp="1"/>
           </p:cNvSpPr>
@@ -15072,7 +15017,7 @@
       </p:sp>
       <p:sp>
         <p:nvSpPr>
-          <p:cNvPr id="143401551" name="Textplatzhalter 7"/>
+          <p:cNvPr id="1002555600" name="Textplatzhalter 7"/>
           <p:cNvSpPr>
             <a:spLocks noGrp="1"/>
           </p:cNvSpPr>
@@ -15149,7 +15094,7 @@
       </p:sp>
       <p:pic>
         <p:nvPicPr>
-          <p:cNvPr id="364303505" name=""/>
+          <p:cNvPr id="1367626733" name=""/>
           <p:cNvPicPr>
             <a:picLocks noChangeAspect="1"/>
           </p:cNvPicPr>
@@ -15169,6 +15114,51 @@
           </a:prstGeom>
         </p:spPr>
       </p:pic>
+      <p:pic>
+        <p:nvPicPr>
+          <p:cNvPr id="535275534" name=""/>
+          <p:cNvPicPr>
+            <a:picLocks noChangeAspect="1"/>
+          </p:cNvPicPr>
+          <p:nvPr/>
+        </p:nvPicPr>
+        <p:blipFill rotWithShape="1">
+          <a:blip r:embed="rId4"/>
+          <a:stretch/>
+        </p:blipFill>
+        <p:spPr bwMode="auto">
+          <a:xfrm flipH="0" flipV="0">
+            <a:off x="587904" y="2614451"/>
+            <a:ext cx="3641195" cy="2035449"/>
+          </a:xfrm>
+          <a:prstGeom prst="rect">
+            <a:avLst/>
+          </a:prstGeom>
+        </p:spPr>
+      </p:pic>
+      <p:pic>
+        <p:nvPicPr>
+          <p:cNvPr id="110733941" name=""/>
+          <p:cNvPicPr>
+            <a:picLocks noChangeAspect="1"/>
+          </p:cNvPicPr>
+          <p:nvPr/>
+        </p:nvPicPr>
+        <p:blipFill rotWithShape="1">
+          <a:blip r:embed="rId5"/>
+          <a:srcRect l="0" t="14542" r="50165" b="0"/>
+          <a:stretch/>
+        </p:blipFill>
+        <p:spPr bwMode="auto">
+          <a:xfrm flipH="0" flipV="0">
+            <a:off x="8259231" y="2074333"/>
+            <a:ext cx="3328323" cy="3115687"/>
+          </a:xfrm>
+          <a:prstGeom prst="rect">
+            <a:avLst/>
+          </a:prstGeom>
+        </p:spPr>
+      </p:pic>
     </p:spTree>
   </p:cSld>
   <p:clrMapOvr>
@@ -15182,6 +15172,218 @@
       <p:transition advClick="1"/>
     </mc:Fallback>
   </mc:AlternateContent>
+  <p:timing>
+    <p:tnLst>
+      <p:par>
+        <p:cTn id="1" dur="indefinite" restart="never" nodeType="tmRoot">
+          <p:childTnLst>
+            <p:seq concurrent="1" nextAc="seek">
+              <p:cTn id="2" dur="indefinite" nodeType="mainSeq">
+                <p:childTnLst>
+                  <p:par>
+                    <p:cTn id="9" fill="hold">
+                      <p:stCondLst>
+                        <p:cond delay="indefinite"/>
+                      </p:stCondLst>
+                      <p:childTnLst>
+                        <p:par>
+                          <p:cTn id="10" fill="hold">
+                            <p:stCondLst>
+                              <p:cond delay="0"/>
+                            </p:stCondLst>
+                            <p:childTnLst>
+                              <p:par>
+                                <p:cTn id="11" presetID="2" presetClass="entr" presetSubtype="8" fill="hold" grpId="0" nodeType="clickEffect">
+                                  <p:stCondLst>
+                                    <p:cond delay="0"/>
+                                  </p:stCondLst>
+                                  <p:childTnLst>
+                                    <p:set>
+                                      <p:cBhvr>
+                                        <p:cTn id="14" dur="1" fill="hold">
+                                          <p:stCondLst>
+                                            <p:cond delay="0"/>
+                                          </p:stCondLst>
+                                        </p:cTn>
+                                        <p:tgtEl>
+                                          <p:spTgt spid="535275534"/>
+                                        </p:tgtEl>
+                                        <p:attrNameLst>
+                                          <p:attrName>style.visibility</p:attrName>
+                                        </p:attrNameLst>
+                                      </p:cBhvr>
+                                      <p:to>
+                                        <p:strVal val="visible"/>
+                                      </p:to>
+                                    </p:set>
+                                    <p:anim calcmode="lin" valueType="num">
+                                      <p:cBhvr additive="base">
+                                        <p:cTn id="13" dur="500" fill="hold"/>
+                                        <p:tgtEl>
+                                          <p:spTgt spid="535275534"/>
+                                        </p:tgtEl>
+                                        <p:attrNameLst>
+                                          <p:attrName>ppt_x</p:attrName>
+                                        </p:attrNameLst>
+                                      </p:cBhvr>
+                                      <p:tavLst>
+                                        <p:tav tm="0">
+                                          <p:val>
+                                            <p:strVal val="0-#ppt_w/2"/>
+                                          </p:val>
+                                        </p:tav>
+                                        <p:tav tm="100000">
+                                          <p:val>
+                                            <p:strVal val="#ppt_x"/>
+                                          </p:val>
+                                        </p:tav>
+                                      </p:tavLst>
+                                    </p:anim>
+                                    <p:anim calcmode="lin" valueType="num">
+                                      <p:cBhvr additive="base">
+                                        <p:cTn id="12" dur="500" fill="hold"/>
+                                        <p:tgtEl>
+                                          <p:spTgt spid="535275534"/>
+                                        </p:tgtEl>
+                                        <p:attrNameLst>
+                                          <p:attrName>ppt_y</p:attrName>
+                                        </p:attrNameLst>
+                                      </p:cBhvr>
+                                      <p:tavLst>
+                                        <p:tav tm="0">
+                                          <p:val>
+                                            <p:strVal val="#ppt_y"/>
+                                          </p:val>
+                                        </p:tav>
+                                        <p:tav tm="100000">
+                                          <p:val>
+                                            <p:strVal val="#ppt_y"/>
+                                          </p:val>
+                                        </p:tav>
+                                      </p:tavLst>
+                                    </p:anim>
+                                  </p:childTnLst>
+                                </p:cTn>
+                              </p:par>
+                            </p:childTnLst>
+                          </p:cTn>
+                        </p:par>
+                      </p:childTnLst>
+                    </p:cTn>
+                  </p:par>
+                  <p:par>
+                    <p:cTn id="3" fill="hold">
+                      <p:stCondLst>
+                        <p:cond delay="indefinite"/>
+                      </p:stCondLst>
+                      <p:childTnLst>
+                        <p:par>
+                          <p:cTn id="4" fill="hold">
+                            <p:stCondLst>
+                              <p:cond delay="0"/>
+                            </p:stCondLst>
+                            <p:childTnLst>
+                              <p:par>
+                                <p:cTn id="5" presetID="2" presetClass="entr" presetSubtype="2" fill="hold" grpId="0" nodeType="clickEffect">
+                                  <p:stCondLst>
+                                    <p:cond delay="0"/>
+                                  </p:stCondLst>
+                                  <p:childTnLst>
+                                    <p:set>
+                                      <p:cBhvr>
+                                        <p:cTn id="6" dur="1" fill="hold">
+                                          <p:stCondLst>
+                                            <p:cond delay="0"/>
+                                          </p:stCondLst>
+                                        </p:cTn>
+                                        <p:tgtEl>
+                                          <p:spTgt spid="110733941"/>
+                                        </p:tgtEl>
+                                        <p:attrNameLst>
+                                          <p:attrName>style.visibility</p:attrName>
+                                        </p:attrNameLst>
+                                      </p:cBhvr>
+                                      <p:to>
+                                        <p:strVal val="visible"/>
+                                      </p:to>
+                                    </p:set>
+                                    <p:anim calcmode="lin" valueType="num">
+                                      <p:cBhvr additive="base">
+                                        <p:cTn id="7" dur="500" fill="hold"/>
+                                        <p:tgtEl>
+                                          <p:spTgt spid="110733941"/>
+                                        </p:tgtEl>
+                                        <p:attrNameLst>
+                                          <p:attrName>ppt_x</p:attrName>
+                                        </p:attrNameLst>
+                                      </p:cBhvr>
+                                      <p:tavLst>
+                                        <p:tav tm="0">
+                                          <p:val>
+                                            <p:strVal val="1+#ppt_w/2"/>
+                                          </p:val>
+                                        </p:tav>
+                                        <p:tav tm="100000">
+                                          <p:val>
+                                            <p:strVal val="#ppt_x"/>
+                                          </p:val>
+                                        </p:tav>
+                                      </p:tavLst>
+                                    </p:anim>
+                                    <p:anim calcmode="lin" valueType="num">
+                                      <p:cBhvr additive="base">
+                                        <p:cTn id="8" dur="500" fill="hold"/>
+                                        <p:tgtEl>
+                                          <p:spTgt spid="110733941"/>
+                                        </p:tgtEl>
+                                        <p:attrNameLst>
+                                          <p:attrName>ppt_y</p:attrName>
+                                        </p:attrNameLst>
+                                      </p:cBhvr>
+                                      <p:tavLst>
+                                        <p:tav tm="0">
+                                          <p:val>
+                                            <p:strVal val="#ppt_y"/>
+                                          </p:val>
+                                        </p:tav>
+                                        <p:tav tm="100000">
+                                          <p:val>
+                                            <p:strVal val="#ppt_y"/>
+                                          </p:val>
+                                        </p:tav>
+                                      </p:tavLst>
+                                    </p:anim>
+                                  </p:childTnLst>
+                                </p:cTn>
+                              </p:par>
+                            </p:childTnLst>
+                          </p:cTn>
+                        </p:par>
+                      </p:childTnLst>
+                    </p:cTn>
+                  </p:par>
+                </p:childTnLst>
+              </p:cTn>
+              <p:prevCondLst>
+                <p:cond evt="onPrev" delay="0">
+                  <p:tgtEl>
+                    <p:sldTgt/>
+                  </p:tgtEl>
+                </p:cond>
+              </p:prevCondLst>
+              <p:nextCondLst>
+                <p:cond evt="onNext" delay="0">
+                  <p:tgtEl>
+                    <p:sldTgt/>
+                  </p:tgtEl>
+                </p:cond>
+              </p:nextCondLst>
+            </p:seq>
+          </p:childTnLst>
+        </p:cTn>
+      </p:par>
+    </p:tnLst>
+  </p:timing>
 </p:sld>
 </file>
 
@@ -15204,7 +15406,7 @@
       </p:grpSpPr>
       <p:sp>
         <p:nvSpPr>
-          <p:cNvPr id="1060757658" name="Titel 3"/>
+          <p:cNvPr id="416933399" name="Titel 3"/>
           <p:cNvSpPr>
             <a:spLocks noGrp="1"/>
           </p:cNvSpPr>
@@ -15288,7 +15490,7 @@
       </p:sp>
       <p:sp>
         <p:nvSpPr>
-          <p:cNvPr id="897955912" name="Textplatzhalter 7"/>
+          <p:cNvPr id="25092318" name="Textplatzhalter 7"/>
           <p:cNvSpPr>
             <a:spLocks noGrp="1"/>
           </p:cNvSpPr>
@@ -15365,7 +15567,7 @@
       </p:sp>
       <p:pic>
         <p:nvPicPr>
-          <p:cNvPr id="875764510" name=""/>
+          <p:cNvPr id="427868711" name=""/>
           <p:cNvPicPr>
             <a:picLocks noChangeAspect="1"/>
           </p:cNvPicPr>
@@ -15420,7 +15622,7 @@
       </p:grpSpPr>
       <p:sp>
         <p:nvSpPr>
-          <p:cNvPr id="1907380491" name="Titel 3"/>
+          <p:cNvPr id="216130351" name="Titel 3"/>
           <p:cNvSpPr>
             <a:spLocks noGrp="1"/>
           </p:cNvSpPr>
@@ -15486,7 +15688,7 @@
       </p:sp>
       <p:sp>
         <p:nvSpPr>
-          <p:cNvPr id="489193276" name="Textplatzhalter 7"/>
+          <p:cNvPr id="337991440" name="Textplatzhalter 7"/>
           <p:cNvSpPr>
             <a:spLocks noGrp="1"/>
           </p:cNvSpPr>
@@ -15580,7 +15782,7 @@
       </p:sp>
       <p:pic>
         <p:nvPicPr>
-          <p:cNvPr id="531885004" name=""/>
+          <p:cNvPr id="1799514647" name=""/>
           <p:cNvPicPr>
             <a:picLocks noChangeAspect="1"/>
           </p:cNvPicPr>
@@ -15646,7 +15848,7 @@
       </p:grpSpPr>
       <p:sp>
         <p:nvSpPr>
-          <p:cNvPr id="369651496" name="Titel 3"/>
+          <p:cNvPr id="133960426" name="Titel 3"/>
           <p:cNvSpPr>
             <a:spLocks noGrp="1"/>
           </p:cNvSpPr>
@@ -15712,7 +15914,7 @@
       </p:sp>
       <p:sp>
         <p:nvSpPr>
-          <p:cNvPr id="1829170922" name="Textplatzhalter 7"/>
+          <p:cNvPr id="1705709399" name="Textplatzhalter 7"/>
           <p:cNvSpPr>
             <a:spLocks noGrp="1"/>
           </p:cNvSpPr>
@@ -15806,7 +16008,7 @@
       </p:sp>
       <p:pic>
         <p:nvPicPr>
-          <p:cNvPr id="880144532" name=""/>
+          <p:cNvPr id="1393423571" name=""/>
           <p:cNvPicPr>
             <a:picLocks noChangeAspect="1"/>
           </p:cNvPicPr>
@@ -15873,7 +16075,7 @@
       </p:grpSpPr>
       <p:sp>
         <p:nvSpPr>
-          <p:cNvPr id="567250754" name="Titel 3"/>
+          <p:cNvPr id="1418445871" name="Titel 3"/>
           <p:cNvSpPr>
             <a:spLocks noGrp="1"/>
           </p:cNvSpPr>
@@ -15939,7 +16141,7 @@
       </p:sp>
       <p:sp>
         <p:nvSpPr>
-          <p:cNvPr id="1048512062" name="Textplatzhalter 7"/>
+          <p:cNvPr id="523520360" name="Textplatzhalter 7"/>
           <p:cNvSpPr>
             <a:spLocks noGrp="1"/>
           </p:cNvSpPr>
@@ -16033,7 +16235,7 @@
       </p:sp>
       <p:pic>
         <p:nvPicPr>
-          <p:cNvPr id="1655524945" name=""/>
+          <p:cNvPr id="1619872850" name=""/>
           <p:cNvPicPr>
             <a:picLocks noChangeAspect="1"/>
           </p:cNvPicPr>
@@ -16099,7 +16301,7 @@
       </p:grpSpPr>
       <p:sp>
         <p:nvSpPr>
-          <p:cNvPr id="412072782" name="Titel 3"/>
+          <p:cNvPr id="1290797437" name="Titel 3"/>
           <p:cNvSpPr>
             <a:spLocks noGrp="1"/>
           </p:cNvSpPr>
@@ -16165,7 +16367,7 @@
       </p:sp>
       <p:sp>
         <p:nvSpPr>
-          <p:cNvPr id="1694056849" name="Textplatzhalter 7"/>
+          <p:cNvPr id="1473545959" name="Textplatzhalter 7"/>
           <p:cNvSpPr>
             <a:spLocks noGrp="1"/>
           </p:cNvSpPr>
@@ -16259,7 +16461,7 @@
       </p:sp>
       <p:pic>
         <p:nvPicPr>
-          <p:cNvPr id="1903935708" name=""/>
+          <p:cNvPr id="2096154400" name=""/>
           <p:cNvPicPr>
             <a:picLocks noChangeAspect="1"/>
           </p:cNvPicPr>
@@ -16325,7 +16527,7 @@
       </p:grpSpPr>
       <p:sp>
         <p:nvSpPr>
-          <p:cNvPr id="957106548" name="Titel 3"/>
+          <p:cNvPr id="1201424600" name="Titel 3"/>
           <p:cNvSpPr>
             <a:spLocks noGrp="1"/>
           </p:cNvSpPr>
@@ -16391,7 +16593,7 @@
       </p:sp>
       <p:sp>
         <p:nvSpPr>
-          <p:cNvPr id="1198594815" name="Textplatzhalter 7"/>
+          <p:cNvPr id="389364320" name="Textplatzhalter 7"/>
           <p:cNvSpPr>
             <a:spLocks noGrp="1"/>
           </p:cNvSpPr>
@@ -16485,7 +16687,7 @@
       </p:sp>
       <p:pic>
         <p:nvPicPr>
-          <p:cNvPr id="1185888061" name=""/>
+          <p:cNvPr id="60067201" name=""/>
           <p:cNvPicPr>
             <a:picLocks noChangeAspect="1"/>
           </p:cNvPicPr>
@@ -16551,7 +16753,7 @@
       </p:grpSpPr>
       <p:sp>
         <p:nvSpPr>
-          <p:cNvPr id="1489491819" name="Titel 3"/>
+          <p:cNvPr id="129871922" name="Titel 3"/>
           <p:cNvSpPr>
             <a:spLocks noGrp="1"/>
           </p:cNvSpPr>
@@ -16617,7 +16819,7 @@
       </p:sp>
       <p:sp>
         <p:nvSpPr>
-          <p:cNvPr id="1030387372" name="Textplatzhalter 7"/>
+          <p:cNvPr id="964294920" name="Textplatzhalter 7"/>
           <p:cNvSpPr>
             <a:spLocks noGrp="1"/>
           </p:cNvSpPr>
@@ -16711,7 +16913,7 @@
       </p:sp>
       <p:pic>
         <p:nvPicPr>
-          <p:cNvPr id="1568043796" name=""/>
+          <p:cNvPr id="2110843935" name=""/>
           <p:cNvPicPr>
             <a:picLocks noChangeAspect="1"/>
           </p:cNvPicPr>

--- a/Abgabe_Meilenstein2/Meilenstein 2 - Design.pptx
+++ b/Abgabe_Meilenstein2/Meilenstein 2 - Design.pptx
@@ -6,7 +6,7 @@
     <p:sldMasterId id="2147483653" r:id="rId2"/>
   </p:sldMasterIdLst>
   <p:notesMasterIdLst>
-    <p:notesMasterId r:id="rId41"/>
+    <p:notesMasterId r:id="rId39"/>
   </p:notesMasterIdLst>
   <p:sldIdLst>
     <p:sldId id="256" r:id="rId6"/>
@@ -42,8 +42,6 @@
     <p:sldId id="286" r:id="rId36"/>
     <p:sldId id="287" r:id="rId37"/>
     <p:sldId id="288" r:id="rId38"/>
-    <p:sldId id="289" r:id="rId39"/>
-    <p:sldId id="290" r:id="rId40"/>
   </p:sldIdLst>
   <p:sldSz cx="12192000" cy="6858000"/>
   <p:notesSz cx="9928225" cy="6797675"/>
@@ -201,7 +199,7 @@
       </p:grpSpPr>
       <p:sp>
         <p:nvSpPr>
-          <p:cNvPr id="1513512111" name="Rectangle 2"/>
+          <p:cNvPr id="760284141" name="Rectangle 2"/>
           <p:cNvSpPr>
             <a:spLocks noChangeArrowheads="1" noGrp="1"/>
           </p:cNvSpPr>
@@ -245,7 +243,7 @@
       </p:sp>
       <p:sp>
         <p:nvSpPr>
-          <p:cNvPr id="409069313" name="Rectangle 3"/>
+          <p:cNvPr id="1473062075" name="Rectangle 3"/>
           <p:cNvSpPr>
             <a:spLocks noChangeArrowheads="1" noGrp="1"/>
           </p:cNvSpPr>
@@ -289,7 +287,7 @@
       </p:sp>
       <p:sp>
         <p:nvSpPr>
-          <p:cNvPr id="1639833030" name="Rectangle 4"/>
+          <p:cNvPr id="797446858" name="Rectangle 4"/>
           <p:cNvSpPr>
             <a:spLocks noChangeArrowheads="1" noChangeAspect="1" noGrp="1" noRot="1" noTextEdit="1"/>
           </p:cNvSpPr>
@@ -319,7 +317,7 @@
       </p:sp>
       <p:sp>
         <p:nvSpPr>
-          <p:cNvPr id="289584607" name="Rectangle 5"/>
+          <p:cNvPr id="1117742056" name="Rectangle 5"/>
           <p:cNvSpPr>
             <a:spLocks noChangeArrowheads="1" noGrp="1"/>
           </p:cNvSpPr>
@@ -400,7 +398,7 @@
       </p:sp>
       <p:sp>
         <p:nvSpPr>
-          <p:cNvPr id="1094398625" name="Rectangle 6"/>
+          <p:cNvPr id="1927904919" name="Rectangle 6"/>
           <p:cNvSpPr>
             <a:spLocks noChangeArrowheads="1" noGrp="1"/>
           </p:cNvSpPr>
@@ -444,7 +442,7 @@
       </p:sp>
       <p:sp>
         <p:nvSpPr>
-          <p:cNvPr id="672630038" name="Rectangle 7"/>
+          <p:cNvPr id="312189345" name="Rectangle 7"/>
           <p:cNvSpPr>
             <a:spLocks noChangeArrowheads="1" noGrp="1"/>
           </p:cNvSpPr>
@@ -634,7 +632,7 @@
       </p:grpSpPr>
       <p:sp>
         <p:nvSpPr>
-          <p:cNvPr id="708401681" name="Folienbildplatzhalter 1"/>
+          <p:cNvPr id="1724463984" name="Folienbildplatzhalter 1"/>
           <p:cNvSpPr>
             <a:spLocks noChangeAspect="1" noGrp="1" noRot="1"/>
           </p:cNvSpPr>
@@ -646,7 +644,7 @@
       </p:sp>
       <p:sp>
         <p:nvSpPr>
-          <p:cNvPr id="750092914" name="Notizenplatzhalter 2"/>
+          <p:cNvPr id="1340157402" name="Notizenplatzhalter 2"/>
           <p:cNvSpPr>
             <a:spLocks noGrp="1"/>
           </p:cNvSpPr>
@@ -668,7 +666,7 @@
       </p:sp>
       <p:sp>
         <p:nvSpPr>
-          <p:cNvPr id="1895691313" name="Foliennummernplatzhalter 3"/>
+          <p:cNvPr id="1666341049" name="Foliennummernplatzhalter 3"/>
           <p:cNvSpPr>
             <a:spLocks noGrp="1"/>
           </p:cNvSpPr>
@@ -719,7 +717,7 @@
       </p:grpSpPr>
       <p:sp>
         <p:nvSpPr>
-          <p:cNvPr id="1267643775" name="Slide Image Placeholder 1"/>
+          <p:cNvPr id="199513822" name="Slide Image Placeholder 1"/>
           <p:cNvSpPr>
             <a:spLocks noChangeAspect="1" noGrp="1" noRot="1"/>
           </p:cNvSpPr>
@@ -731,7 +729,7 @@
       </p:sp>
       <p:sp>
         <p:nvSpPr>
-          <p:cNvPr id="1365716083" name="Notes Placeholder 2"/>
+          <p:cNvPr id="58142139" name="Notes Placeholder 2"/>
           <p:cNvSpPr>
             <a:spLocks noGrp="1"/>
           </p:cNvSpPr>
@@ -753,7 +751,7 @@
       </p:sp>
       <p:sp>
         <p:nvSpPr>
-          <p:cNvPr id="984806641" name="Slide Number Placeholder 3"/>
+          <p:cNvPr id="1366460536" name="Slide Number Placeholder 3"/>
           <p:cNvSpPr>
             <a:spLocks noGrp="1"/>
           </p:cNvSpPr>
@@ -804,7 +802,7 @@
       </p:grpSpPr>
       <p:sp>
         <p:nvSpPr>
-          <p:cNvPr id="1492798049" name="Slide Image Placeholder 1"/>
+          <p:cNvPr id="1558980191" name="Slide Image Placeholder 1"/>
           <p:cNvSpPr>
             <a:spLocks noChangeAspect="1" noGrp="1" noRot="1"/>
           </p:cNvSpPr>
@@ -816,7 +814,7 @@
       </p:sp>
       <p:sp>
         <p:nvSpPr>
-          <p:cNvPr id="764363353" name="Notes Placeholder 2"/>
+          <p:cNvPr id="368424134" name="Notes Placeholder 2"/>
           <p:cNvSpPr>
             <a:spLocks noGrp="1"/>
           </p:cNvSpPr>
@@ -838,7 +836,7 @@
       </p:sp>
       <p:sp>
         <p:nvSpPr>
-          <p:cNvPr id="1011102143" name="Slide Number Placeholder 3"/>
+          <p:cNvPr id="1727886831" name="Slide Number Placeholder 3"/>
           <p:cNvSpPr>
             <a:spLocks noGrp="1"/>
           </p:cNvSpPr>
@@ -889,7 +887,7 @@
       </p:grpSpPr>
       <p:sp>
         <p:nvSpPr>
-          <p:cNvPr id="159629715" name="Slide Image Placeholder 1"/>
+          <p:cNvPr id="1649996892" name="Slide Image Placeholder 1"/>
           <p:cNvSpPr>
             <a:spLocks noChangeAspect="1" noGrp="1" noRot="1"/>
           </p:cNvSpPr>
@@ -901,7 +899,7 @@
       </p:sp>
       <p:sp>
         <p:nvSpPr>
-          <p:cNvPr id="1258516952" name="Notes Placeholder 2"/>
+          <p:cNvPr id="2132068225" name="Notes Placeholder 2"/>
           <p:cNvSpPr>
             <a:spLocks noGrp="1"/>
           </p:cNvSpPr>
@@ -923,7 +921,7 @@
       </p:sp>
       <p:sp>
         <p:nvSpPr>
-          <p:cNvPr id="1006250674" name="Slide Number Placeholder 3"/>
+          <p:cNvPr id="279405808" name="Slide Number Placeholder 3"/>
           <p:cNvSpPr>
             <a:spLocks noGrp="1"/>
           </p:cNvSpPr>
@@ -974,7 +972,7 @@
       </p:grpSpPr>
       <p:sp>
         <p:nvSpPr>
-          <p:cNvPr id="1234490772" name="Slide Image Placeholder 1"/>
+          <p:cNvPr id="598536399" name="Slide Image Placeholder 1"/>
           <p:cNvSpPr>
             <a:spLocks noChangeAspect="1" noGrp="1" noRot="1"/>
           </p:cNvSpPr>
@@ -986,7 +984,7 @@
       </p:sp>
       <p:sp>
         <p:nvSpPr>
-          <p:cNvPr id="584069902" name="Notes Placeholder 2"/>
+          <p:cNvPr id="2144785514" name="Notes Placeholder 2"/>
           <p:cNvSpPr>
             <a:spLocks noGrp="1"/>
           </p:cNvSpPr>
@@ -1008,7 +1006,7 @@
       </p:sp>
       <p:sp>
         <p:nvSpPr>
-          <p:cNvPr id="2005195080" name="Slide Number Placeholder 3"/>
+          <p:cNvPr id="977816783" name="Slide Number Placeholder 3"/>
           <p:cNvSpPr>
             <a:spLocks noGrp="1"/>
           </p:cNvSpPr>
@@ -1059,7 +1057,7 @@
       </p:grpSpPr>
       <p:sp>
         <p:nvSpPr>
-          <p:cNvPr id="1059734708" name="Slide Image Placeholder 1"/>
+          <p:cNvPr id="828997257" name="Slide Image Placeholder 1"/>
           <p:cNvSpPr>
             <a:spLocks noChangeAspect="1" noGrp="1" noRot="1"/>
           </p:cNvSpPr>
@@ -1071,7 +1069,7 @@
       </p:sp>
       <p:sp>
         <p:nvSpPr>
-          <p:cNvPr id="2019138234" name="Notes Placeholder 2"/>
+          <p:cNvPr id="437534593" name="Notes Placeholder 2"/>
           <p:cNvSpPr>
             <a:spLocks noGrp="1"/>
           </p:cNvSpPr>
@@ -1093,7 +1091,7 @@
       </p:sp>
       <p:sp>
         <p:nvSpPr>
-          <p:cNvPr id="2006290629" name="Slide Number Placeholder 3"/>
+          <p:cNvPr id="898198531" name="Slide Number Placeholder 3"/>
           <p:cNvSpPr>
             <a:spLocks noGrp="1"/>
           </p:cNvSpPr>
@@ -1144,7 +1142,7 @@
       </p:grpSpPr>
       <p:sp>
         <p:nvSpPr>
-          <p:cNvPr id="1108058626" name="Slide Image Placeholder 1"/>
+          <p:cNvPr id="757942089" name="Slide Image Placeholder 1"/>
           <p:cNvSpPr>
             <a:spLocks noChangeAspect="1" noGrp="1" noRot="1"/>
           </p:cNvSpPr>
@@ -1156,7 +1154,7 @@
       </p:sp>
       <p:sp>
         <p:nvSpPr>
-          <p:cNvPr id="141702698" name="Notes Placeholder 2"/>
+          <p:cNvPr id="1971229111" name="Notes Placeholder 2"/>
           <p:cNvSpPr>
             <a:spLocks noGrp="1"/>
           </p:cNvSpPr>
@@ -1178,7 +1176,7 @@
       </p:sp>
       <p:sp>
         <p:nvSpPr>
-          <p:cNvPr id="1341016898" name="Slide Number Placeholder 3"/>
+          <p:cNvPr id="1956447910" name="Slide Number Placeholder 3"/>
           <p:cNvSpPr>
             <a:spLocks noGrp="1"/>
           </p:cNvSpPr>
@@ -1229,7 +1227,7 @@
       </p:grpSpPr>
       <p:sp>
         <p:nvSpPr>
-          <p:cNvPr id="2111836093" name="Slide Image Placeholder 1"/>
+          <p:cNvPr id="1966110127" name="Slide Image Placeholder 1"/>
           <p:cNvSpPr>
             <a:spLocks noChangeAspect="1" noGrp="1" noRot="1"/>
           </p:cNvSpPr>
@@ -1241,7 +1239,7 @@
       </p:sp>
       <p:sp>
         <p:nvSpPr>
-          <p:cNvPr id="973917448" name="Notes Placeholder 2"/>
+          <p:cNvPr id="451981397" name="Notes Placeholder 2"/>
           <p:cNvSpPr>
             <a:spLocks noGrp="1"/>
           </p:cNvSpPr>
@@ -1263,7 +1261,7 @@
       </p:sp>
       <p:sp>
         <p:nvSpPr>
-          <p:cNvPr id="671503502" name="Slide Number Placeholder 3"/>
+          <p:cNvPr id="101634336" name="Slide Number Placeholder 3"/>
           <p:cNvSpPr>
             <a:spLocks noGrp="1"/>
           </p:cNvSpPr>
@@ -1314,7 +1312,7 @@
       </p:grpSpPr>
       <p:sp>
         <p:nvSpPr>
-          <p:cNvPr id="1035826654" name="Slide Image Placeholder 1"/>
+          <p:cNvPr id="1496525182" name="Slide Image Placeholder 1"/>
           <p:cNvSpPr>
             <a:spLocks noChangeAspect="1" noGrp="1" noRot="1"/>
           </p:cNvSpPr>
@@ -1326,7 +1324,7 @@
       </p:sp>
       <p:sp>
         <p:nvSpPr>
-          <p:cNvPr id="1028508323" name="Notes Placeholder 2"/>
+          <p:cNvPr id="906513162" name="Notes Placeholder 2"/>
           <p:cNvSpPr>
             <a:spLocks noGrp="1"/>
           </p:cNvSpPr>
@@ -1348,7 +1346,7 @@
       </p:sp>
       <p:sp>
         <p:nvSpPr>
-          <p:cNvPr id="1425112941" name="Slide Number Placeholder 3"/>
+          <p:cNvPr id="1676381929" name="Slide Number Placeholder 3"/>
           <p:cNvSpPr>
             <a:spLocks noGrp="1"/>
           </p:cNvSpPr>
@@ -1399,7 +1397,7 @@
       </p:grpSpPr>
       <p:sp>
         <p:nvSpPr>
-          <p:cNvPr id="75556576" name="Slide Image Placeholder 1"/>
+          <p:cNvPr id="1429867379" name="Slide Image Placeholder 1"/>
           <p:cNvSpPr>
             <a:spLocks noChangeAspect="1" noGrp="1" noRot="1"/>
           </p:cNvSpPr>
@@ -1411,7 +1409,7 @@
       </p:sp>
       <p:sp>
         <p:nvSpPr>
-          <p:cNvPr id="414282258" name="Notes Placeholder 2"/>
+          <p:cNvPr id="1998585050" name="Notes Placeholder 2"/>
           <p:cNvSpPr>
             <a:spLocks noGrp="1"/>
           </p:cNvSpPr>
@@ -1433,7 +1431,7 @@
       </p:sp>
       <p:sp>
         <p:nvSpPr>
-          <p:cNvPr id="837767938" name="Slide Number Placeholder 3"/>
+          <p:cNvPr id="827639801" name="Slide Number Placeholder 3"/>
           <p:cNvSpPr>
             <a:spLocks noGrp="1"/>
           </p:cNvSpPr>
@@ -1484,7 +1482,7 @@
       </p:grpSpPr>
       <p:sp>
         <p:nvSpPr>
-          <p:cNvPr id="11955292" name="Slide Image Placeholder 1"/>
+          <p:cNvPr id="1981469617" name="Slide Image Placeholder 1"/>
           <p:cNvSpPr>
             <a:spLocks noChangeAspect="1" noGrp="1" noRot="1"/>
           </p:cNvSpPr>
@@ -1496,7 +1494,7 @@
       </p:sp>
       <p:sp>
         <p:nvSpPr>
-          <p:cNvPr id="1264441273" name="Notes Placeholder 2"/>
+          <p:cNvPr id="878448561" name="Notes Placeholder 2"/>
           <p:cNvSpPr>
             <a:spLocks noGrp="1"/>
           </p:cNvSpPr>
@@ -1518,7 +1516,7 @@
       </p:sp>
       <p:sp>
         <p:nvSpPr>
-          <p:cNvPr id="460392017" name="Slide Number Placeholder 3"/>
+          <p:cNvPr id="9536701" name="Slide Number Placeholder 3"/>
           <p:cNvSpPr>
             <a:spLocks noGrp="1"/>
           </p:cNvSpPr>
@@ -1569,7 +1567,7 @@
       </p:grpSpPr>
       <p:sp>
         <p:nvSpPr>
-          <p:cNvPr id="1811569111" name="Slide Image Placeholder 1"/>
+          <p:cNvPr id="626159298" name="Slide Image Placeholder 1"/>
           <p:cNvSpPr>
             <a:spLocks noChangeAspect="1" noGrp="1" noRot="1"/>
           </p:cNvSpPr>
@@ -1581,7 +1579,7 @@
       </p:sp>
       <p:sp>
         <p:nvSpPr>
-          <p:cNvPr id="1735494810" name="Notes Placeholder 2"/>
+          <p:cNvPr id="1321910025" name="Notes Placeholder 2"/>
           <p:cNvSpPr>
             <a:spLocks noGrp="1"/>
           </p:cNvSpPr>
@@ -1603,7 +1601,7 @@
       </p:sp>
       <p:sp>
         <p:nvSpPr>
-          <p:cNvPr id="1559878754" name="Slide Number Placeholder 3"/>
+          <p:cNvPr id="2084088428" name="Slide Number Placeholder 3"/>
           <p:cNvSpPr>
             <a:spLocks noGrp="1"/>
           </p:cNvSpPr>
@@ -1654,7 +1652,7 @@
       </p:grpSpPr>
       <p:sp>
         <p:nvSpPr>
-          <p:cNvPr id="1715537845" name="Slide Image Placeholder 1"/>
+          <p:cNvPr id="1370452819" name="Slide Image Placeholder 1"/>
           <p:cNvSpPr>
             <a:spLocks noChangeAspect="1" noGrp="1" noRot="1"/>
           </p:cNvSpPr>
@@ -1666,7 +1664,7 @@
       </p:sp>
       <p:sp>
         <p:nvSpPr>
-          <p:cNvPr id="305195047" name="Notes Placeholder 2"/>
+          <p:cNvPr id="307406130" name="Notes Placeholder 2"/>
           <p:cNvSpPr>
             <a:spLocks noGrp="1"/>
           </p:cNvSpPr>
@@ -1688,7 +1686,7 @@
       </p:sp>
       <p:sp>
         <p:nvSpPr>
-          <p:cNvPr id="1473345282" name="Slide Number Placeholder 3"/>
+          <p:cNvPr id="2039603453" name="Slide Number Placeholder 3"/>
           <p:cNvSpPr>
             <a:spLocks noGrp="1"/>
           </p:cNvSpPr>
@@ -1704,7 +1702,7 @@
             <a:pPr>
               <a:defRPr/>
             </a:pPr>
-            <a:fld id="{4A96B257-601E-8103-1EC3-20E0E6D81BB0}" type="slidenum">
+            <a:fld id="{94B0CD32-26B6-82E9-D3B6-42302AAD5FAB}" type="slidenum">
               <a:rPr/>
               <a:t/>
             </a:fld>
@@ -1739,7 +1737,7 @@
       </p:grpSpPr>
       <p:sp>
         <p:nvSpPr>
-          <p:cNvPr id="805623507" name="Slide Image Placeholder 1"/>
+          <p:cNvPr id="2031088213" name="Slide Image Placeholder 1"/>
           <p:cNvSpPr>
             <a:spLocks noChangeAspect="1" noGrp="1" noRot="1"/>
           </p:cNvSpPr>
@@ -1751,7 +1749,7 @@
       </p:sp>
       <p:sp>
         <p:nvSpPr>
-          <p:cNvPr id="1705801510" name="Notes Placeholder 2"/>
+          <p:cNvPr id="1162462092" name="Notes Placeholder 2"/>
           <p:cNvSpPr>
             <a:spLocks noGrp="1"/>
           </p:cNvSpPr>
@@ -1773,7 +1771,7 @@
       </p:sp>
       <p:sp>
         <p:nvSpPr>
-          <p:cNvPr id="1249049345" name="Slide Number Placeholder 3"/>
+          <p:cNvPr id="1319852847" name="Slide Number Placeholder 3"/>
           <p:cNvSpPr>
             <a:spLocks noGrp="1"/>
           </p:cNvSpPr>
@@ -1789,7 +1787,7 @@
             <a:pPr>
               <a:defRPr/>
             </a:pPr>
-            <a:fld id="{94B0CD32-26B6-82E9-D3B6-42302AAD5FAB}" type="slidenum">
+            <a:fld id="{FC7BDF91-A26C-DE79-7FC6-06E1D9AE4BC4}" type="slidenum">
               <a:rPr/>
               <a:t/>
             </a:fld>
@@ -1824,7 +1822,7 @@
       </p:grpSpPr>
       <p:sp>
         <p:nvSpPr>
-          <p:cNvPr id="65375686" name="Slide Image Placeholder 1"/>
+          <p:cNvPr id="1560383065" name="Slide Image Placeholder 1"/>
           <p:cNvSpPr>
             <a:spLocks noChangeAspect="1" noGrp="1" noRot="1"/>
           </p:cNvSpPr>
@@ -1836,7 +1834,7 @@
       </p:sp>
       <p:sp>
         <p:nvSpPr>
-          <p:cNvPr id="1641338503" name="Notes Placeholder 2"/>
+          <p:cNvPr id="402476808" name="Notes Placeholder 2"/>
           <p:cNvSpPr>
             <a:spLocks noGrp="1"/>
           </p:cNvSpPr>
@@ -1858,7 +1856,7 @@
       </p:sp>
       <p:sp>
         <p:nvSpPr>
-          <p:cNvPr id="15607015" name="Slide Number Placeholder 3"/>
+          <p:cNvPr id="1035133849" name="Slide Number Placeholder 3"/>
           <p:cNvSpPr>
             <a:spLocks noGrp="1"/>
           </p:cNvSpPr>
@@ -1874,7 +1872,7 @@
             <a:pPr>
               <a:defRPr/>
             </a:pPr>
-            <a:fld id="{FC7BDF91-A26C-DE79-7FC6-06E1D9AE4BC4}" type="slidenum">
+            <a:fld id="{C4BB2774-81B2-C28B-EB10-691B19DF1C04}" type="slidenum">
               <a:rPr/>
               <a:t/>
             </a:fld>
@@ -1909,7 +1907,7 @@
       </p:grpSpPr>
       <p:sp>
         <p:nvSpPr>
-          <p:cNvPr id="1923487790" name="Slide Image Placeholder 1"/>
+          <p:cNvPr id="1967626950" name="Slide Image Placeholder 1"/>
           <p:cNvSpPr>
             <a:spLocks noChangeAspect="1" noGrp="1" noRot="1"/>
           </p:cNvSpPr>
@@ -1921,7 +1919,7 @@
       </p:sp>
       <p:sp>
         <p:nvSpPr>
-          <p:cNvPr id="2032976195" name="Notes Placeholder 2"/>
+          <p:cNvPr id="788043083" name="Notes Placeholder 2"/>
           <p:cNvSpPr>
             <a:spLocks noGrp="1"/>
           </p:cNvSpPr>
@@ -1943,7 +1941,7 @@
       </p:sp>
       <p:sp>
         <p:nvSpPr>
-          <p:cNvPr id="1737971439" name="Slide Number Placeholder 3"/>
+          <p:cNvPr id="1054074005" name="Slide Number Placeholder 3"/>
           <p:cNvSpPr>
             <a:spLocks noGrp="1"/>
           </p:cNvSpPr>
@@ -1959,7 +1957,7 @@
             <a:pPr>
               <a:defRPr/>
             </a:pPr>
-            <a:fld id="{C4BB2774-81B2-C28B-EB10-691B19DF1C04}" type="slidenum">
+            <a:fld id="{90BCEDEC-53A6-EEB4-2CEB-D0678ED6D45E}" type="slidenum">
               <a:rPr/>
               <a:t/>
             </a:fld>
@@ -1994,7 +1992,7 @@
       </p:grpSpPr>
       <p:sp>
         <p:nvSpPr>
-          <p:cNvPr id="2072467000" name="Slide Image Placeholder 1"/>
+          <p:cNvPr id="1032768109" name="Slide Image Placeholder 1"/>
           <p:cNvSpPr>
             <a:spLocks noChangeAspect="1" noGrp="1" noRot="1"/>
           </p:cNvSpPr>
@@ -2006,7 +2004,7 @@
       </p:sp>
       <p:sp>
         <p:nvSpPr>
-          <p:cNvPr id="590789699" name="Notes Placeholder 2"/>
+          <p:cNvPr id="1265440152" name="Notes Placeholder 2"/>
           <p:cNvSpPr>
             <a:spLocks noGrp="1"/>
           </p:cNvSpPr>
@@ -2028,7 +2026,7 @@
       </p:sp>
       <p:sp>
         <p:nvSpPr>
-          <p:cNvPr id="1861751868" name="Slide Number Placeholder 3"/>
+          <p:cNvPr id="769984362" name="Slide Number Placeholder 3"/>
           <p:cNvSpPr>
             <a:spLocks noGrp="1"/>
           </p:cNvSpPr>
@@ -2044,7 +2042,7 @@
             <a:pPr>
               <a:defRPr/>
             </a:pPr>
-            <a:fld id="{90BCEDEC-53A6-EEB4-2CEB-D0678ED6D45E}" type="slidenum">
+            <a:fld id="{C028ECBE-2D41-AFAD-BE06-8B27AEDB0E51}" type="slidenum">
               <a:rPr/>
               <a:t/>
             </a:fld>
@@ -2079,7 +2077,7 @@
       </p:grpSpPr>
       <p:sp>
         <p:nvSpPr>
-          <p:cNvPr id="112006203" name="Slide Image Placeholder 1"/>
+          <p:cNvPr id="261372776" name="Slide Image Placeholder 1"/>
           <p:cNvSpPr>
             <a:spLocks noChangeAspect="1" noGrp="1" noRot="1"/>
           </p:cNvSpPr>
@@ -2091,7 +2089,7 @@
       </p:sp>
       <p:sp>
         <p:nvSpPr>
-          <p:cNvPr id="166291755" name="Notes Placeholder 2"/>
+          <p:cNvPr id="1810693253" name="Notes Placeholder 2"/>
           <p:cNvSpPr>
             <a:spLocks noGrp="1"/>
           </p:cNvSpPr>
@@ -2113,7 +2111,7 @@
       </p:sp>
       <p:sp>
         <p:nvSpPr>
-          <p:cNvPr id="1222380986" name="Slide Number Placeholder 3"/>
+          <p:cNvPr id="125784939" name="Slide Number Placeholder 3"/>
           <p:cNvSpPr>
             <a:spLocks noGrp="1"/>
           </p:cNvSpPr>
@@ -2129,7 +2127,7 @@
             <a:pPr>
               <a:defRPr/>
             </a:pPr>
-            <a:fld id="{C028ECBE-2D41-AFAD-BE06-8B27AEDB0E51}" type="slidenum">
+            <a:fld id="{02519809-CA9D-1473-773F-D5FCCD3A77B4}" type="slidenum">
               <a:rPr/>
               <a:t/>
             </a:fld>
@@ -2164,7 +2162,7 @@
       </p:grpSpPr>
       <p:sp>
         <p:nvSpPr>
-          <p:cNvPr id="743946724" name="Slide Image Placeholder 1"/>
+          <p:cNvPr id="2120152128" name="Slide Image Placeholder 1"/>
           <p:cNvSpPr>
             <a:spLocks noChangeAspect="1" noGrp="1" noRot="1"/>
           </p:cNvSpPr>
@@ -2176,7 +2174,7 @@
       </p:sp>
       <p:sp>
         <p:nvSpPr>
-          <p:cNvPr id="219047424" name="Notes Placeholder 2"/>
+          <p:cNvPr id="1709328555" name="Notes Placeholder 2"/>
           <p:cNvSpPr>
             <a:spLocks noGrp="1"/>
           </p:cNvSpPr>
@@ -2198,7 +2196,7 @@
       </p:sp>
       <p:sp>
         <p:nvSpPr>
-          <p:cNvPr id="1669316433" name="Slide Number Placeholder 3"/>
+          <p:cNvPr id="404757678" name="Slide Number Placeholder 3"/>
           <p:cNvSpPr>
             <a:spLocks noGrp="1"/>
           </p:cNvSpPr>
@@ -2214,7 +2212,7 @@
             <a:pPr>
               <a:defRPr/>
             </a:pPr>
-            <a:fld id="{02519809-CA9D-1473-773F-D5FCCD3A77B4}" type="slidenum">
+            <a:fld id="{EE62D20D-7AE4-37AB-4C14-B64AC56EC8CF}" type="slidenum">
               <a:rPr/>
               <a:t/>
             </a:fld>
@@ -2249,7 +2247,7 @@
       </p:grpSpPr>
       <p:sp>
         <p:nvSpPr>
-          <p:cNvPr id="778151148" name="Slide Image Placeholder 1"/>
+          <p:cNvPr id="1334240450" name="Slide Image Placeholder 1"/>
           <p:cNvSpPr>
             <a:spLocks noChangeAspect="1" noGrp="1" noRot="1"/>
           </p:cNvSpPr>
@@ -2261,7 +2259,7 @@
       </p:sp>
       <p:sp>
         <p:nvSpPr>
-          <p:cNvPr id="305490708" name="Notes Placeholder 2"/>
+          <p:cNvPr id="1471427442" name="Notes Placeholder 2"/>
           <p:cNvSpPr>
             <a:spLocks noGrp="1"/>
           </p:cNvSpPr>
@@ -2283,7 +2281,7 @@
       </p:sp>
       <p:sp>
         <p:nvSpPr>
-          <p:cNvPr id="929997383" name="Slide Number Placeholder 3"/>
+          <p:cNvPr id="645860116" name="Slide Number Placeholder 3"/>
           <p:cNvSpPr>
             <a:spLocks noGrp="1"/>
           </p:cNvSpPr>
@@ -2299,7 +2297,7 @@
             <a:pPr>
               <a:defRPr/>
             </a:pPr>
-            <a:fld id="{EE62D20D-7AE4-37AB-4C14-B64AC56EC8CF}" type="slidenum">
+            <a:fld id="{998A30B6-D98F-71E8-3090-12D87762F218}" type="slidenum">
               <a:rPr/>
               <a:t/>
             </a:fld>
@@ -2334,7 +2332,7 @@
       </p:grpSpPr>
       <p:sp>
         <p:nvSpPr>
-          <p:cNvPr id="935902563" name="Slide Image Placeholder 1"/>
+          <p:cNvPr id="1913407598" name="Slide Image Placeholder 1"/>
           <p:cNvSpPr>
             <a:spLocks noChangeAspect="1" noGrp="1" noRot="1"/>
           </p:cNvSpPr>
@@ -2346,7 +2344,7 @@
       </p:sp>
       <p:sp>
         <p:nvSpPr>
-          <p:cNvPr id="1475105424" name="Notes Placeholder 2"/>
+          <p:cNvPr id="1974657524" name="Notes Placeholder 2"/>
           <p:cNvSpPr>
             <a:spLocks noGrp="1"/>
           </p:cNvSpPr>
@@ -2368,7 +2366,7 @@
       </p:sp>
       <p:sp>
         <p:nvSpPr>
-          <p:cNvPr id="1249032767" name="Slide Number Placeholder 3"/>
+          <p:cNvPr id="1641848845" name="Slide Number Placeholder 3"/>
           <p:cNvSpPr>
             <a:spLocks noGrp="1"/>
           </p:cNvSpPr>
@@ -2384,7 +2382,7 @@
             <a:pPr>
               <a:defRPr/>
             </a:pPr>
-            <a:fld id="{E168C7A6-9EC5-06EE-1DA0-7229DF6F6052}" type="slidenum">
+            <a:fld id="{5590FC9F-4CCD-68BD-CA4C-4C2882B93FFE}" type="slidenum">
               <a:rPr/>
               <a:t/>
             </a:fld>
@@ -2419,7 +2417,7 @@
       </p:grpSpPr>
       <p:sp>
         <p:nvSpPr>
-          <p:cNvPr id="497517648" name="Slide Image Placeholder 1"/>
+          <p:cNvPr id="1056784793" name="Slide Image Placeholder 1"/>
           <p:cNvSpPr>
             <a:spLocks noChangeAspect="1" noGrp="1" noRot="1"/>
           </p:cNvSpPr>
@@ -2431,7 +2429,7 @@
       </p:sp>
       <p:sp>
         <p:nvSpPr>
-          <p:cNvPr id="511052138" name="Notes Placeholder 2"/>
+          <p:cNvPr id="962224807" name="Notes Placeholder 2"/>
           <p:cNvSpPr>
             <a:spLocks noGrp="1"/>
           </p:cNvSpPr>
@@ -2453,7 +2451,7 @@
       </p:sp>
       <p:sp>
         <p:nvSpPr>
-          <p:cNvPr id="1993726392" name="Slide Number Placeholder 3"/>
+          <p:cNvPr id="469259690" name="Slide Number Placeholder 3"/>
           <p:cNvSpPr>
             <a:spLocks noGrp="1"/>
           </p:cNvSpPr>
@@ -2469,7 +2467,7 @@
             <a:pPr>
               <a:defRPr/>
             </a:pPr>
-            <a:fld id="{74C29C5B-DAFA-0FEC-3779-99EF9D0E3FF3}" type="slidenum">
+            <a:fld id="{611807E7-AAC3-8D50-7B7C-77C4A0A5F1E9}" type="slidenum">
               <a:rPr/>
               <a:t/>
             </a:fld>
@@ -2504,7 +2502,7 @@
       </p:grpSpPr>
       <p:sp>
         <p:nvSpPr>
-          <p:cNvPr id="577244151" name="Slide Image Placeholder 1"/>
+          <p:cNvPr id="592740735" name="Slide Image Placeholder 1"/>
           <p:cNvSpPr>
             <a:spLocks noChangeAspect="1" noGrp="1" noRot="1"/>
           </p:cNvSpPr>
@@ -2516,7 +2514,7 @@
       </p:sp>
       <p:sp>
         <p:nvSpPr>
-          <p:cNvPr id="568276023" name="Notes Placeholder 2"/>
+          <p:cNvPr id="1865919180" name="Notes Placeholder 2"/>
           <p:cNvSpPr>
             <a:spLocks noGrp="1"/>
           </p:cNvSpPr>
@@ -2538,7 +2536,7 @@
       </p:sp>
       <p:sp>
         <p:nvSpPr>
-          <p:cNvPr id="1853052078" name="Slide Number Placeholder 3"/>
+          <p:cNvPr id="1098580890" name="Slide Number Placeholder 3"/>
           <p:cNvSpPr>
             <a:spLocks noGrp="1"/>
           </p:cNvSpPr>
@@ -2589,7 +2587,7 @@
       </p:grpSpPr>
       <p:sp>
         <p:nvSpPr>
-          <p:cNvPr id="200753468" name="Slide Image Placeholder 1"/>
+          <p:cNvPr id="1703314238" name="Slide Image Placeholder 1"/>
           <p:cNvSpPr>
             <a:spLocks noChangeAspect="1" noGrp="1" noRot="1"/>
           </p:cNvSpPr>
@@ -2601,7 +2599,7 @@
       </p:sp>
       <p:sp>
         <p:nvSpPr>
-          <p:cNvPr id="519020596" name="Notes Placeholder 2"/>
+          <p:cNvPr id="2112307961" name="Notes Placeholder 2"/>
           <p:cNvSpPr>
             <a:spLocks noGrp="1"/>
           </p:cNvSpPr>
@@ -2623,7 +2621,7 @@
       </p:sp>
       <p:sp>
         <p:nvSpPr>
-          <p:cNvPr id="232306809" name="Slide Number Placeholder 3"/>
+          <p:cNvPr id="55854674" name="Slide Number Placeholder 3"/>
           <p:cNvSpPr>
             <a:spLocks noGrp="1"/>
           </p:cNvSpPr>
@@ -2639,7 +2637,7 @@
             <a:pPr>
               <a:defRPr/>
             </a:pPr>
-            <a:fld id="{1CA1C2D1-E5A2-E675-2938-C2D1C5FF68AB}" type="slidenum">
+            <a:fld id="{FFFDF7B2-D31A-F20C-89ED-80ADFBC034B1}" type="slidenum">
               <a:rPr/>
               <a:t/>
             </a:fld>
@@ -2674,7 +2672,7 @@
       </p:grpSpPr>
       <p:sp>
         <p:nvSpPr>
-          <p:cNvPr id="42332439" name="Slide Image Placeholder 1"/>
+          <p:cNvPr id="2031376311" name="Slide Image Placeholder 1"/>
           <p:cNvSpPr>
             <a:spLocks noChangeAspect="1" noGrp="1" noRot="1"/>
           </p:cNvSpPr>
@@ -2686,7 +2684,7 @@
       </p:sp>
       <p:sp>
         <p:nvSpPr>
-          <p:cNvPr id="1830426611" name="Notes Placeholder 2"/>
+          <p:cNvPr id="1455662986" name="Notes Placeholder 2"/>
           <p:cNvSpPr>
             <a:spLocks noGrp="1"/>
           </p:cNvSpPr>
@@ -2708,7 +2706,7 @@
       </p:sp>
       <p:sp>
         <p:nvSpPr>
-          <p:cNvPr id="215777218" name="Slide Number Placeholder 3"/>
+          <p:cNvPr id="1385604580" name="Slide Number Placeholder 3"/>
           <p:cNvSpPr>
             <a:spLocks noGrp="1"/>
           </p:cNvSpPr>
@@ -2724,7 +2722,7 @@
             <a:pPr>
               <a:defRPr/>
             </a:pPr>
-            <a:fld id="{E3E00DAE-B1D1-4A29-5DD7-6091E9C98567}" type="slidenum">
+            <a:fld id="{EC68A0C1-A565-2443-A3AF-8BA9516F347F}" type="slidenum">
               <a:rPr/>
               <a:t/>
             </a:fld>
@@ -2759,7 +2757,7 @@
       </p:grpSpPr>
       <p:sp>
         <p:nvSpPr>
-          <p:cNvPr id="2115881741" name="Slide Image Placeholder 1"/>
+          <p:cNvPr id="522634014" name="Slide Image Placeholder 1"/>
           <p:cNvSpPr>
             <a:spLocks noChangeAspect="1" noGrp="1" noRot="1"/>
           </p:cNvSpPr>
@@ -2771,7 +2769,7 @@
       </p:sp>
       <p:sp>
         <p:nvSpPr>
-          <p:cNvPr id="1241385878" name="Notes Placeholder 2"/>
+          <p:cNvPr id="1627921331" name="Notes Placeholder 2"/>
           <p:cNvSpPr>
             <a:spLocks noGrp="1"/>
           </p:cNvSpPr>
@@ -2793,7 +2791,7 @@
       </p:sp>
       <p:sp>
         <p:nvSpPr>
-          <p:cNvPr id="1354135217" name="Slide Number Placeholder 3"/>
+          <p:cNvPr id="695337055" name="Slide Number Placeholder 3"/>
           <p:cNvSpPr>
             <a:spLocks noGrp="1"/>
           </p:cNvSpPr>
@@ -2809,7 +2807,7 @@
             <a:pPr>
               <a:defRPr/>
             </a:pPr>
-            <a:fld id="{FFFDF7B2-D31A-F20C-89ED-80ADFBC034B1}" type="slidenum">
+            <a:fld id="{6C1FBFE6-B6EF-4969-0F20-A7B390CB9CB9}" type="slidenum">
               <a:rPr/>
               <a:t/>
             </a:fld>
@@ -2844,7 +2842,7 @@
       </p:grpSpPr>
       <p:sp>
         <p:nvSpPr>
-          <p:cNvPr id="1571940878" name="Slide Image Placeholder 1"/>
+          <p:cNvPr id="1190174315" name="Slide Image Placeholder 1"/>
           <p:cNvSpPr>
             <a:spLocks noChangeAspect="1" noGrp="1" noRot="1"/>
           </p:cNvSpPr>
@@ -2856,7 +2854,7 @@
       </p:sp>
       <p:sp>
         <p:nvSpPr>
-          <p:cNvPr id="2113715480" name="Notes Placeholder 2"/>
+          <p:cNvPr id="1462763374" name="Notes Placeholder 2"/>
           <p:cNvSpPr>
             <a:spLocks noGrp="1"/>
           </p:cNvSpPr>
@@ -2878,177 +2876,7 @@
       </p:sp>
       <p:sp>
         <p:nvSpPr>
-          <p:cNvPr id="1896100707" name="Slide Number Placeholder 3"/>
-          <p:cNvSpPr>
-            <a:spLocks noGrp="1"/>
-          </p:cNvSpPr>
-          <p:nvPr>
-            <p:ph type="sldNum" sz="quarter" idx="10"/>
-          </p:nvPr>
-        </p:nvSpPr>
-        <p:spPr bwMode="auto"/>
-        <p:txBody>
-          <a:bodyPr/>
-          <a:lstStyle/>
-          <a:p>
-            <a:pPr>
-              <a:defRPr/>
-            </a:pPr>
-            <a:fld id="{EC68A0C1-A565-2443-A3AF-8BA9516F347F}" type="slidenum">
-              <a:rPr/>
-              <a:t/>
-            </a:fld>
-            <a:endParaRPr/>
-          </a:p>
-        </p:txBody>
-      </p:sp>
-    </p:spTree>
-  </p:cSld>
-  <p:clrMapOvr>
-    <a:masterClrMapping/>
-  </p:clrMapOvr>
-</p:notes>
-</file>
-
-<file path=ppt/notesSlides/notesSlide34.xml><?xml version="1.0" encoding="utf-8"?>
-<p:notes xmlns:a="http://schemas.openxmlformats.org/drawingml/2006/main" xmlns:r="http://schemas.openxmlformats.org/officeDocument/2006/relationships" xmlns:p="http://schemas.openxmlformats.org/presentationml/2006/main" xmlns:m="http://schemas.openxmlformats.org/officeDocument/2006/math" xmlns:w="http://schemas.openxmlformats.org/wordprocessingml/2006/main">
-  <p:cSld name="">
-    <p:spTree>
-      <p:nvGrpSpPr>
-        <p:cNvPr id="1" name=""/>
-        <p:cNvGrpSpPr/>
-        <p:nvPr/>
-      </p:nvGrpSpPr>
-      <p:grpSpPr bwMode="auto">
-        <a:xfrm>
-          <a:off x="0" y="0"/>
-          <a:ext cx="0" cy="0"/>
-          <a:chOff x="0" y="0"/>
-          <a:chExt cx="0" cy="0"/>
-        </a:xfrm>
-      </p:grpSpPr>
-      <p:sp>
-        <p:nvSpPr>
-          <p:cNvPr id="1074733501" name="Slide Image Placeholder 1"/>
-          <p:cNvSpPr>
-            <a:spLocks noChangeAspect="1" noGrp="1" noRot="1"/>
-          </p:cNvSpPr>
-          <p:nvPr>
-            <p:ph type="sldImg"/>
-          </p:nvPr>
-        </p:nvSpPr>
-        <p:spPr bwMode="auto"/>
-      </p:sp>
-      <p:sp>
-        <p:nvSpPr>
-          <p:cNvPr id="956586795" name="Notes Placeholder 2"/>
-          <p:cNvSpPr>
-            <a:spLocks noGrp="1"/>
-          </p:cNvSpPr>
-          <p:nvPr>
-            <p:ph type="body" idx="1"/>
-          </p:nvPr>
-        </p:nvSpPr>
-        <p:spPr bwMode="auto"/>
-        <p:txBody>
-          <a:bodyPr/>
-          <a:lstStyle/>
-          <a:p>
-            <a:pPr>
-              <a:defRPr/>
-            </a:pPr>
-            <a:endParaRPr/>
-          </a:p>
-        </p:txBody>
-      </p:sp>
-      <p:sp>
-        <p:nvSpPr>
-          <p:cNvPr id="83214232" name="Slide Number Placeholder 3"/>
-          <p:cNvSpPr>
-            <a:spLocks noGrp="1"/>
-          </p:cNvSpPr>
-          <p:nvPr>
-            <p:ph type="sldNum" sz="quarter" idx="10"/>
-          </p:nvPr>
-        </p:nvSpPr>
-        <p:spPr bwMode="auto"/>
-        <p:txBody>
-          <a:bodyPr/>
-          <a:lstStyle/>
-          <a:p>
-            <a:pPr>
-              <a:defRPr/>
-            </a:pPr>
-            <a:fld id="{6C1FBFE6-B6EF-4969-0F20-A7B390CB9CB9}" type="slidenum">
-              <a:rPr/>
-              <a:t/>
-            </a:fld>
-            <a:endParaRPr/>
-          </a:p>
-        </p:txBody>
-      </p:sp>
-    </p:spTree>
-  </p:cSld>
-  <p:clrMapOvr>
-    <a:masterClrMapping/>
-  </p:clrMapOvr>
-</p:notes>
-</file>
-
-<file path=ppt/notesSlides/notesSlide35.xml><?xml version="1.0" encoding="utf-8"?>
-<p:notes xmlns:a="http://schemas.openxmlformats.org/drawingml/2006/main" xmlns:r="http://schemas.openxmlformats.org/officeDocument/2006/relationships" xmlns:p="http://schemas.openxmlformats.org/presentationml/2006/main" xmlns:m="http://schemas.openxmlformats.org/officeDocument/2006/math" xmlns:w="http://schemas.openxmlformats.org/wordprocessingml/2006/main">
-  <p:cSld name="">
-    <p:spTree>
-      <p:nvGrpSpPr>
-        <p:cNvPr id="1" name=""/>
-        <p:cNvGrpSpPr/>
-        <p:nvPr/>
-      </p:nvGrpSpPr>
-      <p:grpSpPr bwMode="auto">
-        <a:xfrm>
-          <a:off x="0" y="0"/>
-          <a:ext cx="0" cy="0"/>
-          <a:chOff x="0" y="0"/>
-          <a:chExt cx="0" cy="0"/>
-        </a:xfrm>
-      </p:grpSpPr>
-      <p:sp>
-        <p:nvSpPr>
-          <p:cNvPr id="1752517661" name="Slide Image Placeholder 1"/>
-          <p:cNvSpPr>
-            <a:spLocks noChangeAspect="1" noGrp="1" noRot="1"/>
-          </p:cNvSpPr>
-          <p:nvPr>
-            <p:ph type="sldImg"/>
-          </p:nvPr>
-        </p:nvSpPr>
-        <p:spPr bwMode="auto"/>
-      </p:sp>
-      <p:sp>
-        <p:nvSpPr>
-          <p:cNvPr id="1054706827" name="Notes Placeholder 2"/>
-          <p:cNvSpPr>
-            <a:spLocks noGrp="1"/>
-          </p:cNvSpPr>
-          <p:nvPr>
-            <p:ph type="body" idx="1"/>
-          </p:nvPr>
-        </p:nvSpPr>
-        <p:spPr bwMode="auto"/>
-        <p:txBody>
-          <a:bodyPr/>
-          <a:lstStyle/>
-          <a:p>
-            <a:pPr>
-              <a:defRPr/>
-            </a:pPr>
-            <a:endParaRPr/>
-          </a:p>
-        </p:txBody>
-      </p:sp>
-      <p:sp>
-        <p:nvSpPr>
-          <p:cNvPr id="375946896" name="Slide Number Placeholder 3"/>
+          <p:cNvPr id="927782290" name="Slide Number Placeholder 3"/>
           <p:cNvSpPr>
             <a:spLocks noGrp="1"/>
           </p:cNvSpPr>
@@ -3099,7 +2927,7 @@
       </p:grpSpPr>
       <p:sp>
         <p:nvSpPr>
-          <p:cNvPr id="1798774228" name="Slide Image Placeholder 1"/>
+          <p:cNvPr id="1060459005" name="Slide Image Placeholder 1"/>
           <p:cNvSpPr>
             <a:spLocks noChangeAspect="1" noGrp="1" noRot="1"/>
           </p:cNvSpPr>
@@ -3111,7 +2939,7 @@
       </p:sp>
       <p:sp>
         <p:nvSpPr>
-          <p:cNvPr id="714623475" name="Notes Placeholder 2"/>
+          <p:cNvPr id="866987898" name="Notes Placeholder 2"/>
           <p:cNvSpPr>
             <a:spLocks noGrp="1"/>
           </p:cNvSpPr>
@@ -3133,7 +2961,7 @@
       </p:sp>
       <p:sp>
         <p:nvSpPr>
-          <p:cNvPr id="1234982944" name="Slide Number Placeholder 3"/>
+          <p:cNvPr id="935463144" name="Slide Number Placeholder 3"/>
           <p:cNvSpPr>
             <a:spLocks noGrp="1"/>
           </p:cNvSpPr>
@@ -3184,7 +3012,7 @@
       </p:grpSpPr>
       <p:sp>
         <p:nvSpPr>
-          <p:cNvPr id="822288220" name="Slide Image Placeholder 1"/>
+          <p:cNvPr id="524716319" name="Slide Image Placeholder 1"/>
           <p:cNvSpPr>
             <a:spLocks noChangeAspect="1" noGrp="1" noRot="1"/>
           </p:cNvSpPr>
@@ -3196,7 +3024,7 @@
       </p:sp>
       <p:sp>
         <p:nvSpPr>
-          <p:cNvPr id="1454896263" name="Notes Placeholder 2"/>
+          <p:cNvPr id="928419286" name="Notes Placeholder 2"/>
           <p:cNvSpPr>
             <a:spLocks noGrp="1"/>
           </p:cNvSpPr>
@@ -3218,7 +3046,7 @@
       </p:sp>
       <p:sp>
         <p:nvSpPr>
-          <p:cNvPr id="530670563" name="Slide Number Placeholder 3"/>
+          <p:cNvPr id="480997349" name="Slide Number Placeholder 3"/>
           <p:cNvSpPr>
             <a:spLocks noGrp="1"/>
           </p:cNvSpPr>
@@ -3269,7 +3097,7 @@
       </p:grpSpPr>
       <p:sp>
         <p:nvSpPr>
-          <p:cNvPr id="993825292" name="Slide Image Placeholder 1"/>
+          <p:cNvPr id="1249327655" name="Slide Image Placeholder 1"/>
           <p:cNvSpPr>
             <a:spLocks noChangeAspect="1" noGrp="1" noRot="1"/>
           </p:cNvSpPr>
@@ -3281,7 +3109,7 @@
       </p:sp>
       <p:sp>
         <p:nvSpPr>
-          <p:cNvPr id="1774283461" name="Notes Placeholder 2"/>
+          <p:cNvPr id="1781652723" name="Notes Placeholder 2"/>
           <p:cNvSpPr>
             <a:spLocks noGrp="1"/>
           </p:cNvSpPr>
@@ -3303,7 +3131,7 @@
       </p:sp>
       <p:sp>
         <p:nvSpPr>
-          <p:cNvPr id="1403496187" name="Slide Number Placeholder 3"/>
+          <p:cNvPr id="180431544" name="Slide Number Placeholder 3"/>
           <p:cNvSpPr>
             <a:spLocks noGrp="1"/>
           </p:cNvSpPr>
@@ -3354,7 +3182,7 @@
       </p:grpSpPr>
       <p:sp>
         <p:nvSpPr>
-          <p:cNvPr id="913671469" name="Slide Image Placeholder 1"/>
+          <p:cNvPr id="1340565838" name="Slide Image Placeholder 1"/>
           <p:cNvSpPr>
             <a:spLocks noChangeAspect="1" noGrp="1" noRot="1"/>
           </p:cNvSpPr>
@@ -3366,7 +3194,7 @@
       </p:sp>
       <p:sp>
         <p:nvSpPr>
-          <p:cNvPr id="1202717003" name="Notes Placeholder 2"/>
+          <p:cNvPr id="731878960" name="Notes Placeholder 2"/>
           <p:cNvSpPr>
             <a:spLocks noGrp="1"/>
           </p:cNvSpPr>
@@ -3388,7 +3216,7 @@
       </p:sp>
       <p:sp>
         <p:nvSpPr>
-          <p:cNvPr id="635546541" name="Slide Number Placeholder 3"/>
+          <p:cNvPr id="1540482984" name="Slide Number Placeholder 3"/>
           <p:cNvSpPr>
             <a:spLocks noGrp="1"/>
           </p:cNvSpPr>
@@ -3439,7 +3267,7 @@
       </p:grpSpPr>
       <p:sp>
         <p:nvSpPr>
-          <p:cNvPr id="1099683045" name="Slide Image Placeholder 1"/>
+          <p:cNvPr id="1056949776" name="Slide Image Placeholder 1"/>
           <p:cNvSpPr>
             <a:spLocks noChangeAspect="1" noGrp="1" noRot="1"/>
           </p:cNvSpPr>
@@ -3451,7 +3279,7 @@
       </p:sp>
       <p:sp>
         <p:nvSpPr>
-          <p:cNvPr id="1995754225" name="Notes Placeholder 2"/>
+          <p:cNvPr id="679683519" name="Notes Placeholder 2"/>
           <p:cNvSpPr>
             <a:spLocks noGrp="1"/>
           </p:cNvSpPr>
@@ -3473,7 +3301,7 @@
       </p:sp>
       <p:sp>
         <p:nvSpPr>
-          <p:cNvPr id="1821958064" name="Slide Number Placeholder 3"/>
+          <p:cNvPr id="1872758549" name="Slide Number Placeholder 3"/>
           <p:cNvSpPr>
             <a:spLocks noGrp="1"/>
           </p:cNvSpPr>
@@ -3524,7 +3352,7 @@
       </p:grpSpPr>
       <p:sp>
         <p:nvSpPr>
-          <p:cNvPr id="2140938425" name="Slide Image Placeholder 1"/>
+          <p:cNvPr id="1286944528" name="Slide Image Placeholder 1"/>
           <p:cNvSpPr>
             <a:spLocks noChangeAspect="1" noGrp="1" noRot="1"/>
           </p:cNvSpPr>
@@ -3536,7 +3364,7 @@
       </p:sp>
       <p:sp>
         <p:nvSpPr>
-          <p:cNvPr id="1123940360" name="Notes Placeholder 2"/>
+          <p:cNvPr id="1343906195" name="Notes Placeholder 2"/>
           <p:cNvSpPr>
             <a:spLocks noGrp="1"/>
           </p:cNvSpPr>
@@ -3558,7 +3386,7 @@
       </p:sp>
       <p:sp>
         <p:nvSpPr>
-          <p:cNvPr id="718526580" name="Slide Number Placeholder 3"/>
+          <p:cNvPr id="278249809" name="Slide Number Placeholder 3"/>
           <p:cNvSpPr>
             <a:spLocks noGrp="1"/>
           </p:cNvSpPr>
@@ -3609,7 +3437,7 @@
       </p:grpSpPr>
       <p:sp>
         <p:nvSpPr>
-          <p:cNvPr id="1003589597" name="Titelplatzhalter 25"/>
+          <p:cNvPr id="1494674484" name="Titelplatzhalter 25"/>
           <p:cNvSpPr>
             <a:spLocks noGrp="1"/>
           </p:cNvSpPr>
@@ -3706,7 +3534,7 @@
       </p:grpSpPr>
       <p:sp>
         <p:nvSpPr>
-          <p:cNvPr id="1481987929" name="Titel 3"/>
+          <p:cNvPr id="1474847683" name="Titel 3"/>
           <p:cNvSpPr>
             <a:spLocks noGrp="1"/>
           </p:cNvSpPr>
@@ -3746,7 +3574,7 @@
       </p:sp>
       <p:sp>
         <p:nvSpPr>
-          <p:cNvPr id="717203998" name="Textplatzhalter 7"/>
+          <p:cNvPr id="1874507194" name="Textplatzhalter 7"/>
           <p:cNvSpPr>
             <a:spLocks noGrp="1"/>
           </p:cNvSpPr>
@@ -3818,7 +3646,7 @@
       </p:sp>
       <p:sp>
         <p:nvSpPr>
-          <p:cNvPr id="1634775225" name="Bildplatzhalter 2"/>
+          <p:cNvPr id="1441901598" name="Bildplatzhalter 2"/>
           <p:cNvSpPr>
             <a:spLocks noGrp="1"/>
           </p:cNvSpPr>
@@ -3860,7 +3688,7 @@
       </p:sp>
       <p:sp>
         <p:nvSpPr>
-          <p:cNvPr id="1475350880" name="Textplatzhalter 7"/>
+          <p:cNvPr id="865100059" name="Textplatzhalter 7"/>
           <p:cNvSpPr>
             <a:spLocks noGrp="1"/>
           </p:cNvSpPr>
@@ -3967,7 +3795,7 @@
       </p:sp>
       <p:sp>
         <p:nvSpPr>
-          <p:cNvPr id="1511010009" name="Bildplatzhalter 2"/>
+          <p:cNvPr id="1515763011" name="Bildplatzhalter 2"/>
           <p:cNvSpPr>
             <a:spLocks noGrp="1"/>
           </p:cNvSpPr>
@@ -4009,7 +3837,7 @@
       </p:sp>
       <p:sp>
         <p:nvSpPr>
-          <p:cNvPr id="680755502" name="Textplatzhalter 7"/>
+          <p:cNvPr id="1407421232" name="Textplatzhalter 7"/>
           <p:cNvSpPr>
             <a:spLocks noGrp="1"/>
           </p:cNvSpPr>
@@ -4116,7 +3944,7 @@
       </p:sp>
       <p:sp>
         <p:nvSpPr>
-          <p:cNvPr id="1027266838" name="Bildplatzhalter 2"/>
+          <p:cNvPr id="2045598100" name="Bildplatzhalter 2"/>
           <p:cNvSpPr>
             <a:spLocks noGrp="1"/>
           </p:cNvSpPr>
@@ -4158,7 +3986,7 @@
       </p:sp>
       <p:sp>
         <p:nvSpPr>
-          <p:cNvPr id="1134578645" name="Textplatzhalter 7"/>
+          <p:cNvPr id="894236936" name="Textplatzhalter 7"/>
           <p:cNvSpPr>
             <a:spLocks noGrp="1"/>
           </p:cNvSpPr>
@@ -4290,7 +4118,7 @@
       </p:grpSpPr>
       <p:sp>
         <p:nvSpPr>
-          <p:cNvPr id="61923609" name="Titelplatzhalter 25"/>
+          <p:cNvPr id="1963381548" name="Titelplatzhalter 25"/>
           <p:cNvSpPr>
             <a:spLocks noGrp="1"/>
           </p:cNvSpPr>
@@ -4334,7 +4162,7 @@
       </p:sp>
       <p:sp>
         <p:nvSpPr>
-          <p:cNvPr id="1642219285" name="Textplatzhalter 7"/>
+          <p:cNvPr id="822070868" name="Textplatzhalter 7"/>
           <p:cNvSpPr>
             <a:spLocks noGrp="1"/>
           </p:cNvSpPr>
@@ -4406,7 +4234,7 @@
       </p:sp>
       <p:sp>
         <p:nvSpPr>
-          <p:cNvPr id="93057270" name="Bildplatzhalter 2"/>
+          <p:cNvPr id="1610962667" name="Bildplatzhalter 2"/>
           <p:cNvSpPr>
             <a:spLocks noGrp="1"/>
           </p:cNvSpPr>
@@ -4448,7 +4276,7 @@
       </p:sp>
       <p:sp>
         <p:nvSpPr>
-          <p:cNvPr id="1506885297" name="Bildplatzhalter 2"/>
+          <p:cNvPr id="938709761" name="Bildplatzhalter 2"/>
           <p:cNvSpPr>
             <a:spLocks noGrp="1"/>
           </p:cNvSpPr>
@@ -4490,7 +4318,7 @@
       </p:sp>
       <p:sp>
         <p:nvSpPr>
-          <p:cNvPr id="1053497780" name="Bildplatzhalter 2"/>
+          <p:cNvPr id="255008579" name="Bildplatzhalter 2"/>
           <p:cNvSpPr>
             <a:spLocks noGrp="1"/>
           </p:cNvSpPr>
@@ -4532,7 +4360,7 @@
       </p:sp>
       <p:sp>
         <p:nvSpPr>
-          <p:cNvPr id="1902824997" name="Bildplatzhalter 4"/>
+          <p:cNvPr id="1499827084" name="Bildplatzhalter 4"/>
           <p:cNvSpPr>
             <a:spLocks noGrp="1"/>
           </p:cNvSpPr>
@@ -4576,7 +4404,7 @@
       </p:sp>
       <p:sp>
         <p:nvSpPr>
-          <p:cNvPr id="150128585" name="Textplatzhalter 7"/>
+          <p:cNvPr id="430342056" name="Textplatzhalter 7"/>
           <p:cNvSpPr>
             <a:spLocks noGrp="1"/>
           </p:cNvSpPr>
@@ -4669,7 +4497,7 @@
       </p:grpSpPr>
       <p:sp>
         <p:nvSpPr>
-          <p:cNvPr id="981242641" name="Titelplatzhalter 25"/>
+          <p:cNvPr id="148207620" name="Titelplatzhalter 25"/>
           <p:cNvSpPr>
             <a:spLocks noGrp="1"/>
           </p:cNvSpPr>
@@ -4713,7 +4541,7 @@
       </p:sp>
       <p:sp>
         <p:nvSpPr>
-          <p:cNvPr id="334945498" name="Bildplatzhalter 4"/>
+          <p:cNvPr id="1705841108" name="Bildplatzhalter 4"/>
           <p:cNvSpPr>
             <a:spLocks noGrp="1"/>
           </p:cNvSpPr>
@@ -4757,7 +4585,7 @@
       </p:sp>
       <p:sp>
         <p:nvSpPr>
-          <p:cNvPr id="2119615894" name="Textplatzhalter 7"/>
+          <p:cNvPr id="943507428" name="Textplatzhalter 7"/>
           <p:cNvSpPr>
             <a:spLocks noGrp="1"/>
           </p:cNvSpPr>
@@ -4829,7 +4657,7 @@
       </p:sp>
       <p:sp>
         <p:nvSpPr>
-          <p:cNvPr id="1517551816" name="Bildplatzhalter 2"/>
+          <p:cNvPr id="1792595096" name="Bildplatzhalter 2"/>
           <p:cNvSpPr>
             <a:spLocks noGrp="1"/>
           </p:cNvSpPr>
@@ -4896,7 +4724,7 @@
       </p:grpSpPr>
       <p:sp>
         <p:nvSpPr>
-          <p:cNvPr id="211939002" name="Titelplatzhalter 25"/>
+          <p:cNvPr id="1342921210" name="Titelplatzhalter 25"/>
           <p:cNvSpPr>
             <a:spLocks noGrp="1"/>
           </p:cNvSpPr>
@@ -4940,7 +4768,7 @@
       </p:sp>
       <p:sp>
         <p:nvSpPr>
-          <p:cNvPr id="1520365714" name="Bildplatzhalter 2"/>
+          <p:cNvPr id="594048433" name="Bildplatzhalter 2"/>
           <p:cNvSpPr>
             <a:spLocks noGrp="1"/>
           </p:cNvSpPr>
@@ -4982,7 +4810,7 @@
       </p:sp>
       <p:sp>
         <p:nvSpPr>
-          <p:cNvPr id="1374214044" name="Bildplatzhalter 2"/>
+          <p:cNvPr id="572607935" name="Bildplatzhalter 2"/>
           <p:cNvSpPr>
             <a:spLocks noGrp="1"/>
           </p:cNvSpPr>
@@ -5024,7 +4852,7 @@
       </p:sp>
       <p:sp>
         <p:nvSpPr>
-          <p:cNvPr id="135884446" name="Bildplatzhalter 2"/>
+          <p:cNvPr id="188103021" name="Bildplatzhalter 2"/>
           <p:cNvSpPr>
             <a:spLocks noGrp="1"/>
           </p:cNvSpPr>
@@ -5066,7 +4894,7 @@
       </p:sp>
       <p:sp>
         <p:nvSpPr>
-          <p:cNvPr id="1600419347" name="Textplatzhalter 7"/>
+          <p:cNvPr id="1528809900" name="Textplatzhalter 7"/>
           <p:cNvSpPr>
             <a:spLocks noGrp="1"/>
           </p:cNvSpPr>
@@ -5163,7 +4991,7 @@
       </p:grpSpPr>
       <p:sp>
         <p:nvSpPr>
-          <p:cNvPr id="1545995111" name="Titel 3"/>
+          <p:cNvPr id="1909464926" name="Titel 3"/>
           <p:cNvSpPr>
             <a:spLocks noGrp="1"/>
           </p:cNvSpPr>
@@ -5231,7 +5059,7 @@
       </p:sp>
       <p:sp>
         <p:nvSpPr>
-          <p:cNvPr id="1070699096" name="Textplatzhalter 7"/>
+          <p:cNvPr id="1030945026" name="Textplatzhalter 7"/>
           <p:cNvSpPr>
             <a:spLocks noGrp="1"/>
           </p:cNvSpPr>
@@ -5303,7 +5131,7 @@
       </p:sp>
       <p:sp>
         <p:nvSpPr>
-          <p:cNvPr id="2080246411" name="Textplatzhalter 7"/>
+          <p:cNvPr id="365305680" name="Textplatzhalter 7"/>
           <p:cNvSpPr>
             <a:spLocks noGrp="1"/>
           </p:cNvSpPr>
@@ -5435,7 +5263,7 @@
       </p:grpSpPr>
       <p:sp>
         <p:nvSpPr>
-          <p:cNvPr id="143929972" name="Titel 3"/>
+          <p:cNvPr id="1333440395" name="Titel 3"/>
           <p:cNvSpPr>
             <a:spLocks noGrp="1"/>
           </p:cNvSpPr>
@@ -5503,7 +5331,7 @@
       </p:sp>
       <p:sp>
         <p:nvSpPr>
-          <p:cNvPr id="1488587892" name="Textplatzhalter 7"/>
+          <p:cNvPr id="96818196" name="Textplatzhalter 7"/>
           <p:cNvSpPr>
             <a:spLocks noGrp="1"/>
           </p:cNvSpPr>
@@ -5575,7 +5403,7 @@
       </p:sp>
       <p:sp>
         <p:nvSpPr>
-          <p:cNvPr id="291246296" name="Bildplatzhalter 2"/>
+          <p:cNvPr id="492345400" name="Bildplatzhalter 2"/>
           <p:cNvSpPr>
             <a:spLocks noGrp="1"/>
           </p:cNvSpPr>
@@ -5617,7 +5445,7 @@
       </p:sp>
       <p:sp>
         <p:nvSpPr>
-          <p:cNvPr id="1296774654" name="Textplatzhalter 7"/>
+          <p:cNvPr id="2121636567" name="Textplatzhalter 7"/>
           <p:cNvSpPr>
             <a:spLocks noGrp="1"/>
           </p:cNvSpPr>
@@ -5749,7 +5577,7 @@
       </p:grpSpPr>
       <p:sp>
         <p:nvSpPr>
-          <p:cNvPr id="1310204997" name="Titel 3"/>
+          <p:cNvPr id="441880893" name="Titel 3"/>
           <p:cNvSpPr>
             <a:spLocks noGrp="1"/>
           </p:cNvSpPr>
@@ -5823,7 +5651,7 @@
       </p:sp>
       <p:sp>
         <p:nvSpPr>
-          <p:cNvPr id="2118504504" name="Textplatzhalter 7"/>
+          <p:cNvPr id="1009257038" name="Textplatzhalter 7"/>
           <p:cNvSpPr>
             <a:spLocks noGrp="1"/>
           </p:cNvSpPr>
@@ -5895,7 +5723,7 @@
       </p:sp>
       <p:sp>
         <p:nvSpPr>
-          <p:cNvPr id="1198469972" name="Bildplatzhalter 2"/>
+          <p:cNvPr id="1184719991" name="Bildplatzhalter 2"/>
           <p:cNvSpPr>
             <a:spLocks noGrp="1"/>
           </p:cNvSpPr>
@@ -5937,7 +5765,7 @@
       </p:sp>
       <p:sp>
         <p:nvSpPr>
-          <p:cNvPr id="280927540" name="Textplatzhalter 7"/>
+          <p:cNvPr id="1422141955" name="Textplatzhalter 7"/>
           <p:cNvSpPr>
             <a:spLocks noGrp="1"/>
           </p:cNvSpPr>
@@ -6014,7 +5842,7 @@
       </p:sp>
       <p:sp>
         <p:nvSpPr>
-          <p:cNvPr id="987999972" name="Bildplatzhalter 2"/>
+          <p:cNvPr id="599824978" name="Bildplatzhalter 2"/>
           <p:cNvSpPr>
             <a:spLocks noGrp="1"/>
           </p:cNvSpPr>
@@ -6056,7 +5884,7 @@
       </p:sp>
       <p:sp>
         <p:nvSpPr>
-          <p:cNvPr id="159067157" name="Textplatzhalter 7"/>
+          <p:cNvPr id="1298543769" name="Textplatzhalter 7"/>
           <p:cNvSpPr>
             <a:spLocks noGrp="1"/>
           </p:cNvSpPr>
@@ -6158,7 +5986,7 @@
       </p:grpSpPr>
       <p:sp>
         <p:nvSpPr>
-          <p:cNvPr id="1237916813" name="Titel 3"/>
+          <p:cNvPr id="1112938980" name="Titel 3"/>
           <p:cNvSpPr>
             <a:spLocks noGrp="1"/>
           </p:cNvSpPr>
@@ -6232,7 +6060,7 @@
       </p:sp>
       <p:sp>
         <p:nvSpPr>
-          <p:cNvPr id="967853929" name="Textplatzhalter 7"/>
+          <p:cNvPr id="348868370" name="Textplatzhalter 7"/>
           <p:cNvSpPr>
             <a:spLocks noGrp="1"/>
           </p:cNvSpPr>
@@ -6304,7 +6132,7 @@
       </p:sp>
       <p:sp>
         <p:nvSpPr>
-          <p:cNvPr id="1955037915" name="Bildplatzhalter 2"/>
+          <p:cNvPr id="745350974" name="Bildplatzhalter 2"/>
           <p:cNvSpPr>
             <a:spLocks noGrp="1"/>
           </p:cNvSpPr>
@@ -6346,7 +6174,7 @@
       </p:sp>
       <p:sp>
         <p:nvSpPr>
-          <p:cNvPr id="1635137572" name="Textplatzhalter 7"/>
+          <p:cNvPr id="707434107" name="Textplatzhalter 7"/>
           <p:cNvSpPr>
             <a:spLocks noGrp="1"/>
           </p:cNvSpPr>
@@ -6478,7 +6306,7 @@
       </p:grpSpPr>
       <p:sp>
         <p:nvSpPr>
-          <p:cNvPr id="2061041261" name="Titel 3"/>
+          <p:cNvPr id="1946942867" name="Titel 3"/>
           <p:cNvSpPr>
             <a:spLocks noGrp="1"/>
           </p:cNvSpPr>
@@ -6518,7 +6346,7 @@
       </p:sp>
       <p:sp>
         <p:nvSpPr>
-          <p:cNvPr id="1388537457" name="Bildplatzhalter 4"/>
+          <p:cNvPr id="1983945252" name="Bildplatzhalter 4"/>
           <p:cNvSpPr>
             <a:spLocks noGrp="1"/>
           </p:cNvSpPr>
@@ -6562,7 +6390,7 @@
       </p:sp>
       <p:sp>
         <p:nvSpPr>
-          <p:cNvPr id="876403636" name="Textplatzhalter 7"/>
+          <p:cNvPr id="170414608" name="Textplatzhalter 7"/>
           <p:cNvSpPr>
             <a:spLocks noGrp="1"/>
           </p:cNvSpPr>
@@ -6634,7 +6462,7 @@
       </p:sp>
       <p:sp>
         <p:nvSpPr>
-          <p:cNvPr id="1503695725" name="Textplatzhalter 7"/>
+          <p:cNvPr id="2000206108" name="Textplatzhalter 7"/>
           <p:cNvSpPr>
             <a:spLocks noGrp="1"/>
           </p:cNvSpPr>
@@ -6773,7 +6601,7 @@
       </p:grpSpPr>
       <p:sp>
         <p:nvSpPr>
-          <p:cNvPr id="1633315859" name="Rechteck 8"/>
+          <p:cNvPr id="2022670821" name="Rechteck 8"/>
           <p:cNvSpPr/>
           <p:nvPr userDrawn="1"/>
         </p:nvSpPr>
@@ -6821,7 +6649,7 @@
       </p:sp>
       <p:cxnSp>
         <p:nvCxnSpPr>
-          <p:cNvPr id="479672750" name="Gerader Verbinder 13"/>
+          <p:cNvPr id="1460254119" name="Gerader Verbinder 13"/>
           <p:cNvCxnSpPr/>
           <p:nvPr userDrawn="1"/>
         </p:nvCxnSpPr>
@@ -6856,7 +6684,7 @@
       </p:cxnSp>
       <p:cxnSp>
         <p:nvCxnSpPr>
-          <p:cNvPr id="402574443" name="Gerader Verbinder 9"/>
+          <p:cNvPr id="1663067983" name="Gerader Verbinder 9"/>
           <p:cNvCxnSpPr/>
           <p:nvPr userDrawn="1"/>
         </p:nvCxnSpPr>
@@ -6893,7 +6721,7 @@
       </p:cxnSp>
       <p:sp>
         <p:nvSpPr>
-          <p:cNvPr id="1169116805" name="Rectangle 4"/>
+          <p:cNvPr id="1394600240" name="Rectangle 4"/>
           <p:cNvSpPr txBox="1">
             <a:spLocks noChangeArrowheads="1"/>
           </p:cNvSpPr>
@@ -7124,7 +6952,7 @@
       </p:sp>
       <p:sp>
         <p:nvSpPr>
-          <p:cNvPr id="1155119534" name="Rectangle 5"/>
+          <p:cNvPr id="2004244902" name="Rectangle 5"/>
           <p:cNvSpPr txBox="1">
             <a:spLocks noChangeArrowheads="1"/>
           </p:cNvSpPr>
@@ -7290,7 +7118,7 @@
       </p:sp>
       <p:pic>
         <p:nvPicPr>
-          <p:cNvPr id="530913300" name="Grafik 2" title="Logo der TU Chemnitz mit Bezug zur Kulturhauptstadt 2025"/>
+          <p:cNvPr id="167345658" name="Grafik 2" title="Logo der TU Chemnitz mit Bezug zur Kulturhauptstadt 2025"/>
           <p:cNvPicPr>
             <a:picLocks noChangeAspect="1"/>
           </p:cNvPicPr>
@@ -7731,7 +7559,7 @@
       </p:grpSpPr>
       <p:sp>
         <p:nvSpPr>
-          <p:cNvPr id="1013241752" name="Rechteck 8"/>
+          <p:cNvPr id="723351719" name="Rechteck 8"/>
           <p:cNvSpPr/>
           <p:nvPr userDrawn="1"/>
         </p:nvSpPr>
@@ -7779,7 +7607,7 @@
       </p:sp>
       <p:cxnSp>
         <p:nvCxnSpPr>
-          <p:cNvPr id="650464886" name="Gerader Verbinder 10"/>
+          <p:cNvPr id="1743409473" name="Gerader Verbinder 10"/>
           <p:cNvCxnSpPr/>
           <p:nvPr userDrawn="1"/>
         </p:nvCxnSpPr>
@@ -7814,7 +7642,7 @@
       </p:cxnSp>
       <p:cxnSp>
         <p:nvCxnSpPr>
-          <p:cNvPr id="830367929" name="Gerader Verbinder 32"/>
+          <p:cNvPr id="90398598" name="Gerader Verbinder 32"/>
           <p:cNvCxnSpPr/>
           <p:nvPr userDrawn="1"/>
         </p:nvCxnSpPr>
@@ -7851,7 +7679,7 @@
       </p:cxnSp>
       <p:sp>
         <p:nvSpPr>
-          <p:cNvPr id="1784100576" name="Rectangle 5"/>
+          <p:cNvPr id="337061151" name="Rectangle 5"/>
           <p:cNvSpPr txBox="1">
             <a:spLocks noChangeArrowheads="1"/>
           </p:cNvSpPr>
@@ -8017,7 +7845,7 @@
       </p:sp>
       <p:sp>
         <p:nvSpPr>
-          <p:cNvPr id="2032284800" name="Fußzeilenplatzhalter 4"/>
+          <p:cNvPr id="169255674" name="Fußzeilenplatzhalter 4"/>
           <p:cNvSpPr txBox="1"/>
           <p:nvPr userDrawn="1"/>
         </p:nvSpPr>
@@ -8177,7 +8005,7 @@
       </p:sp>
       <p:sp>
         <p:nvSpPr>
-          <p:cNvPr id="1023199308" name="Rectangle 4"/>
+          <p:cNvPr id="296437250" name="Rectangle 4"/>
           <p:cNvSpPr txBox="1">
             <a:spLocks noChangeArrowheads="1"/>
           </p:cNvSpPr>
@@ -8347,7 +8175,7 @@
       </p:sp>
       <p:pic>
         <p:nvPicPr>
-          <p:cNvPr id="1035762634" name="Grafik 9" title="Logo der TU Chemnitz mit Bezug zur Kulturhauptstadt 2025"/>
+          <p:cNvPr id="1893725832" name="Grafik 9" title="Logo der TU Chemnitz mit Bezug zur Kulturhauptstadt 2025"/>
           <p:cNvPicPr>
             <a:picLocks noChangeAspect="1"/>
           </p:cNvPicPr>
@@ -8680,7 +8508,7 @@
       </p:grpSpPr>
       <p:sp>
         <p:nvSpPr>
-          <p:cNvPr id="604370026" name="Titel 1"/>
+          <p:cNvPr id="602502962" name="Titel 1"/>
           <p:cNvSpPr>
             <a:spLocks noGrp="1"/>
           </p:cNvSpPr>
@@ -8736,7 +8564,7 @@
       </p:sp>
       <p:pic>
         <p:nvPicPr>
-          <p:cNvPr id="2010105430" name=""/>
+          <p:cNvPr id="1804832154" name=""/>
           <p:cNvPicPr>
             <a:picLocks noChangeAspect="1"/>
           </p:cNvPicPr>
@@ -8791,7 +8619,7 @@
       </p:grpSpPr>
       <p:sp>
         <p:nvSpPr>
-          <p:cNvPr id="1980992259" name="Titel 3"/>
+          <p:cNvPr id="23526089" name="Titel 3"/>
           <p:cNvSpPr>
             <a:spLocks noGrp="1"/>
           </p:cNvSpPr>
@@ -8857,7 +8685,7 @@
       </p:sp>
       <p:sp>
         <p:nvSpPr>
-          <p:cNvPr id="1942365547" name="Textplatzhalter 7"/>
+          <p:cNvPr id="301039612" name="Textplatzhalter 7"/>
           <p:cNvSpPr>
             <a:spLocks noGrp="1"/>
           </p:cNvSpPr>
@@ -8951,7 +8779,7 @@
       </p:sp>
       <p:pic>
         <p:nvPicPr>
-          <p:cNvPr id="395505360" name=""/>
+          <p:cNvPr id="441645492" name=""/>
           <p:cNvPicPr>
             <a:picLocks noChangeAspect="1"/>
           </p:cNvPicPr>
@@ -9017,7 +8845,7 @@
       </p:grpSpPr>
       <p:sp>
         <p:nvSpPr>
-          <p:cNvPr id="65147535" name="Titel 3"/>
+          <p:cNvPr id="2064473372" name="Titel 3"/>
           <p:cNvSpPr>
             <a:spLocks noGrp="1"/>
           </p:cNvSpPr>
@@ -9083,7 +8911,7 @@
       </p:sp>
       <p:sp>
         <p:nvSpPr>
-          <p:cNvPr id="81096580" name="Textplatzhalter 7"/>
+          <p:cNvPr id="1408363269" name="Textplatzhalter 7"/>
           <p:cNvSpPr>
             <a:spLocks noGrp="1"/>
           </p:cNvSpPr>
@@ -9177,7 +9005,7 @@
       </p:sp>
       <p:pic>
         <p:nvPicPr>
-          <p:cNvPr id="1995083070" name=""/>
+          <p:cNvPr id="1198808387" name=""/>
           <p:cNvPicPr>
             <a:picLocks noChangeAspect="1"/>
           </p:cNvPicPr>
@@ -9243,7 +9071,7 @@
       </p:grpSpPr>
       <p:sp>
         <p:nvSpPr>
-          <p:cNvPr id="1254711746" name="Titel 3"/>
+          <p:cNvPr id="523219953" name="Titel 3"/>
           <p:cNvSpPr>
             <a:spLocks noGrp="1"/>
           </p:cNvSpPr>
@@ -9309,7 +9137,7 @@
       </p:sp>
       <p:sp>
         <p:nvSpPr>
-          <p:cNvPr id="1330117706" name="Textplatzhalter 7"/>
+          <p:cNvPr id="602639494" name="Textplatzhalter 7"/>
           <p:cNvSpPr>
             <a:spLocks noGrp="1"/>
           </p:cNvSpPr>
@@ -9403,7 +9231,7 @@
       </p:sp>
       <p:pic>
         <p:nvPicPr>
-          <p:cNvPr id="992232968" name=""/>
+          <p:cNvPr id="1449379916" name=""/>
           <p:cNvPicPr>
             <a:picLocks noChangeAspect="1"/>
           </p:cNvPicPr>
@@ -9469,7 +9297,7 @@
       </p:grpSpPr>
       <p:sp>
         <p:nvSpPr>
-          <p:cNvPr id="92069430" name="Titel 3"/>
+          <p:cNvPr id="1062984429" name="Titel 3"/>
           <p:cNvSpPr>
             <a:spLocks noGrp="1"/>
           </p:cNvSpPr>
@@ -9535,7 +9363,7 @@
       </p:sp>
       <p:sp>
         <p:nvSpPr>
-          <p:cNvPr id="1267462239" name="Textplatzhalter 7"/>
+          <p:cNvPr id="931732826" name="Textplatzhalter 7"/>
           <p:cNvSpPr>
             <a:spLocks noGrp="1"/>
           </p:cNvSpPr>
@@ -9629,7 +9457,7 @@
       </p:sp>
       <p:pic>
         <p:nvPicPr>
-          <p:cNvPr id="1704638132" name=""/>
+          <p:cNvPr id="2124786790" name=""/>
           <p:cNvPicPr>
             <a:picLocks noChangeAspect="1"/>
           </p:cNvPicPr>
@@ -9695,7 +9523,7 @@
       </p:grpSpPr>
       <p:sp>
         <p:nvSpPr>
-          <p:cNvPr id="2001410455" name="Titel 3"/>
+          <p:cNvPr id="1558848338" name="Titel 3"/>
           <p:cNvSpPr>
             <a:spLocks noGrp="1"/>
           </p:cNvSpPr>
@@ -9761,7 +9589,7 @@
       </p:sp>
       <p:sp>
         <p:nvSpPr>
-          <p:cNvPr id="1574011060" name="Textplatzhalter 7"/>
+          <p:cNvPr id="305334195" name="Textplatzhalter 7"/>
           <p:cNvSpPr>
             <a:spLocks noGrp="1"/>
           </p:cNvSpPr>
@@ -9855,7 +9683,7 @@
       </p:sp>
       <p:pic>
         <p:nvPicPr>
-          <p:cNvPr id="1707319161" name=""/>
+          <p:cNvPr id="736584224" name=""/>
           <p:cNvPicPr>
             <a:picLocks noChangeAspect="1"/>
           </p:cNvPicPr>
@@ -9921,7 +9749,7 @@
       </p:grpSpPr>
       <p:sp>
         <p:nvSpPr>
-          <p:cNvPr id="1347269045" name="Titel 3"/>
+          <p:cNvPr id="105244392" name="Titel 3"/>
           <p:cNvSpPr>
             <a:spLocks noGrp="1"/>
           </p:cNvSpPr>
@@ -9987,7 +9815,7 @@
       </p:sp>
       <p:sp>
         <p:nvSpPr>
-          <p:cNvPr id="510675182" name="Textplatzhalter 7"/>
+          <p:cNvPr id="1941515110" name="Textplatzhalter 7"/>
           <p:cNvSpPr>
             <a:spLocks noGrp="1"/>
           </p:cNvSpPr>
@@ -10081,7 +9909,7 @@
       </p:sp>
       <p:pic>
         <p:nvPicPr>
-          <p:cNvPr id="1365783979" name=""/>
+          <p:cNvPr id="782131261" name=""/>
           <p:cNvPicPr>
             <a:picLocks noChangeAspect="1"/>
           </p:cNvPicPr>
@@ -10147,7 +9975,7 @@
       </p:grpSpPr>
       <p:sp>
         <p:nvSpPr>
-          <p:cNvPr id="1687877711" name="Titel 3"/>
+          <p:cNvPr id="841617011" name="Titel 3"/>
           <p:cNvSpPr>
             <a:spLocks noGrp="1"/>
           </p:cNvSpPr>
@@ -10213,7 +10041,7 @@
       </p:sp>
       <p:sp>
         <p:nvSpPr>
-          <p:cNvPr id="904362422" name="Textplatzhalter 7"/>
+          <p:cNvPr id="470779729" name="Textplatzhalter 7"/>
           <p:cNvSpPr>
             <a:spLocks noGrp="1"/>
           </p:cNvSpPr>
@@ -10307,7 +10135,7 @@
       </p:sp>
       <p:pic>
         <p:nvPicPr>
-          <p:cNvPr id="1266758555" name=""/>
+          <p:cNvPr id="282900243" name=""/>
           <p:cNvPicPr>
             <a:picLocks noChangeAspect="1"/>
           </p:cNvPicPr>
@@ -10373,7 +10201,7 @@
       </p:grpSpPr>
       <p:sp>
         <p:nvSpPr>
-          <p:cNvPr id="1734503331" name="Titel 3"/>
+          <p:cNvPr id="1442644858" name="Titel 3"/>
           <p:cNvSpPr>
             <a:spLocks noGrp="1"/>
           </p:cNvSpPr>
@@ -10439,7 +10267,7 @@
       </p:sp>
       <p:sp>
         <p:nvSpPr>
-          <p:cNvPr id="2000463171" name="Textplatzhalter 7"/>
+          <p:cNvPr id="1573533375" name="Textplatzhalter 7"/>
           <p:cNvSpPr>
             <a:spLocks noGrp="1"/>
           </p:cNvSpPr>
@@ -10513,7 +10341,7 @@
       </p:sp>
       <p:pic>
         <p:nvPicPr>
-          <p:cNvPr id="735834926" name=""/>
+          <p:cNvPr id="1337884110" name=""/>
           <p:cNvPicPr>
             <a:picLocks noChangeAspect="1"/>
           </p:cNvPicPr>
@@ -10579,7 +10407,7 @@
       </p:grpSpPr>
       <p:sp>
         <p:nvSpPr>
-          <p:cNvPr id="137393316" name="Titel 3"/>
+          <p:cNvPr id="1950278312" name="Titel 3"/>
           <p:cNvSpPr>
             <a:spLocks noGrp="1"/>
           </p:cNvSpPr>
@@ -10645,7 +10473,7 @@
       </p:sp>
       <p:sp>
         <p:nvSpPr>
-          <p:cNvPr id="1354155160" name="Textplatzhalter 7"/>
+          <p:cNvPr id="485971075" name="Textplatzhalter 7"/>
           <p:cNvSpPr>
             <a:spLocks noGrp="1"/>
           </p:cNvSpPr>
@@ -10719,7 +10547,7 @@
       </p:sp>
       <p:pic>
         <p:nvPicPr>
-          <p:cNvPr id="1451482111" name=""/>
+          <p:cNvPr id="1423646591" name=""/>
           <p:cNvPicPr>
             <a:picLocks noChangeAspect="1"/>
           </p:cNvPicPr>
@@ -10785,7 +10613,7 @@
       </p:grpSpPr>
       <p:sp>
         <p:nvSpPr>
-          <p:cNvPr id="961543550" name="Titel 3"/>
+          <p:cNvPr id="1085033771" name="Titel 3"/>
           <p:cNvSpPr>
             <a:spLocks noGrp="1"/>
           </p:cNvSpPr>
@@ -10851,7 +10679,7 @@
       </p:sp>
       <p:sp>
         <p:nvSpPr>
-          <p:cNvPr id="2054832413" name="Textplatzhalter 7"/>
+          <p:cNvPr id="39165988" name="Textplatzhalter 7"/>
           <p:cNvSpPr>
             <a:spLocks noGrp="1"/>
           </p:cNvSpPr>
@@ -10925,7 +10753,7 @@
       </p:sp>
       <p:pic>
         <p:nvPicPr>
-          <p:cNvPr id="1855440171" name=""/>
+          <p:cNvPr id="1850423478" name=""/>
           <p:cNvPicPr>
             <a:picLocks noChangeAspect="1"/>
           </p:cNvPicPr>
@@ -10991,7 +10819,7 @@
       </p:grpSpPr>
       <p:sp>
         <p:nvSpPr>
-          <p:cNvPr id="821107604" name="Titel 3"/>
+          <p:cNvPr id="1901926533" name="Titel 3"/>
           <p:cNvSpPr>
             <a:spLocks noGrp="1"/>
           </p:cNvSpPr>
@@ -11063,7 +10891,7 @@
       </p:sp>
       <p:sp>
         <p:nvSpPr>
-          <p:cNvPr id="320290463" name="Textplatzhalter 2"/>
+          <p:cNvPr id="1689955236" name="Textplatzhalter 2"/>
           <p:cNvSpPr>
             <a:spLocks noGrp="1"/>
           </p:cNvSpPr>
@@ -11138,7 +10966,7 @@
       </p:sp>
       <p:pic>
         <p:nvPicPr>
-          <p:cNvPr id="2125175853" name=""/>
+          <p:cNvPr id="1403336422" name=""/>
           <p:cNvPicPr>
             <a:picLocks noChangeAspect="1"/>
           </p:cNvPicPr>
@@ -11193,7 +11021,7 @@
       </p:grpSpPr>
       <p:sp>
         <p:nvSpPr>
-          <p:cNvPr id="575065772" name="Titel 3"/>
+          <p:cNvPr id="848099905" name="Titel 3"/>
           <p:cNvSpPr>
             <a:spLocks noGrp="1"/>
           </p:cNvSpPr>
@@ -11259,7 +11087,7 @@
       </p:sp>
       <p:sp>
         <p:nvSpPr>
-          <p:cNvPr id="2094889267" name="Textplatzhalter 7"/>
+          <p:cNvPr id="1926721338" name="Textplatzhalter 7"/>
           <p:cNvSpPr>
             <a:spLocks noGrp="1"/>
           </p:cNvSpPr>
@@ -11375,7 +11203,7 @@
       </p:sp>
       <p:pic>
         <p:nvPicPr>
-          <p:cNvPr id="1659116136" name=""/>
+          <p:cNvPr id="1199724508" name=""/>
           <p:cNvPicPr>
             <a:picLocks noChangeAspect="1"/>
           </p:cNvPicPr>
@@ -11383,13 +11211,13 @@
         </p:nvPicPr>
         <p:blipFill rotWithShape="1">
           <a:blip r:embed="rId3"/>
-          <a:srcRect l="317" t="7739" r="55972" b="40619"/>
+          <a:srcRect l="12471" t="3382" r="55048" b="71021"/>
           <a:stretch/>
         </p:blipFill>
         <p:spPr bwMode="auto">
           <a:xfrm flipH="0" flipV="0">
-            <a:off x="2157927" y="1372233"/>
-            <a:ext cx="7876141" cy="5009513"/>
+            <a:off x="192087" y="1372233"/>
+            <a:ext cx="11807823" cy="5009513"/>
           </a:xfrm>
           <a:prstGeom prst="rect">
             <a:avLst/>
@@ -11441,7 +11269,7 @@
       </p:grpSpPr>
       <p:sp>
         <p:nvSpPr>
-          <p:cNvPr id="1142975643" name="Titel 3"/>
+          <p:cNvPr id="85664183" name="Titel 3"/>
           <p:cNvSpPr>
             <a:spLocks noGrp="1"/>
           </p:cNvSpPr>
@@ -11507,7 +11335,7 @@
       </p:sp>
       <p:sp>
         <p:nvSpPr>
-          <p:cNvPr id="515974580" name="Textplatzhalter 7"/>
+          <p:cNvPr id="2106965204" name="Textplatzhalter 7"/>
           <p:cNvSpPr>
             <a:spLocks noGrp="1"/>
           </p:cNvSpPr>
@@ -11623,7 +11451,7 @@
       </p:sp>
       <p:pic>
         <p:nvPicPr>
-          <p:cNvPr id="177143116" name=""/>
+          <p:cNvPr id="829282626" name=""/>
           <p:cNvPicPr>
             <a:picLocks noChangeAspect="1"/>
           </p:cNvPicPr>
@@ -11631,7 +11459,7 @@
         </p:nvPicPr>
         <p:blipFill rotWithShape="1">
           <a:blip r:embed="rId3"/>
-          <a:srcRect l="12471" t="3382" r="55048" b="71021"/>
+          <a:srcRect l="-16755" t="11947" r="58120" b="41845"/>
           <a:stretch/>
         </p:blipFill>
         <p:spPr bwMode="auto">
@@ -11689,7 +11517,7 @@
       </p:grpSpPr>
       <p:sp>
         <p:nvSpPr>
-          <p:cNvPr id="99763703" name="Titel 3"/>
+          <p:cNvPr id="2037931163" name="Titel 3"/>
           <p:cNvSpPr>
             <a:spLocks noGrp="1"/>
           </p:cNvSpPr>
@@ -11755,7 +11583,7 @@
       </p:sp>
       <p:sp>
         <p:nvSpPr>
-          <p:cNvPr id="1645724142" name="Textplatzhalter 7"/>
+          <p:cNvPr id="1761143067" name="Textplatzhalter 7"/>
           <p:cNvSpPr>
             <a:spLocks noGrp="1"/>
           </p:cNvSpPr>
@@ -11871,7 +11699,7 @@
       </p:sp>
       <p:pic>
         <p:nvPicPr>
-          <p:cNvPr id="1857600428" name=""/>
+          <p:cNvPr id="47236951" name=""/>
           <p:cNvPicPr>
             <a:picLocks noChangeAspect="1"/>
           </p:cNvPicPr>
@@ -11879,7 +11707,7 @@
         </p:nvPicPr>
         <p:blipFill rotWithShape="1">
           <a:blip r:embed="rId3"/>
-          <a:srcRect l="-16755" t="11947" r="58120" b="41845"/>
+          <a:srcRect l="10289" t="30212" r="50461" b="38857"/>
           <a:stretch/>
         </p:blipFill>
         <p:spPr bwMode="auto">
@@ -11937,7 +11765,7 @@
       </p:grpSpPr>
       <p:sp>
         <p:nvSpPr>
-          <p:cNvPr id="1375741142" name="Titel 3"/>
+          <p:cNvPr id="506952821" name="Titel 3"/>
           <p:cNvSpPr>
             <a:spLocks noGrp="1"/>
           </p:cNvSpPr>
@@ -12003,7 +11831,7 @@
       </p:sp>
       <p:sp>
         <p:nvSpPr>
-          <p:cNvPr id="1492407697" name="Textplatzhalter 7"/>
+          <p:cNvPr id="978320736" name="Textplatzhalter 7"/>
           <p:cNvSpPr>
             <a:spLocks noGrp="1"/>
           </p:cNvSpPr>
@@ -12094,7 +11922,7 @@
                 <a:ea typeface="Roboto"/>
                 <a:cs typeface="Roboto"/>
               </a:rPr>
-              <a:t>Backend</a:t>
+              <a:t>Ablauf von Login</a:t>
             </a:r>
             <a:r>
               <a:rPr lang="de-DE" sz="2400" b="1" i="0" u="none" strike="noStrike" cap="none" spc="0">
@@ -12119,7 +11947,7 @@
       </p:sp>
       <p:pic>
         <p:nvPicPr>
-          <p:cNvPr id="1848013333" name=""/>
+          <p:cNvPr id="547791380" name=""/>
           <p:cNvPicPr>
             <a:picLocks noChangeAspect="1"/>
           </p:cNvPicPr>
@@ -12127,20 +11955,22 @@
         </p:nvPicPr>
         <p:blipFill rotWithShape="1">
           <a:blip r:embed="rId3"/>
-          <a:srcRect l="10289" t="30212" r="50461" b="38857"/>
           <a:stretch/>
         </p:blipFill>
         <p:spPr bwMode="auto">
           <a:xfrm flipH="0" flipV="0">
-            <a:off x="192087" y="1372233"/>
-            <a:ext cx="11807823" cy="5009513"/>
+            <a:off x="192086" y="1372233"/>
+            <a:ext cx="11807824" cy="4947812"/>
           </a:xfrm>
           <a:prstGeom prst="rect">
             <a:avLst/>
           </a:prstGeom>
           <a:ln w="38099">
             <a:solidFill>
-              <a:schemeClr val="tx1"/>
+              <a:schemeClr val="tx1">
+                <a:lumMod val="94901"/>
+                <a:lumOff val="5099"/>
+              </a:schemeClr>
             </a:solidFill>
             <a:prstDash val="solid"/>
           </a:ln>
@@ -12154,7 +11984,7 @@
   <mc:AlternateContent xmlns:mc="http://schemas.openxmlformats.org/markup-compatibility/2006">
     <mc:Choice xmlns:p159="http://schemas.microsoft.com/office/powerpoint/2015/09/main" xmlns:p14="http://schemas.microsoft.com/office/powerpoint/2010/main" Requires="p159">
       <p:transition spd="slow" p14:dur="2000" advClick="1">
-        <p159:morph option="byObject"/>
+        <p159:morph option="byChar"/>
       </p:transition>
     </mc:Choice>
     <mc:Fallback>
@@ -12185,7 +12015,7 @@
       </p:grpSpPr>
       <p:sp>
         <p:nvSpPr>
-          <p:cNvPr id="1397478571" name="Titel 3"/>
+          <p:cNvPr id="166075737" name="Titel 3"/>
           <p:cNvSpPr>
             <a:spLocks noGrp="1"/>
           </p:cNvSpPr>
@@ -12251,7 +12081,7 @@
       </p:sp>
       <p:sp>
         <p:nvSpPr>
-          <p:cNvPr id="1207136205" name="Textplatzhalter 7"/>
+          <p:cNvPr id="1032127257" name="Textplatzhalter 7"/>
           <p:cNvSpPr>
             <a:spLocks noGrp="1"/>
           </p:cNvSpPr>
@@ -12367,7 +12197,7 @@
       </p:sp>
       <p:pic>
         <p:nvPicPr>
-          <p:cNvPr id="1292204267" name=""/>
+          <p:cNvPr id="247583936" name=""/>
           <p:cNvPicPr>
             <a:picLocks noChangeAspect="1"/>
           </p:cNvPicPr>
@@ -12375,6 +12205,7 @@
         </p:nvPicPr>
         <p:blipFill rotWithShape="1">
           <a:blip r:embed="rId3"/>
+          <a:srcRect l="6321" t="-1272" r="37030" b="44624"/>
           <a:stretch/>
         </p:blipFill>
         <p:spPr bwMode="auto">
@@ -12435,7 +12266,7 @@
       </p:grpSpPr>
       <p:sp>
         <p:nvSpPr>
-          <p:cNvPr id="367743078" name="Titel 3"/>
+          <p:cNvPr id="210189680" name="Titel 3"/>
           <p:cNvSpPr>
             <a:spLocks noGrp="1"/>
           </p:cNvSpPr>
@@ -12501,7 +12332,7 @@
       </p:sp>
       <p:sp>
         <p:nvSpPr>
-          <p:cNvPr id="1726242757" name="Textplatzhalter 7"/>
+          <p:cNvPr id="2055841337" name="Textplatzhalter 7"/>
           <p:cNvSpPr>
             <a:spLocks noGrp="1"/>
           </p:cNvSpPr>
@@ -12617,7 +12448,7 @@
       </p:sp>
       <p:pic>
         <p:nvPicPr>
-          <p:cNvPr id="1945618531" name=""/>
+          <p:cNvPr id="501009932" name=""/>
           <p:cNvPicPr>
             <a:picLocks noChangeAspect="1"/>
           </p:cNvPicPr>
@@ -12625,7 +12456,7 @@
         </p:nvPicPr>
         <p:blipFill rotWithShape="1">
           <a:blip r:embed="rId3"/>
-          <a:srcRect l="6321" t="-1272" r="37030" b="44624"/>
+          <a:srcRect l="43352" t="-1272" r="0" b="44624"/>
           <a:stretch/>
         </p:blipFill>
         <p:spPr bwMode="auto">
@@ -12686,7 +12517,7 @@
       </p:grpSpPr>
       <p:sp>
         <p:nvSpPr>
-          <p:cNvPr id="1780244268" name="Titel 3"/>
+          <p:cNvPr id="1623233211" name="Titel 3"/>
           <p:cNvSpPr>
             <a:spLocks noGrp="1"/>
           </p:cNvSpPr>
@@ -12752,7 +12583,7 @@
       </p:sp>
       <p:sp>
         <p:nvSpPr>
-          <p:cNvPr id="1171675947" name="Textplatzhalter 7"/>
+          <p:cNvPr id="527146086" name="Textplatzhalter 7"/>
           <p:cNvSpPr>
             <a:spLocks noGrp="1"/>
           </p:cNvSpPr>
@@ -12868,7 +12699,7 @@
       </p:sp>
       <p:pic>
         <p:nvPicPr>
-          <p:cNvPr id="626153697" name=""/>
+          <p:cNvPr id="1291207779" name=""/>
           <p:cNvPicPr>
             <a:picLocks noChangeAspect="1"/>
           </p:cNvPicPr>
@@ -12876,13 +12707,45 @@
         </p:nvPicPr>
         <p:blipFill rotWithShape="1">
           <a:blip r:embed="rId3"/>
-          <a:srcRect l="43352" t="-1272" r="0" b="44624"/>
+          <a:srcRect l="43352" t="14782" r="0" b="33883"/>
           <a:stretch/>
         </p:blipFill>
         <p:spPr bwMode="auto">
           <a:xfrm flipH="0" flipV="0">
-            <a:off x="192086" y="1372233"/>
-            <a:ext cx="11807824" cy="4947812"/>
+            <a:off x="192085" y="1836415"/>
+            <a:ext cx="11807823" cy="4483628"/>
+          </a:xfrm>
+          <a:prstGeom prst="rect">
+            <a:avLst/>
+          </a:prstGeom>
+          <a:ln w="38099">
+            <a:solidFill>
+              <a:schemeClr val="tx1">
+                <a:lumMod val="94901"/>
+                <a:lumOff val="5099"/>
+              </a:schemeClr>
+            </a:solidFill>
+            <a:prstDash val="solid"/>
+          </a:ln>
+        </p:spPr>
+      </p:pic>
+      <p:pic>
+        <p:nvPicPr>
+          <p:cNvPr id="744644424" name=""/>
+          <p:cNvPicPr>
+            <a:picLocks noChangeAspect="1"/>
+          </p:cNvPicPr>
+          <p:nvPr/>
+        </p:nvPicPr>
+        <p:blipFill rotWithShape="1">
+          <a:blip r:embed="rId3"/>
+          <a:srcRect l="43352" t="5184" r="0" b="88797"/>
+          <a:stretch/>
+        </p:blipFill>
+        <p:spPr bwMode="auto">
+          <a:xfrm flipH="0" flipV="0">
+            <a:off x="192085" y="1310866"/>
+            <a:ext cx="11807823" cy="525549"/>
           </a:xfrm>
           <a:prstGeom prst="rect">
             <a:avLst/>
@@ -12937,7 +12800,7 @@
       </p:grpSpPr>
       <p:sp>
         <p:nvSpPr>
-          <p:cNvPr id="14181622" name="Titel 3"/>
+          <p:cNvPr id="734057952" name="Titel 3"/>
           <p:cNvSpPr>
             <a:spLocks noGrp="1"/>
           </p:cNvSpPr>
@@ -12948,7 +12811,7 @@
         <p:spPr bwMode="auto">
           <a:xfrm>
             <a:off x="1343025" y="76896"/>
-            <a:ext cx="10656885" cy="468312"/>
+            <a:ext cx="10656884" cy="468311"/>
           </a:xfrm>
           <a:prstGeom prst="rect">
             <a:avLst/>
@@ -13003,7 +12866,7 @@
       </p:sp>
       <p:sp>
         <p:nvSpPr>
-          <p:cNvPr id="2123509587" name="Textplatzhalter 7"/>
+          <p:cNvPr id="1047924512" name="Textplatzhalter 7"/>
           <p:cNvSpPr>
             <a:spLocks noGrp="1"/>
           </p:cNvSpPr>
@@ -13013,8 +12876,8 @@
         </p:nvSpPr>
         <p:spPr bwMode="auto">
           <a:xfrm>
-            <a:off x="192087" y="908048"/>
-            <a:ext cx="11807823" cy="928368"/>
+            <a:off x="192087" y="908047"/>
+            <a:ext cx="11807822" cy="928368"/>
           </a:xfrm>
           <a:prstGeom prst="rect">
             <a:avLst/>
@@ -13119,7 +12982,7 @@
       </p:sp>
       <p:pic>
         <p:nvPicPr>
-          <p:cNvPr id="1072418767" name=""/>
+          <p:cNvPr id="1145345128" name=""/>
           <p:cNvPicPr>
             <a:picLocks noChangeAspect="1"/>
           </p:cNvPicPr>
@@ -13127,13 +12990,45 @@
         </p:nvPicPr>
         <p:blipFill rotWithShape="1">
           <a:blip r:embed="rId3"/>
-          <a:srcRect l="43352" t="9468" r="0" b="33883"/>
+          <a:srcRect l="0" t="14783" r="43352" b="33881"/>
           <a:stretch/>
         </p:blipFill>
         <p:spPr bwMode="auto">
           <a:xfrm flipH="0" flipV="0">
-            <a:off x="192086" y="1372233"/>
-            <a:ext cx="11807824" cy="4947812"/>
+            <a:off x="192084" y="1836415"/>
+            <a:ext cx="11807823" cy="4483627"/>
+          </a:xfrm>
+          <a:prstGeom prst="rect">
+            <a:avLst/>
+          </a:prstGeom>
+          <a:ln w="38099">
+            <a:solidFill>
+              <a:schemeClr val="tx1">
+                <a:lumMod val="94901"/>
+                <a:lumOff val="5099"/>
+              </a:schemeClr>
+            </a:solidFill>
+            <a:prstDash val="solid"/>
+          </a:ln>
+        </p:spPr>
+      </p:pic>
+      <p:pic>
+        <p:nvPicPr>
+          <p:cNvPr id="220115087" name=""/>
+          <p:cNvPicPr>
+            <a:picLocks noChangeAspect="1"/>
+          </p:cNvPicPr>
+          <p:nvPr/>
+        </p:nvPicPr>
+        <p:blipFill rotWithShape="1">
+          <a:blip r:embed="rId3"/>
+          <a:srcRect l="0" t="4613" r="43352" b="89367"/>
+          <a:stretch/>
+        </p:blipFill>
+        <p:spPr bwMode="auto">
+          <a:xfrm flipH="0" flipV="0">
+            <a:off x="192084" y="1310865"/>
+            <a:ext cx="11807823" cy="525548"/>
           </a:xfrm>
           <a:prstGeom prst="rect">
             <a:avLst/>
@@ -13188,7 +13083,7 @@
       </p:grpSpPr>
       <p:sp>
         <p:nvSpPr>
-          <p:cNvPr id="1258071125" name="Titel 3"/>
+          <p:cNvPr id="735416408" name="Titel 3"/>
           <p:cNvSpPr>
             <a:spLocks noGrp="1"/>
           </p:cNvSpPr>
@@ -13199,7 +13094,7 @@
         <p:spPr bwMode="auto">
           <a:xfrm>
             <a:off x="1343025" y="76896"/>
-            <a:ext cx="10656885" cy="468312"/>
+            <a:ext cx="10656884" cy="468311"/>
           </a:xfrm>
           <a:prstGeom prst="rect">
             <a:avLst/>
@@ -13254,7 +13149,7 @@
       </p:sp>
       <p:sp>
         <p:nvSpPr>
-          <p:cNvPr id="860992305" name="Textplatzhalter 7"/>
+          <p:cNvPr id="593115977" name="Textplatzhalter 7"/>
           <p:cNvSpPr>
             <a:spLocks noGrp="1"/>
           </p:cNvSpPr>
@@ -13264,8 +13159,8 @@
         </p:nvSpPr>
         <p:spPr bwMode="auto">
           <a:xfrm>
-            <a:off x="192087" y="908048"/>
-            <a:ext cx="11807823" cy="928368"/>
+            <a:off x="192087" y="908047"/>
+            <a:ext cx="11807822" cy="928368"/>
           </a:xfrm>
           <a:prstGeom prst="rect">
             <a:avLst/>
@@ -13370,7 +13265,7 @@
       </p:sp>
       <p:pic>
         <p:nvPicPr>
-          <p:cNvPr id="2028275313" name=""/>
+          <p:cNvPr id="1335524500" name=""/>
           <p:cNvPicPr>
             <a:picLocks noChangeAspect="1"/>
           </p:cNvPicPr>
@@ -13378,13 +13273,45 @@
         </p:nvPicPr>
         <p:blipFill rotWithShape="1">
           <a:blip r:embed="rId3"/>
-          <a:srcRect l="0" t="9468" r="43352" b="33883"/>
+          <a:srcRect l="43352" t="48665" r="0" b="0"/>
           <a:stretch/>
         </p:blipFill>
         <p:spPr bwMode="auto">
           <a:xfrm flipH="0" flipV="0">
-            <a:off x="192086" y="1372233"/>
-            <a:ext cx="11807824" cy="4947812"/>
+            <a:off x="192084" y="1836415"/>
+            <a:ext cx="11807823" cy="4483627"/>
+          </a:xfrm>
+          <a:prstGeom prst="rect">
+            <a:avLst/>
+          </a:prstGeom>
+          <a:ln w="38099">
+            <a:solidFill>
+              <a:schemeClr val="tx1">
+                <a:lumMod val="94901"/>
+                <a:lumOff val="5099"/>
+              </a:schemeClr>
+            </a:solidFill>
+            <a:prstDash val="solid"/>
+          </a:ln>
+        </p:spPr>
+      </p:pic>
+      <p:pic>
+        <p:nvPicPr>
+          <p:cNvPr id="1528460267" name=""/>
+          <p:cNvPicPr>
+            <a:picLocks noChangeAspect="1"/>
+          </p:cNvPicPr>
+          <p:nvPr/>
+        </p:nvPicPr>
+        <p:blipFill rotWithShape="1">
+          <a:blip r:embed="rId3"/>
+          <a:srcRect l="43352" t="5184" r="0" b="88797"/>
+          <a:stretch/>
+        </p:blipFill>
+        <p:spPr bwMode="auto">
+          <a:xfrm flipH="0" flipV="0">
+            <a:off x="192084" y="1310865"/>
+            <a:ext cx="11807823" cy="525548"/>
           </a:xfrm>
           <a:prstGeom prst="rect">
             <a:avLst/>
@@ -13439,7 +13366,7 @@
       </p:grpSpPr>
       <p:sp>
         <p:nvSpPr>
-          <p:cNvPr id="466450819" name="Titel 3"/>
+          <p:cNvPr id="105012948" name="Titel 3"/>
           <p:cNvSpPr>
             <a:spLocks noGrp="1"/>
           </p:cNvSpPr>
@@ -13450,7 +13377,7 @@
         <p:spPr bwMode="auto">
           <a:xfrm>
             <a:off x="1343025" y="76896"/>
-            <a:ext cx="10656885" cy="468312"/>
+            <a:ext cx="10656884" cy="468311"/>
           </a:xfrm>
           <a:prstGeom prst="rect">
             <a:avLst/>
@@ -13505,7 +13432,7 @@
       </p:sp>
       <p:sp>
         <p:nvSpPr>
-          <p:cNvPr id="2079482039" name="Textplatzhalter 7"/>
+          <p:cNvPr id="1928983096" name="Textplatzhalter 7"/>
           <p:cNvSpPr>
             <a:spLocks noGrp="1"/>
           </p:cNvSpPr>
@@ -13515,8 +13442,8 @@
         </p:nvSpPr>
         <p:spPr bwMode="auto">
           <a:xfrm>
-            <a:off x="192087" y="908048"/>
-            <a:ext cx="11807823" cy="928368"/>
+            <a:off x="192087" y="908047"/>
+            <a:ext cx="11807822" cy="928368"/>
           </a:xfrm>
           <a:prstGeom prst="rect">
             <a:avLst/>
@@ -13621,7 +13548,7 @@
       </p:sp>
       <p:pic>
         <p:nvPicPr>
-          <p:cNvPr id="635647887" name=""/>
+          <p:cNvPr id="1686214061" name=""/>
           <p:cNvPicPr>
             <a:picLocks noChangeAspect="1"/>
           </p:cNvPicPr>
@@ -13629,13 +13556,45 @@
         </p:nvPicPr>
         <p:blipFill rotWithShape="1">
           <a:blip r:embed="rId3"/>
-          <a:srcRect l="-438" t="62491" r="81056" b="18126"/>
+          <a:srcRect l="0" t="48664" r="43352" b="0"/>
           <a:stretch/>
         </p:blipFill>
         <p:spPr bwMode="auto">
           <a:xfrm flipH="0" flipV="0">
-            <a:off x="192086" y="1372233"/>
-            <a:ext cx="11807824" cy="4947812"/>
+            <a:off x="192084" y="1836415"/>
+            <a:ext cx="11807823" cy="4483627"/>
+          </a:xfrm>
+          <a:prstGeom prst="rect">
+            <a:avLst/>
+          </a:prstGeom>
+          <a:ln w="38099">
+            <a:solidFill>
+              <a:schemeClr val="tx1">
+                <a:lumMod val="94901"/>
+                <a:lumOff val="5099"/>
+              </a:schemeClr>
+            </a:solidFill>
+            <a:prstDash val="solid"/>
+          </a:ln>
+        </p:spPr>
+      </p:pic>
+      <p:pic>
+        <p:nvPicPr>
+          <p:cNvPr id="143903512" name=""/>
+          <p:cNvPicPr>
+            <a:picLocks noChangeAspect="1"/>
+          </p:cNvPicPr>
+          <p:nvPr/>
+        </p:nvPicPr>
+        <p:blipFill rotWithShape="1">
+          <a:blip r:embed="rId3"/>
+          <a:srcRect l="0" t="4613" r="43352" b="89367"/>
+          <a:stretch/>
+        </p:blipFill>
+        <p:spPr bwMode="auto">
+          <a:xfrm flipH="0" flipV="0">
+            <a:off x="192084" y="1310865"/>
+            <a:ext cx="11807823" cy="525548"/>
           </a:xfrm>
           <a:prstGeom prst="rect">
             <a:avLst/>
@@ -13690,7 +13649,7 @@
       </p:grpSpPr>
       <p:sp>
         <p:nvSpPr>
-          <p:cNvPr id="1828847296" name="Titel 3"/>
+          <p:cNvPr id="1508443923" name="Titel 3"/>
           <p:cNvSpPr>
             <a:spLocks noGrp="1"/>
           </p:cNvSpPr>
@@ -13756,7 +13715,7 @@
       </p:sp>
       <p:sp>
         <p:nvSpPr>
-          <p:cNvPr id="2138694605" name="Textplatzhalter 7"/>
+          <p:cNvPr id="705835118" name="Textplatzhalter 7"/>
           <p:cNvSpPr>
             <a:spLocks noGrp="1"/>
           </p:cNvSpPr>
@@ -13826,7 +13785,7 @@
       </p:sp>
       <p:pic>
         <p:nvPicPr>
-          <p:cNvPr id="1760064324" name=""/>
+          <p:cNvPr id="1123081352" name=""/>
           <p:cNvPicPr>
             <a:picLocks noChangeAspect="1"/>
           </p:cNvPicPr>
@@ -13887,509 +13846,7 @@
       </p:grpSpPr>
       <p:sp>
         <p:nvSpPr>
-          <p:cNvPr id="352004209" name="Titel 3"/>
-          <p:cNvSpPr>
-            <a:spLocks noGrp="1"/>
-          </p:cNvSpPr>
-          <p:nvPr>
-            <p:ph type="title" hasCustomPrompt="1"/>
-          </p:nvPr>
-        </p:nvSpPr>
-        <p:spPr bwMode="auto">
-          <a:xfrm>
-            <a:off x="1343025" y="76896"/>
-            <a:ext cx="10656885" cy="468312"/>
-          </a:xfrm>
-          <a:prstGeom prst="rect">
-            <a:avLst/>
-          </a:prstGeom>
-        </p:spPr>
-        <p:txBody>
-          <a:bodyPr/>
-          <a:lstStyle>
-            <a:lvl1pPr>
-              <a:defRPr sz="2800"/>
-            </a:lvl1pPr>
-          </a:lstStyle>
-          <a:p>
-            <a:pPr>
-              <a:defRPr/>
-            </a:pPr>
-            <a:r>
-              <a:rPr lang="de-DE" sz="2800" b="1" i="0" u="none" strike="noStrike" cap="none" spc="0">
-                <a:solidFill>
-                  <a:schemeClr val="bg1"/>
-                </a:solidFill>
-                <a:latin typeface="Roboto"/>
-                <a:ea typeface="Roboto"/>
-                <a:cs typeface="Roboto"/>
-              </a:rPr>
-              <a:t>Softwareengineering WS 25/26</a:t>
-            </a:r>
-            <a:br>
-              <a:rPr lang="de-DE" sz="2800" b="1" i="0" u="none" strike="noStrike" cap="none" spc="0">
-                <a:solidFill>
-                  <a:schemeClr val="bg1"/>
-                </a:solidFill>
-                <a:latin typeface="Roboto"/>
-                <a:ea typeface="Roboto"/>
-                <a:cs typeface="Roboto"/>
-              </a:rPr>
-            </a:br>
-            <a:r>
-              <a:rPr lang="de-DE" sz="2800" b="1" i="0" u="none" strike="noStrike" cap="none" spc="0">
-                <a:solidFill>
-                  <a:schemeClr val="bg1"/>
-                </a:solidFill>
-                <a:latin typeface="Roboto"/>
-                <a:ea typeface="Roboto"/>
-                <a:cs typeface="Roboto"/>
-              </a:rPr>
-              <a:t>2. Meilenstein: Design</a:t>
-            </a:r>
-            <a:endParaRPr sz="2800"/>
-          </a:p>
-        </p:txBody>
-      </p:sp>
-      <p:sp>
-        <p:nvSpPr>
-          <p:cNvPr id="134810496" name="Textplatzhalter 7"/>
-          <p:cNvSpPr>
-            <a:spLocks noGrp="1"/>
-          </p:cNvSpPr>
-          <p:nvPr>
-            <p:ph type="body" sz="quarter" idx="13" hasCustomPrompt="1"/>
-          </p:nvPr>
-        </p:nvSpPr>
-        <p:spPr bwMode="auto">
-          <a:xfrm>
-            <a:off x="192087" y="908048"/>
-            <a:ext cx="11807823" cy="928368"/>
-          </a:xfrm>
-          <a:prstGeom prst="rect">
-            <a:avLst/>
-          </a:prstGeom>
-        </p:spPr>
-        <p:txBody>
-          <a:bodyPr/>
-          <a:lstStyle>
-            <a:lvl1pPr marL="0" indent="0">
-              <a:buFont typeface="Arial"/>
-              <a:buNone/>
-              <a:defRPr sz="2400" b="1">
-                <a:solidFill>
-                  <a:schemeClr val="tx1"/>
-                </a:solidFill>
-                <a:latin typeface="Roboto"/>
-                <a:ea typeface="Roboto"/>
-              </a:defRPr>
-            </a:lvl1pPr>
-            <a:lvl2pPr>
-              <a:defRPr sz="2400">
-                <a:latin typeface="Roboto"/>
-                <a:ea typeface="Roboto"/>
-              </a:defRPr>
-            </a:lvl2pPr>
-            <a:lvl3pPr>
-              <a:defRPr sz="2000">
-                <a:latin typeface="Roboto"/>
-                <a:ea typeface="Roboto"/>
-              </a:defRPr>
-            </a:lvl3pPr>
-            <a:lvl4pPr>
-              <a:defRPr sz="2000">
-                <a:latin typeface="Roboto"/>
-                <a:ea typeface="Roboto"/>
-              </a:defRPr>
-            </a:lvl4pPr>
-            <a:lvl5pPr>
-              <a:defRPr sz="2000">
-                <a:latin typeface="Roboto"/>
-                <a:ea typeface="Roboto"/>
-              </a:defRPr>
-            </a:lvl5pPr>
-          </a:lstStyle>
-          <a:p>
-            <a:pPr>
-              <a:defRPr/>
-            </a:pPr>
-            <a:r>
-              <a:rPr lang="de-DE" sz="2400" b="1" i="0" u="none" strike="noStrike" cap="none" spc="0">
-                <a:solidFill>
-                  <a:schemeClr val="tx1"/>
-                </a:solidFill>
-                <a:latin typeface="Roboto"/>
-                <a:ea typeface="Roboto"/>
-                <a:cs typeface="Roboto"/>
-              </a:rPr>
-              <a:t>UML-Klassendiagramm</a:t>
-            </a:r>
-            <a:r>
-              <a:rPr lang="de-DE" sz="2400" b="1" i="0" u="none" strike="noStrike" cap="none" spc="0">
-                <a:solidFill>
-                  <a:schemeClr val="tx1"/>
-                </a:solidFill>
-                <a:latin typeface="Roboto"/>
-                <a:ea typeface="Roboto"/>
-                <a:cs typeface="Roboto"/>
-              </a:rPr>
-              <a:t> (</a:t>
-            </a:r>
-            <a:r>
-              <a:rPr lang="de-DE" sz="2400" b="1" i="0" u="none" strike="noStrike" cap="none" spc="0">
-                <a:solidFill>
-                  <a:schemeClr val="tx1"/>
-                </a:solidFill>
-                <a:latin typeface="Roboto"/>
-                <a:ea typeface="Roboto"/>
-                <a:cs typeface="Roboto"/>
-              </a:rPr>
-              <a:t>Ablauf von Login</a:t>
-            </a:r>
-            <a:r>
-              <a:rPr lang="de-DE" sz="2400" b="1" i="0" u="none" strike="noStrike" cap="none" spc="0">
-                <a:solidFill>
-                  <a:schemeClr val="tx1"/>
-                </a:solidFill>
-                <a:latin typeface="Roboto"/>
-                <a:ea typeface="Roboto"/>
-                <a:cs typeface="Roboto"/>
-              </a:rPr>
-              <a:t>)</a:t>
-            </a:r>
-            <a:endParaRPr sz="2400"/>
-          </a:p>
-          <a:p>
-            <a:pPr>
-              <a:defRPr/>
-            </a:pPr>
-            <a:endParaRPr/>
-          </a:p>
-        </p:txBody>
-      </p:sp>
-      <p:pic>
-        <p:nvPicPr>
-          <p:cNvPr id="957600152" name=""/>
-          <p:cNvPicPr>
-            <a:picLocks noChangeAspect="1"/>
-          </p:cNvPicPr>
-          <p:nvPr/>
-        </p:nvPicPr>
-        <p:blipFill rotWithShape="1">
-          <a:blip r:embed="rId3"/>
-          <a:srcRect l="42405" t="39785" r="944" b="3566"/>
-          <a:stretch/>
-        </p:blipFill>
-        <p:spPr bwMode="auto">
-          <a:xfrm flipH="0" flipV="0">
-            <a:off x="192086" y="1372233"/>
-            <a:ext cx="11807824" cy="4947812"/>
-          </a:xfrm>
-          <a:prstGeom prst="rect">
-            <a:avLst/>
-          </a:prstGeom>
-          <a:ln w="38099">
-            <a:solidFill>
-              <a:schemeClr val="tx1">
-                <a:lumMod val="94901"/>
-                <a:lumOff val="5099"/>
-              </a:schemeClr>
-            </a:solidFill>
-            <a:prstDash val="solid"/>
-          </a:ln>
-        </p:spPr>
-      </p:pic>
-    </p:spTree>
-  </p:cSld>
-  <p:clrMapOvr>
-    <a:masterClrMapping/>
-  </p:clrMapOvr>
-  <mc:AlternateContent xmlns:mc="http://schemas.openxmlformats.org/markup-compatibility/2006">
-    <mc:Choice xmlns:p159="http://schemas.microsoft.com/office/powerpoint/2015/09/main" xmlns:p14="http://schemas.microsoft.com/office/powerpoint/2010/main" Requires="p159">
-      <p:transition spd="slow" p14:dur="2000" advClick="1">
-        <p159:morph option="byChar"/>
-      </p:transition>
-    </mc:Choice>
-    <mc:Fallback>
-      <p:transition spd="slow" advClick="1">
-        <p:fade/>
-      </p:transition>
-    </mc:Fallback>
-  </mc:AlternateContent>
-</p:sld>
-</file>
-
-<file path=ppt/slides/slide31.xml><?xml version="1.0" encoding="utf-8"?>
-<p:sld xmlns:a="http://schemas.openxmlformats.org/drawingml/2006/main" xmlns:r="http://schemas.openxmlformats.org/officeDocument/2006/relationships" xmlns:p="http://schemas.openxmlformats.org/presentationml/2006/main" xmlns:m="http://schemas.openxmlformats.org/officeDocument/2006/math" xmlns:w="http://schemas.openxmlformats.org/wordprocessingml/2006/main" xmlns:mc="http://schemas.openxmlformats.org/markup-compatibility/2006" showMasterPhAnim="0" showMasterSp="1" show="1">
-  <p:cSld name="">
-    <p:spTree>
-      <p:nvGrpSpPr>
-        <p:cNvPr id="1" name=""/>
-        <p:cNvGrpSpPr/>
-        <p:nvPr/>
-      </p:nvGrpSpPr>
-      <p:grpSpPr bwMode="auto">
-        <a:xfrm>
-          <a:off x="0" y="0"/>
-          <a:ext cx="0" cy="0"/>
-          <a:chOff x="0" y="0"/>
-          <a:chExt cx="0" cy="0"/>
-        </a:xfrm>
-      </p:grpSpPr>
-      <p:sp>
-        <p:nvSpPr>
-          <p:cNvPr id="986015081" name="Titel 3"/>
-          <p:cNvSpPr>
-            <a:spLocks noGrp="1"/>
-          </p:cNvSpPr>
-          <p:nvPr>
-            <p:ph type="title" hasCustomPrompt="1"/>
-          </p:nvPr>
-        </p:nvSpPr>
-        <p:spPr bwMode="auto">
-          <a:xfrm>
-            <a:off x="1343025" y="76896"/>
-            <a:ext cx="10656885" cy="468312"/>
-          </a:xfrm>
-          <a:prstGeom prst="rect">
-            <a:avLst/>
-          </a:prstGeom>
-        </p:spPr>
-        <p:txBody>
-          <a:bodyPr/>
-          <a:lstStyle>
-            <a:lvl1pPr>
-              <a:defRPr sz="2800"/>
-            </a:lvl1pPr>
-          </a:lstStyle>
-          <a:p>
-            <a:pPr>
-              <a:defRPr/>
-            </a:pPr>
-            <a:r>
-              <a:rPr lang="de-DE" sz="2800" b="1" i="0" u="none" strike="noStrike" cap="none" spc="0">
-                <a:solidFill>
-                  <a:schemeClr val="bg1"/>
-                </a:solidFill>
-                <a:latin typeface="Roboto"/>
-                <a:ea typeface="Roboto"/>
-                <a:cs typeface="Roboto"/>
-              </a:rPr>
-              <a:t>Softwareengineering WS 25/26</a:t>
-            </a:r>
-            <a:br>
-              <a:rPr lang="de-DE" sz="2800" b="1" i="0" u="none" strike="noStrike" cap="none" spc="0">
-                <a:solidFill>
-                  <a:schemeClr val="bg1"/>
-                </a:solidFill>
-                <a:latin typeface="Roboto"/>
-                <a:ea typeface="Roboto"/>
-                <a:cs typeface="Roboto"/>
-              </a:rPr>
-            </a:br>
-            <a:r>
-              <a:rPr lang="de-DE" sz="2800" b="1" i="0" u="none" strike="noStrike" cap="none" spc="0">
-                <a:solidFill>
-                  <a:schemeClr val="bg1"/>
-                </a:solidFill>
-                <a:latin typeface="Roboto"/>
-                <a:ea typeface="Roboto"/>
-                <a:cs typeface="Roboto"/>
-              </a:rPr>
-              <a:t>2. Meilenstein: Design</a:t>
-            </a:r>
-            <a:endParaRPr sz="2800"/>
-          </a:p>
-        </p:txBody>
-      </p:sp>
-      <p:sp>
-        <p:nvSpPr>
-          <p:cNvPr id="1151387306" name="Textplatzhalter 7"/>
-          <p:cNvSpPr>
-            <a:spLocks noGrp="1"/>
-          </p:cNvSpPr>
-          <p:nvPr>
-            <p:ph type="body" sz="quarter" idx="13" hasCustomPrompt="1"/>
-          </p:nvPr>
-        </p:nvSpPr>
-        <p:spPr bwMode="auto">
-          <a:xfrm>
-            <a:off x="192087" y="908048"/>
-            <a:ext cx="11807823" cy="928368"/>
-          </a:xfrm>
-          <a:prstGeom prst="rect">
-            <a:avLst/>
-          </a:prstGeom>
-        </p:spPr>
-        <p:txBody>
-          <a:bodyPr/>
-          <a:lstStyle>
-            <a:lvl1pPr marL="0" indent="0">
-              <a:buFont typeface="Arial"/>
-              <a:buNone/>
-              <a:defRPr sz="2400" b="1">
-                <a:solidFill>
-                  <a:schemeClr val="tx1"/>
-                </a:solidFill>
-                <a:latin typeface="Roboto"/>
-                <a:ea typeface="Roboto"/>
-              </a:defRPr>
-            </a:lvl1pPr>
-            <a:lvl2pPr>
-              <a:defRPr sz="2400">
-                <a:latin typeface="Roboto"/>
-                <a:ea typeface="Roboto"/>
-              </a:defRPr>
-            </a:lvl2pPr>
-            <a:lvl3pPr>
-              <a:defRPr sz="2000">
-                <a:latin typeface="Roboto"/>
-                <a:ea typeface="Roboto"/>
-              </a:defRPr>
-            </a:lvl3pPr>
-            <a:lvl4pPr>
-              <a:defRPr sz="2000">
-                <a:latin typeface="Roboto"/>
-                <a:ea typeface="Roboto"/>
-              </a:defRPr>
-            </a:lvl4pPr>
-            <a:lvl5pPr>
-              <a:defRPr sz="2000">
-                <a:latin typeface="Roboto"/>
-                <a:ea typeface="Roboto"/>
-              </a:defRPr>
-            </a:lvl5pPr>
-          </a:lstStyle>
-          <a:p>
-            <a:pPr>
-              <a:defRPr/>
-            </a:pPr>
-            <a:r>
-              <a:rPr lang="de-DE" sz="2400" b="1" i="0" u="none" strike="noStrike" cap="none" spc="0">
-                <a:solidFill>
-                  <a:schemeClr val="tx1"/>
-                </a:solidFill>
-                <a:latin typeface="Roboto"/>
-                <a:ea typeface="Roboto"/>
-                <a:cs typeface="Roboto"/>
-              </a:rPr>
-              <a:t>UML-Klassendiagramm</a:t>
-            </a:r>
-            <a:r>
-              <a:rPr lang="de-DE" sz="2400" b="1" i="0" u="none" strike="noStrike" cap="none" spc="0">
-                <a:solidFill>
-                  <a:schemeClr val="tx1"/>
-                </a:solidFill>
-                <a:latin typeface="Roboto"/>
-                <a:ea typeface="Roboto"/>
-                <a:cs typeface="Roboto"/>
-              </a:rPr>
-              <a:t> (</a:t>
-            </a:r>
-            <a:r>
-              <a:rPr lang="de-DE" sz="2400" b="1" i="0" u="none" strike="noStrike" cap="none" spc="0">
-                <a:solidFill>
-                  <a:schemeClr val="tx1"/>
-                </a:solidFill>
-                <a:latin typeface="Roboto"/>
-                <a:ea typeface="Roboto"/>
-                <a:cs typeface="Roboto"/>
-              </a:rPr>
-              <a:t>Ablauf von Login</a:t>
-            </a:r>
-            <a:r>
-              <a:rPr lang="de-DE" sz="2400" b="1" i="0" u="none" strike="noStrike" cap="none" spc="0">
-                <a:solidFill>
-                  <a:schemeClr val="tx1"/>
-                </a:solidFill>
-                <a:latin typeface="Roboto"/>
-                <a:ea typeface="Roboto"/>
-                <a:cs typeface="Roboto"/>
-              </a:rPr>
-              <a:t>)</a:t>
-            </a:r>
-            <a:endParaRPr sz="2400"/>
-          </a:p>
-          <a:p>
-            <a:pPr>
-              <a:defRPr/>
-            </a:pPr>
-            <a:endParaRPr/>
-          </a:p>
-        </p:txBody>
-      </p:sp>
-      <p:pic>
-        <p:nvPicPr>
-          <p:cNvPr id="1797274292" name=""/>
-          <p:cNvPicPr>
-            <a:picLocks noChangeAspect="1"/>
-          </p:cNvPicPr>
-          <p:nvPr/>
-        </p:nvPicPr>
-        <p:blipFill rotWithShape="1">
-          <a:blip r:embed="rId3"/>
-          <a:srcRect l="4112" t="39785" r="39239" b="3566"/>
-          <a:stretch/>
-        </p:blipFill>
-        <p:spPr bwMode="auto">
-          <a:xfrm flipH="0" flipV="0">
-            <a:off x="192086" y="1372233"/>
-            <a:ext cx="11807824" cy="4947812"/>
-          </a:xfrm>
-          <a:prstGeom prst="rect">
-            <a:avLst/>
-          </a:prstGeom>
-          <a:ln w="38099">
-            <a:solidFill>
-              <a:schemeClr val="tx1">
-                <a:lumMod val="94901"/>
-                <a:lumOff val="5099"/>
-              </a:schemeClr>
-            </a:solidFill>
-            <a:prstDash val="solid"/>
-          </a:ln>
-        </p:spPr>
-      </p:pic>
-    </p:spTree>
-  </p:cSld>
-  <p:clrMapOvr>
-    <a:masterClrMapping/>
-  </p:clrMapOvr>
-  <mc:AlternateContent xmlns:mc="http://schemas.openxmlformats.org/markup-compatibility/2006">
-    <mc:Choice xmlns:p159="http://schemas.microsoft.com/office/powerpoint/2015/09/main" xmlns:p14="http://schemas.microsoft.com/office/powerpoint/2010/main" Requires="p159">
-      <p:transition spd="slow" p14:dur="2000" advClick="1">
-        <p159:morph option="byChar"/>
-      </p:transition>
-    </mc:Choice>
-    <mc:Fallback>
-      <p:transition spd="slow" advClick="1">
-        <p:fade/>
-      </p:transition>
-    </mc:Fallback>
-  </mc:AlternateContent>
-</p:sld>
-</file>
-
-<file path=ppt/slides/slide32.xml><?xml version="1.0" encoding="utf-8"?>
-<p:sld xmlns:a="http://schemas.openxmlformats.org/drawingml/2006/main" xmlns:r="http://schemas.openxmlformats.org/officeDocument/2006/relationships" xmlns:p="http://schemas.openxmlformats.org/presentationml/2006/main" xmlns:m="http://schemas.openxmlformats.org/officeDocument/2006/math" xmlns:w="http://schemas.openxmlformats.org/wordprocessingml/2006/main" xmlns:mc="http://schemas.openxmlformats.org/markup-compatibility/2006" showMasterPhAnim="0" showMasterSp="1" show="1">
-  <p:cSld name="">
-    <p:spTree>
-      <p:nvGrpSpPr>
-        <p:cNvPr id="1" name=""/>
-        <p:cNvGrpSpPr/>
-        <p:nvPr/>
-      </p:nvGrpSpPr>
-      <p:grpSpPr bwMode="auto">
-        <a:xfrm>
-          <a:off x="0" y="0"/>
-          <a:ext cx="0" cy="0"/>
-          <a:chOff x="0" y="0"/>
-          <a:chExt cx="0" cy="0"/>
-        </a:xfrm>
-      </p:grpSpPr>
-      <p:sp>
-        <p:nvSpPr>
-          <p:cNvPr id="657344022" name="Titelplatzhalter 25"/>
+          <p:cNvPr id="777060139" name="Titelplatzhalter 25"/>
           <p:cNvSpPr>
             <a:spLocks noGrp="1"/>
           </p:cNvSpPr>
@@ -14467,7 +13924,7 @@
       </p:sp>
       <p:sp>
         <p:nvSpPr>
-          <p:cNvPr id="597315589" name=""/>
+          <p:cNvPr id="1603324674" name=""/>
           <p:cNvSpPr/>
           <p:nvPr/>
         </p:nvSpPr>
@@ -14513,7 +13970,7 @@
       </p:sp>
       <p:pic>
         <p:nvPicPr>
-          <p:cNvPr id="790515549" name=""/>
+          <p:cNvPr id="183389334" name=""/>
           <p:cNvPicPr>
             <a:picLocks noChangeAspect="1"/>
           </p:cNvPicPr>
@@ -14549,7 +14006,7 @@
 </p:sld>
 </file>
 
-<file path=ppt/slides/slide33.xml><?xml version="1.0" encoding="utf-8"?>
+<file path=ppt/slides/slide31.xml><?xml version="1.0" encoding="utf-8"?>
 <p:sld xmlns:a="http://schemas.openxmlformats.org/drawingml/2006/main" xmlns:r="http://schemas.openxmlformats.org/officeDocument/2006/relationships" xmlns:p="http://schemas.openxmlformats.org/presentationml/2006/main" xmlns:m="http://schemas.openxmlformats.org/officeDocument/2006/math" xmlns:w="http://schemas.openxmlformats.org/wordprocessingml/2006/main" xmlns:mc="http://schemas.openxmlformats.org/markup-compatibility/2006" showMasterPhAnim="0" showMasterSp="1" show="1">
   <p:cSld name="">
     <p:spTree>
@@ -14568,7 +14025,7 @@
       </p:grpSpPr>
       <p:sp>
         <p:nvSpPr>
-          <p:cNvPr id="389385841" name="Titel 3"/>
+          <p:cNvPr id="674632950" name="Titel 3"/>
           <p:cNvSpPr>
             <a:spLocks noGrp="1"/>
           </p:cNvSpPr>
@@ -14640,7 +14097,7 @@
       </p:sp>
       <p:sp>
         <p:nvSpPr>
-          <p:cNvPr id="436686799" name="Textplatzhalter 7"/>
+          <p:cNvPr id="1041825163" name="Textplatzhalter 7"/>
           <p:cNvSpPr>
             <a:spLocks noGrp="1"/>
           </p:cNvSpPr>
@@ -14717,7 +14174,7 @@
       </p:sp>
       <p:sp>
         <p:nvSpPr>
-          <p:cNvPr id="63169097" name=""/>
+          <p:cNvPr id="1962907633" name=""/>
           <p:cNvSpPr/>
           <p:nvPr/>
         </p:nvSpPr>
@@ -14753,7 +14210,7 @@
       </p:sp>
       <p:pic>
         <p:nvPicPr>
-          <p:cNvPr id="285121206" name=""/>
+          <p:cNvPr id="1238563202" name=""/>
           <p:cNvPicPr>
             <a:picLocks noChangeAspect="1"/>
           </p:cNvPicPr>
@@ -14775,7 +14232,7 @@
       </p:pic>
       <p:pic>
         <p:nvPicPr>
-          <p:cNvPr id="966493898" name=""/>
+          <p:cNvPr id="1224896427" name=""/>
           <p:cNvPicPr>
             <a:picLocks noChangeAspect="1"/>
           </p:cNvPicPr>
@@ -14797,7 +14254,7 @@
       </p:pic>
       <p:pic>
         <p:nvPicPr>
-          <p:cNvPr id="1571065000" name=""/>
+          <p:cNvPr id="783541638" name=""/>
           <p:cNvPicPr>
             <a:picLocks noChangeAspect="1"/>
           </p:cNvPicPr>
@@ -14819,9 +14276,9 @@
       </p:pic>
       <p:cxnSp>
         <p:nvCxnSpPr>
-          <p:cNvPr id="991916054" name=""/>
+          <p:cNvPr id="1458263251" name=""/>
           <p:cNvCxnSpPr>
-            <a:stCxn id="285121206" idx="3"/>
+            <a:stCxn id="1238563202" idx="3"/>
           </p:cNvCxnSpPr>
           <p:nvPr/>
         </p:nvCxnSpPr>
@@ -14861,10 +14318,10 @@
       </p:cxnSp>
       <p:cxnSp>
         <p:nvCxnSpPr>
-          <p:cNvPr id="724067191" name=""/>
+          <p:cNvPr id="964698238" name=""/>
           <p:cNvCxnSpPr>
-            <a:stCxn id="966493898" idx="3"/>
-            <a:endCxn id="1571065000" idx="1"/>
+            <a:stCxn id="1224896427" idx="3"/>
+            <a:endCxn id="783541638" idx="1"/>
           </p:cNvCxnSpPr>
           <p:nvPr/>
         </p:nvCxnSpPr>
@@ -14918,7 +14375,7 @@
 </p:sld>
 </file>
 
-<file path=ppt/slides/slide34.xml><?xml version="1.0" encoding="utf-8"?>
+<file path=ppt/slides/slide32.xml><?xml version="1.0" encoding="utf-8"?>
 <p:sld xmlns:a="http://schemas.openxmlformats.org/drawingml/2006/main" xmlns:r="http://schemas.openxmlformats.org/officeDocument/2006/relationships" xmlns:p="http://schemas.openxmlformats.org/presentationml/2006/main" xmlns:m="http://schemas.openxmlformats.org/officeDocument/2006/math" xmlns:w="http://schemas.openxmlformats.org/wordprocessingml/2006/main" xmlns:mc="http://schemas.openxmlformats.org/markup-compatibility/2006" showMasterPhAnim="0" showMasterSp="1" show="1">
   <p:cSld name="">
     <p:spTree>
@@ -14937,7 +14394,7 @@
       </p:grpSpPr>
       <p:sp>
         <p:nvSpPr>
-          <p:cNvPr id="932329605" name="Titel 3"/>
+          <p:cNvPr id="1946278253" name="Titel 3"/>
           <p:cNvSpPr>
             <a:spLocks noGrp="1"/>
           </p:cNvSpPr>
@@ -15017,7 +14474,7 @@
       </p:sp>
       <p:sp>
         <p:nvSpPr>
-          <p:cNvPr id="1002555600" name="Textplatzhalter 7"/>
+          <p:cNvPr id="1163470069" name="Textplatzhalter 7"/>
           <p:cNvSpPr>
             <a:spLocks noGrp="1"/>
           </p:cNvSpPr>
@@ -15094,7 +14551,7 @@
       </p:sp>
       <p:pic>
         <p:nvPicPr>
-          <p:cNvPr id="1367626733" name=""/>
+          <p:cNvPr id="1868216183" name=""/>
           <p:cNvPicPr>
             <a:picLocks noChangeAspect="1"/>
           </p:cNvPicPr>
@@ -15116,7 +14573,7 @@
       </p:pic>
       <p:pic>
         <p:nvPicPr>
-          <p:cNvPr id="535275534" name=""/>
+          <p:cNvPr id="633042663" name=""/>
           <p:cNvPicPr>
             <a:picLocks noChangeAspect="1"/>
           </p:cNvPicPr>
@@ -15138,7 +14595,7 @@
       </p:pic>
       <p:pic>
         <p:nvPicPr>
-          <p:cNvPr id="110733941" name=""/>
+          <p:cNvPr id="840981940" name=""/>
           <p:cNvPicPr>
             <a:picLocks noChangeAspect="1"/>
           </p:cNvPicPr>
@@ -15206,7 +14663,7 @@
                                           </p:stCondLst>
                                         </p:cTn>
                                         <p:tgtEl>
-                                          <p:spTgt spid="535275534"/>
+                                          <p:spTgt spid="633042663"/>
                                         </p:tgtEl>
                                         <p:attrNameLst>
                                           <p:attrName>style.visibility</p:attrName>
@@ -15220,7 +14677,7 @@
                                       <p:cBhvr additive="base">
                                         <p:cTn id="13" dur="500" fill="hold"/>
                                         <p:tgtEl>
-                                          <p:spTgt spid="535275534"/>
+                                          <p:spTgt spid="633042663"/>
                                         </p:tgtEl>
                                         <p:attrNameLst>
                                           <p:attrName>ppt_x</p:attrName>
@@ -15243,7 +14700,7 @@
                                       <p:cBhvr additive="base">
                                         <p:cTn id="12" dur="500" fill="hold"/>
                                         <p:tgtEl>
-                                          <p:spTgt spid="535275534"/>
+                                          <p:spTgt spid="633042663"/>
                                         </p:tgtEl>
                                         <p:attrNameLst>
                                           <p:attrName>ppt_y</p:attrName>
@@ -15297,7 +14754,7 @@
                                           </p:stCondLst>
                                         </p:cTn>
                                         <p:tgtEl>
-                                          <p:spTgt spid="110733941"/>
+                                          <p:spTgt spid="840981940"/>
                                         </p:tgtEl>
                                         <p:attrNameLst>
                                           <p:attrName>style.visibility</p:attrName>
@@ -15311,7 +14768,7 @@
                                       <p:cBhvr additive="base">
                                         <p:cTn id="7" dur="500" fill="hold"/>
                                         <p:tgtEl>
-                                          <p:spTgt spid="110733941"/>
+                                          <p:spTgt spid="840981940"/>
                                         </p:tgtEl>
                                         <p:attrNameLst>
                                           <p:attrName>ppt_x</p:attrName>
@@ -15334,7 +14791,7 @@
                                       <p:cBhvr additive="base">
                                         <p:cTn id="8" dur="500" fill="hold"/>
                                         <p:tgtEl>
-                                          <p:spTgt spid="110733941"/>
+                                          <p:spTgt spid="840981940"/>
                                         </p:tgtEl>
                                         <p:attrNameLst>
                                           <p:attrName>ppt_y</p:attrName>
@@ -15387,7 +14844,7 @@
 </p:sld>
 </file>
 
-<file path=ppt/slides/slide35.xml><?xml version="1.0" encoding="utf-8"?>
+<file path=ppt/slides/slide33.xml><?xml version="1.0" encoding="utf-8"?>
 <p:sld xmlns:a="http://schemas.openxmlformats.org/drawingml/2006/main" xmlns:r="http://schemas.openxmlformats.org/officeDocument/2006/relationships" xmlns:p="http://schemas.openxmlformats.org/presentationml/2006/main" xmlns:m="http://schemas.openxmlformats.org/officeDocument/2006/math" xmlns:w="http://schemas.openxmlformats.org/wordprocessingml/2006/main" xmlns:mc="http://schemas.openxmlformats.org/markup-compatibility/2006" showMasterPhAnim="0" showMasterSp="1" show="1">
   <p:cSld name="">
     <p:spTree>
@@ -15406,7 +14863,7 @@
       </p:grpSpPr>
       <p:sp>
         <p:nvSpPr>
-          <p:cNvPr id="416933399" name="Titel 3"/>
+          <p:cNvPr id="212514388" name="Titel 3"/>
           <p:cNvSpPr>
             <a:spLocks noGrp="1"/>
           </p:cNvSpPr>
@@ -15490,7 +14947,7 @@
       </p:sp>
       <p:sp>
         <p:nvSpPr>
-          <p:cNvPr id="25092318" name="Textplatzhalter 7"/>
+          <p:cNvPr id="794176082" name="Textplatzhalter 7"/>
           <p:cNvSpPr>
             <a:spLocks noGrp="1"/>
           </p:cNvSpPr>
@@ -15567,7 +15024,7 @@
       </p:sp>
       <p:pic>
         <p:nvPicPr>
-          <p:cNvPr id="427868711" name=""/>
+          <p:cNvPr id="452627106" name=""/>
           <p:cNvPicPr>
             <a:picLocks noChangeAspect="1"/>
           </p:cNvPicPr>
@@ -15622,7 +15079,7 @@
       </p:grpSpPr>
       <p:sp>
         <p:nvSpPr>
-          <p:cNvPr id="216130351" name="Titel 3"/>
+          <p:cNvPr id="152363368" name="Titel 3"/>
           <p:cNvSpPr>
             <a:spLocks noGrp="1"/>
           </p:cNvSpPr>
@@ -15688,7 +15145,7 @@
       </p:sp>
       <p:sp>
         <p:nvSpPr>
-          <p:cNvPr id="337991440" name="Textplatzhalter 7"/>
+          <p:cNvPr id="2051138881" name="Textplatzhalter 7"/>
           <p:cNvSpPr>
             <a:spLocks noGrp="1"/>
           </p:cNvSpPr>
@@ -15782,7 +15239,7 @@
       </p:sp>
       <p:pic>
         <p:nvPicPr>
-          <p:cNvPr id="1799514647" name=""/>
+          <p:cNvPr id="1299833483" name=""/>
           <p:cNvPicPr>
             <a:picLocks noChangeAspect="1"/>
           </p:cNvPicPr>
@@ -15848,7 +15305,7 @@
       </p:grpSpPr>
       <p:sp>
         <p:nvSpPr>
-          <p:cNvPr id="133960426" name="Titel 3"/>
+          <p:cNvPr id="1949888674" name="Titel 3"/>
           <p:cNvSpPr>
             <a:spLocks noGrp="1"/>
           </p:cNvSpPr>
@@ -15914,7 +15371,7 @@
       </p:sp>
       <p:sp>
         <p:nvSpPr>
-          <p:cNvPr id="1705709399" name="Textplatzhalter 7"/>
+          <p:cNvPr id="1404693476" name="Textplatzhalter 7"/>
           <p:cNvSpPr>
             <a:spLocks noGrp="1"/>
           </p:cNvSpPr>
@@ -16008,7 +15465,7 @@
       </p:sp>
       <p:pic>
         <p:nvPicPr>
-          <p:cNvPr id="1393423571" name=""/>
+          <p:cNvPr id="934704561" name=""/>
           <p:cNvPicPr>
             <a:picLocks noChangeAspect="1"/>
           </p:cNvPicPr>
@@ -16075,7 +15532,7 @@
       </p:grpSpPr>
       <p:sp>
         <p:nvSpPr>
-          <p:cNvPr id="1418445871" name="Titel 3"/>
+          <p:cNvPr id="1662792618" name="Titel 3"/>
           <p:cNvSpPr>
             <a:spLocks noGrp="1"/>
           </p:cNvSpPr>
@@ -16141,7 +15598,7 @@
       </p:sp>
       <p:sp>
         <p:nvSpPr>
-          <p:cNvPr id="523520360" name="Textplatzhalter 7"/>
+          <p:cNvPr id="1107664051" name="Textplatzhalter 7"/>
           <p:cNvSpPr>
             <a:spLocks noGrp="1"/>
           </p:cNvSpPr>
@@ -16235,7 +15692,7 @@
       </p:sp>
       <p:pic>
         <p:nvPicPr>
-          <p:cNvPr id="1619872850" name=""/>
+          <p:cNvPr id="2037153106" name=""/>
           <p:cNvPicPr>
             <a:picLocks noChangeAspect="1"/>
           </p:cNvPicPr>
@@ -16301,7 +15758,7 @@
       </p:grpSpPr>
       <p:sp>
         <p:nvSpPr>
-          <p:cNvPr id="1290797437" name="Titel 3"/>
+          <p:cNvPr id="28937285" name="Titel 3"/>
           <p:cNvSpPr>
             <a:spLocks noGrp="1"/>
           </p:cNvSpPr>
@@ -16367,7 +15824,7 @@
       </p:sp>
       <p:sp>
         <p:nvSpPr>
-          <p:cNvPr id="1473545959" name="Textplatzhalter 7"/>
+          <p:cNvPr id="35839201" name="Textplatzhalter 7"/>
           <p:cNvSpPr>
             <a:spLocks noGrp="1"/>
           </p:cNvSpPr>
@@ -16461,7 +15918,7 @@
       </p:sp>
       <p:pic>
         <p:nvPicPr>
-          <p:cNvPr id="2096154400" name=""/>
+          <p:cNvPr id="259293441" name=""/>
           <p:cNvPicPr>
             <a:picLocks noChangeAspect="1"/>
           </p:cNvPicPr>
@@ -16527,7 +15984,7 @@
       </p:grpSpPr>
       <p:sp>
         <p:nvSpPr>
-          <p:cNvPr id="1201424600" name="Titel 3"/>
+          <p:cNvPr id="119587005" name="Titel 3"/>
           <p:cNvSpPr>
             <a:spLocks noGrp="1"/>
           </p:cNvSpPr>
@@ -16593,7 +16050,7 @@
       </p:sp>
       <p:sp>
         <p:nvSpPr>
-          <p:cNvPr id="389364320" name="Textplatzhalter 7"/>
+          <p:cNvPr id="1999622623" name="Textplatzhalter 7"/>
           <p:cNvSpPr>
             <a:spLocks noGrp="1"/>
           </p:cNvSpPr>
@@ -16687,7 +16144,7 @@
       </p:sp>
       <p:pic>
         <p:nvPicPr>
-          <p:cNvPr id="60067201" name=""/>
+          <p:cNvPr id="252268627" name=""/>
           <p:cNvPicPr>
             <a:picLocks noChangeAspect="1"/>
           </p:cNvPicPr>
@@ -16753,7 +16210,7 @@
       </p:grpSpPr>
       <p:sp>
         <p:nvSpPr>
-          <p:cNvPr id="129871922" name="Titel 3"/>
+          <p:cNvPr id="537063628" name="Titel 3"/>
           <p:cNvSpPr>
             <a:spLocks noGrp="1"/>
           </p:cNvSpPr>
@@ -16819,7 +16276,7 @@
       </p:sp>
       <p:sp>
         <p:nvSpPr>
-          <p:cNvPr id="964294920" name="Textplatzhalter 7"/>
+          <p:cNvPr id="1555493598" name="Textplatzhalter 7"/>
           <p:cNvSpPr>
             <a:spLocks noGrp="1"/>
           </p:cNvSpPr>
@@ -16913,7 +16370,7 @@
       </p:sp>
       <p:pic>
         <p:nvPicPr>
-          <p:cNvPr id="2110843935" name=""/>
+          <p:cNvPr id="8025933" name=""/>
           <p:cNvPicPr>
             <a:picLocks noChangeAspect="1"/>
           </p:cNvPicPr>

--- a/Abgabe_Meilenstein2/Meilenstein 2 - Design.pptx
+++ b/Abgabe_Meilenstein2/Meilenstein 2 - Design.pptx
@@ -6,7 +6,7 @@
     <p:sldMasterId id="2147483653" r:id="rId2"/>
   </p:sldMasterIdLst>
   <p:notesMasterIdLst>
-    <p:notesMasterId r:id="rId39"/>
+    <p:notesMasterId r:id="rId40"/>
   </p:notesMasterIdLst>
   <p:sldIdLst>
     <p:sldId id="256" r:id="rId6"/>
@@ -42,6 +42,7 @@
     <p:sldId id="286" r:id="rId36"/>
     <p:sldId id="287" r:id="rId37"/>
     <p:sldId id="288" r:id="rId38"/>
+    <p:sldId id="289" r:id="rId39"/>
   </p:sldIdLst>
   <p:sldSz cx="12192000" cy="6858000"/>
   <p:notesSz cx="9928225" cy="6797675"/>
@@ -199,7 +200,7 @@
       </p:grpSpPr>
       <p:sp>
         <p:nvSpPr>
-          <p:cNvPr id="760284141" name="Rectangle 2"/>
+          <p:cNvPr id="140409059" name="Rectangle 2"/>
           <p:cNvSpPr>
             <a:spLocks noChangeArrowheads="1" noGrp="1"/>
           </p:cNvSpPr>
@@ -243,7 +244,7 @@
       </p:sp>
       <p:sp>
         <p:nvSpPr>
-          <p:cNvPr id="1473062075" name="Rectangle 3"/>
+          <p:cNvPr id="512720603" name="Rectangle 3"/>
           <p:cNvSpPr>
             <a:spLocks noChangeArrowheads="1" noGrp="1"/>
           </p:cNvSpPr>
@@ -287,7 +288,7 @@
       </p:sp>
       <p:sp>
         <p:nvSpPr>
-          <p:cNvPr id="797446858" name="Rectangle 4"/>
+          <p:cNvPr id="1081438289" name="Rectangle 4"/>
           <p:cNvSpPr>
             <a:spLocks noChangeArrowheads="1" noChangeAspect="1" noGrp="1" noRot="1" noTextEdit="1"/>
           </p:cNvSpPr>
@@ -317,7 +318,7 @@
       </p:sp>
       <p:sp>
         <p:nvSpPr>
-          <p:cNvPr id="1117742056" name="Rectangle 5"/>
+          <p:cNvPr id="2101590183" name="Rectangle 5"/>
           <p:cNvSpPr>
             <a:spLocks noChangeArrowheads="1" noGrp="1"/>
           </p:cNvSpPr>
@@ -398,7 +399,7 @@
       </p:sp>
       <p:sp>
         <p:nvSpPr>
-          <p:cNvPr id="1927904919" name="Rectangle 6"/>
+          <p:cNvPr id="1134636813" name="Rectangle 6"/>
           <p:cNvSpPr>
             <a:spLocks noChangeArrowheads="1" noGrp="1"/>
           </p:cNvSpPr>
@@ -442,7 +443,7 @@
       </p:sp>
       <p:sp>
         <p:nvSpPr>
-          <p:cNvPr id="312189345" name="Rectangle 7"/>
+          <p:cNvPr id="63525197" name="Rectangle 7"/>
           <p:cNvSpPr>
             <a:spLocks noChangeArrowheads="1" noGrp="1"/>
           </p:cNvSpPr>
@@ -632,7 +633,7 @@
       </p:grpSpPr>
       <p:sp>
         <p:nvSpPr>
-          <p:cNvPr id="1724463984" name="Folienbildplatzhalter 1"/>
+          <p:cNvPr id="1747946828" name="Folienbildplatzhalter 1"/>
           <p:cNvSpPr>
             <a:spLocks noChangeAspect="1" noGrp="1" noRot="1"/>
           </p:cNvSpPr>
@@ -644,7 +645,7 @@
       </p:sp>
       <p:sp>
         <p:nvSpPr>
-          <p:cNvPr id="1340157402" name="Notizenplatzhalter 2"/>
+          <p:cNvPr id="502867203" name="Notizenplatzhalter 2"/>
           <p:cNvSpPr>
             <a:spLocks noGrp="1"/>
           </p:cNvSpPr>
@@ -666,7 +667,7 @@
       </p:sp>
       <p:sp>
         <p:nvSpPr>
-          <p:cNvPr id="1666341049" name="Foliennummernplatzhalter 3"/>
+          <p:cNvPr id="341743418" name="Foliennummernplatzhalter 3"/>
           <p:cNvSpPr>
             <a:spLocks noGrp="1"/>
           </p:cNvSpPr>
@@ -717,7 +718,7 @@
       </p:grpSpPr>
       <p:sp>
         <p:nvSpPr>
-          <p:cNvPr id="199513822" name="Slide Image Placeholder 1"/>
+          <p:cNvPr id="30849996" name="Slide Image Placeholder 1"/>
           <p:cNvSpPr>
             <a:spLocks noChangeAspect="1" noGrp="1" noRot="1"/>
           </p:cNvSpPr>
@@ -729,7 +730,7 @@
       </p:sp>
       <p:sp>
         <p:nvSpPr>
-          <p:cNvPr id="58142139" name="Notes Placeholder 2"/>
+          <p:cNvPr id="2060579676" name="Notes Placeholder 2"/>
           <p:cNvSpPr>
             <a:spLocks noGrp="1"/>
           </p:cNvSpPr>
@@ -751,7 +752,7 @@
       </p:sp>
       <p:sp>
         <p:nvSpPr>
-          <p:cNvPr id="1366460536" name="Slide Number Placeholder 3"/>
+          <p:cNvPr id="192727082" name="Slide Number Placeholder 3"/>
           <p:cNvSpPr>
             <a:spLocks noGrp="1"/>
           </p:cNvSpPr>
@@ -802,7 +803,7 @@
       </p:grpSpPr>
       <p:sp>
         <p:nvSpPr>
-          <p:cNvPr id="1558980191" name="Slide Image Placeholder 1"/>
+          <p:cNvPr id="1411798149" name="Slide Image Placeholder 1"/>
           <p:cNvSpPr>
             <a:spLocks noChangeAspect="1" noGrp="1" noRot="1"/>
           </p:cNvSpPr>
@@ -814,7 +815,7 @@
       </p:sp>
       <p:sp>
         <p:nvSpPr>
-          <p:cNvPr id="368424134" name="Notes Placeholder 2"/>
+          <p:cNvPr id="2129541122" name="Notes Placeholder 2"/>
           <p:cNvSpPr>
             <a:spLocks noGrp="1"/>
           </p:cNvSpPr>
@@ -836,7 +837,7 @@
       </p:sp>
       <p:sp>
         <p:nvSpPr>
-          <p:cNvPr id="1727886831" name="Slide Number Placeholder 3"/>
+          <p:cNvPr id="1666938060" name="Slide Number Placeholder 3"/>
           <p:cNvSpPr>
             <a:spLocks noGrp="1"/>
           </p:cNvSpPr>
@@ -887,7 +888,7 @@
       </p:grpSpPr>
       <p:sp>
         <p:nvSpPr>
-          <p:cNvPr id="1649996892" name="Slide Image Placeholder 1"/>
+          <p:cNvPr id="902070433" name="Slide Image Placeholder 1"/>
           <p:cNvSpPr>
             <a:spLocks noChangeAspect="1" noGrp="1" noRot="1"/>
           </p:cNvSpPr>
@@ -899,7 +900,7 @@
       </p:sp>
       <p:sp>
         <p:nvSpPr>
-          <p:cNvPr id="2132068225" name="Notes Placeholder 2"/>
+          <p:cNvPr id="669006732" name="Notes Placeholder 2"/>
           <p:cNvSpPr>
             <a:spLocks noGrp="1"/>
           </p:cNvSpPr>
@@ -921,7 +922,7 @@
       </p:sp>
       <p:sp>
         <p:nvSpPr>
-          <p:cNvPr id="279405808" name="Slide Number Placeholder 3"/>
+          <p:cNvPr id="1512736291" name="Slide Number Placeholder 3"/>
           <p:cNvSpPr>
             <a:spLocks noGrp="1"/>
           </p:cNvSpPr>
@@ -972,7 +973,7 @@
       </p:grpSpPr>
       <p:sp>
         <p:nvSpPr>
-          <p:cNvPr id="598536399" name="Slide Image Placeholder 1"/>
+          <p:cNvPr id="522795307" name="Slide Image Placeholder 1"/>
           <p:cNvSpPr>
             <a:spLocks noChangeAspect="1" noGrp="1" noRot="1"/>
           </p:cNvSpPr>
@@ -984,7 +985,7 @@
       </p:sp>
       <p:sp>
         <p:nvSpPr>
-          <p:cNvPr id="2144785514" name="Notes Placeholder 2"/>
+          <p:cNvPr id="739999310" name="Notes Placeholder 2"/>
           <p:cNvSpPr>
             <a:spLocks noGrp="1"/>
           </p:cNvSpPr>
@@ -1006,7 +1007,7 @@
       </p:sp>
       <p:sp>
         <p:nvSpPr>
-          <p:cNvPr id="977816783" name="Slide Number Placeholder 3"/>
+          <p:cNvPr id="432200174" name="Slide Number Placeholder 3"/>
           <p:cNvSpPr>
             <a:spLocks noGrp="1"/>
           </p:cNvSpPr>
@@ -1057,7 +1058,7 @@
       </p:grpSpPr>
       <p:sp>
         <p:nvSpPr>
-          <p:cNvPr id="828997257" name="Slide Image Placeholder 1"/>
+          <p:cNvPr id="593271808" name="Slide Image Placeholder 1"/>
           <p:cNvSpPr>
             <a:spLocks noChangeAspect="1" noGrp="1" noRot="1"/>
           </p:cNvSpPr>
@@ -1069,7 +1070,7 @@
       </p:sp>
       <p:sp>
         <p:nvSpPr>
-          <p:cNvPr id="437534593" name="Notes Placeholder 2"/>
+          <p:cNvPr id="367602513" name="Notes Placeholder 2"/>
           <p:cNvSpPr>
             <a:spLocks noGrp="1"/>
           </p:cNvSpPr>
@@ -1091,7 +1092,7 @@
       </p:sp>
       <p:sp>
         <p:nvSpPr>
-          <p:cNvPr id="898198531" name="Slide Number Placeholder 3"/>
+          <p:cNvPr id="929104428" name="Slide Number Placeholder 3"/>
           <p:cNvSpPr>
             <a:spLocks noGrp="1"/>
           </p:cNvSpPr>
@@ -1142,7 +1143,7 @@
       </p:grpSpPr>
       <p:sp>
         <p:nvSpPr>
-          <p:cNvPr id="757942089" name="Slide Image Placeholder 1"/>
+          <p:cNvPr id="3192723" name="Slide Image Placeholder 1"/>
           <p:cNvSpPr>
             <a:spLocks noChangeAspect="1" noGrp="1" noRot="1"/>
           </p:cNvSpPr>
@@ -1154,7 +1155,7 @@
       </p:sp>
       <p:sp>
         <p:nvSpPr>
-          <p:cNvPr id="1971229111" name="Notes Placeholder 2"/>
+          <p:cNvPr id="333160043" name="Notes Placeholder 2"/>
           <p:cNvSpPr>
             <a:spLocks noGrp="1"/>
           </p:cNvSpPr>
@@ -1176,7 +1177,7 @@
       </p:sp>
       <p:sp>
         <p:nvSpPr>
-          <p:cNvPr id="1956447910" name="Slide Number Placeholder 3"/>
+          <p:cNvPr id="68776488" name="Slide Number Placeholder 3"/>
           <p:cNvSpPr>
             <a:spLocks noGrp="1"/>
           </p:cNvSpPr>
@@ -1227,7 +1228,7 @@
       </p:grpSpPr>
       <p:sp>
         <p:nvSpPr>
-          <p:cNvPr id="1966110127" name="Slide Image Placeholder 1"/>
+          <p:cNvPr id="1518815636" name="Slide Image Placeholder 1"/>
           <p:cNvSpPr>
             <a:spLocks noChangeAspect="1" noGrp="1" noRot="1"/>
           </p:cNvSpPr>
@@ -1239,7 +1240,7 @@
       </p:sp>
       <p:sp>
         <p:nvSpPr>
-          <p:cNvPr id="451981397" name="Notes Placeholder 2"/>
+          <p:cNvPr id="645119895" name="Notes Placeholder 2"/>
           <p:cNvSpPr>
             <a:spLocks noGrp="1"/>
           </p:cNvSpPr>
@@ -1261,7 +1262,7 @@
       </p:sp>
       <p:sp>
         <p:nvSpPr>
-          <p:cNvPr id="101634336" name="Slide Number Placeholder 3"/>
+          <p:cNvPr id="687387463" name="Slide Number Placeholder 3"/>
           <p:cNvSpPr>
             <a:spLocks noGrp="1"/>
           </p:cNvSpPr>
@@ -1312,7 +1313,7 @@
       </p:grpSpPr>
       <p:sp>
         <p:nvSpPr>
-          <p:cNvPr id="1496525182" name="Slide Image Placeholder 1"/>
+          <p:cNvPr id="349659722" name="Slide Image Placeholder 1"/>
           <p:cNvSpPr>
             <a:spLocks noChangeAspect="1" noGrp="1" noRot="1"/>
           </p:cNvSpPr>
@@ -1324,7 +1325,7 @@
       </p:sp>
       <p:sp>
         <p:nvSpPr>
-          <p:cNvPr id="906513162" name="Notes Placeholder 2"/>
+          <p:cNvPr id="1388453733" name="Notes Placeholder 2"/>
           <p:cNvSpPr>
             <a:spLocks noGrp="1"/>
           </p:cNvSpPr>
@@ -1346,7 +1347,7 @@
       </p:sp>
       <p:sp>
         <p:nvSpPr>
-          <p:cNvPr id="1676381929" name="Slide Number Placeholder 3"/>
+          <p:cNvPr id="1528241192" name="Slide Number Placeholder 3"/>
           <p:cNvSpPr>
             <a:spLocks noGrp="1"/>
           </p:cNvSpPr>
@@ -1397,7 +1398,7 @@
       </p:grpSpPr>
       <p:sp>
         <p:nvSpPr>
-          <p:cNvPr id="1429867379" name="Slide Image Placeholder 1"/>
+          <p:cNvPr id="931177910" name="Slide Image Placeholder 1"/>
           <p:cNvSpPr>
             <a:spLocks noChangeAspect="1" noGrp="1" noRot="1"/>
           </p:cNvSpPr>
@@ -1409,7 +1410,7 @@
       </p:sp>
       <p:sp>
         <p:nvSpPr>
-          <p:cNvPr id="1998585050" name="Notes Placeholder 2"/>
+          <p:cNvPr id="746797566" name="Notes Placeholder 2"/>
           <p:cNvSpPr>
             <a:spLocks noGrp="1"/>
           </p:cNvSpPr>
@@ -1431,7 +1432,7 @@
       </p:sp>
       <p:sp>
         <p:nvSpPr>
-          <p:cNvPr id="827639801" name="Slide Number Placeholder 3"/>
+          <p:cNvPr id="1356343468" name="Slide Number Placeholder 3"/>
           <p:cNvSpPr>
             <a:spLocks noGrp="1"/>
           </p:cNvSpPr>
@@ -1482,7 +1483,7 @@
       </p:grpSpPr>
       <p:sp>
         <p:nvSpPr>
-          <p:cNvPr id="1981469617" name="Slide Image Placeholder 1"/>
+          <p:cNvPr id="1083664639" name="Slide Image Placeholder 1"/>
           <p:cNvSpPr>
             <a:spLocks noChangeAspect="1" noGrp="1" noRot="1"/>
           </p:cNvSpPr>
@@ -1494,7 +1495,7 @@
       </p:sp>
       <p:sp>
         <p:nvSpPr>
-          <p:cNvPr id="878448561" name="Notes Placeholder 2"/>
+          <p:cNvPr id="1217032145" name="Notes Placeholder 2"/>
           <p:cNvSpPr>
             <a:spLocks noGrp="1"/>
           </p:cNvSpPr>
@@ -1516,7 +1517,7 @@
       </p:sp>
       <p:sp>
         <p:nvSpPr>
-          <p:cNvPr id="9536701" name="Slide Number Placeholder 3"/>
+          <p:cNvPr id="1200165723" name="Slide Number Placeholder 3"/>
           <p:cNvSpPr>
             <a:spLocks noGrp="1"/>
           </p:cNvSpPr>
@@ -1567,7 +1568,7 @@
       </p:grpSpPr>
       <p:sp>
         <p:nvSpPr>
-          <p:cNvPr id="626159298" name="Slide Image Placeholder 1"/>
+          <p:cNvPr id="1835639651" name="Slide Image Placeholder 1"/>
           <p:cNvSpPr>
             <a:spLocks noChangeAspect="1" noGrp="1" noRot="1"/>
           </p:cNvSpPr>
@@ -1579,7 +1580,7 @@
       </p:sp>
       <p:sp>
         <p:nvSpPr>
-          <p:cNvPr id="1321910025" name="Notes Placeholder 2"/>
+          <p:cNvPr id="448096741" name="Notes Placeholder 2"/>
           <p:cNvSpPr>
             <a:spLocks noGrp="1"/>
           </p:cNvSpPr>
@@ -1601,7 +1602,7 @@
       </p:sp>
       <p:sp>
         <p:nvSpPr>
-          <p:cNvPr id="2084088428" name="Slide Number Placeholder 3"/>
+          <p:cNvPr id="1252922333" name="Slide Number Placeholder 3"/>
           <p:cNvSpPr>
             <a:spLocks noGrp="1"/>
           </p:cNvSpPr>
@@ -1652,7 +1653,7 @@
       </p:grpSpPr>
       <p:sp>
         <p:nvSpPr>
-          <p:cNvPr id="1370452819" name="Slide Image Placeholder 1"/>
+          <p:cNvPr id="1769017240" name="Slide Image Placeholder 1"/>
           <p:cNvSpPr>
             <a:spLocks noChangeAspect="1" noGrp="1" noRot="1"/>
           </p:cNvSpPr>
@@ -1664,7 +1665,7 @@
       </p:sp>
       <p:sp>
         <p:nvSpPr>
-          <p:cNvPr id="307406130" name="Notes Placeholder 2"/>
+          <p:cNvPr id="1633569844" name="Notes Placeholder 2"/>
           <p:cNvSpPr>
             <a:spLocks noGrp="1"/>
           </p:cNvSpPr>
@@ -1686,7 +1687,7 @@
       </p:sp>
       <p:sp>
         <p:nvSpPr>
-          <p:cNvPr id="2039603453" name="Slide Number Placeholder 3"/>
+          <p:cNvPr id="193697056" name="Slide Number Placeholder 3"/>
           <p:cNvSpPr>
             <a:spLocks noGrp="1"/>
           </p:cNvSpPr>
@@ -1737,7 +1738,7 @@
       </p:grpSpPr>
       <p:sp>
         <p:nvSpPr>
-          <p:cNvPr id="2031088213" name="Slide Image Placeholder 1"/>
+          <p:cNvPr id="1182344698" name="Slide Image Placeholder 1"/>
           <p:cNvSpPr>
             <a:spLocks noChangeAspect="1" noGrp="1" noRot="1"/>
           </p:cNvSpPr>
@@ -1749,7 +1750,7 @@
       </p:sp>
       <p:sp>
         <p:nvSpPr>
-          <p:cNvPr id="1162462092" name="Notes Placeholder 2"/>
+          <p:cNvPr id="758180791" name="Notes Placeholder 2"/>
           <p:cNvSpPr>
             <a:spLocks noGrp="1"/>
           </p:cNvSpPr>
@@ -1771,7 +1772,7 @@
       </p:sp>
       <p:sp>
         <p:nvSpPr>
-          <p:cNvPr id="1319852847" name="Slide Number Placeholder 3"/>
+          <p:cNvPr id="958091674" name="Slide Number Placeholder 3"/>
           <p:cNvSpPr>
             <a:spLocks noGrp="1"/>
           </p:cNvSpPr>
@@ -1822,7 +1823,7 @@
       </p:grpSpPr>
       <p:sp>
         <p:nvSpPr>
-          <p:cNvPr id="1560383065" name="Slide Image Placeholder 1"/>
+          <p:cNvPr id="61306320" name="Slide Image Placeholder 1"/>
           <p:cNvSpPr>
             <a:spLocks noChangeAspect="1" noGrp="1" noRot="1"/>
           </p:cNvSpPr>
@@ -1834,7 +1835,7 @@
       </p:sp>
       <p:sp>
         <p:nvSpPr>
-          <p:cNvPr id="402476808" name="Notes Placeholder 2"/>
+          <p:cNvPr id="721082428" name="Notes Placeholder 2"/>
           <p:cNvSpPr>
             <a:spLocks noGrp="1"/>
           </p:cNvSpPr>
@@ -1856,7 +1857,7 @@
       </p:sp>
       <p:sp>
         <p:nvSpPr>
-          <p:cNvPr id="1035133849" name="Slide Number Placeholder 3"/>
+          <p:cNvPr id="348151231" name="Slide Number Placeholder 3"/>
           <p:cNvSpPr>
             <a:spLocks noGrp="1"/>
           </p:cNvSpPr>
@@ -1907,7 +1908,7 @@
       </p:grpSpPr>
       <p:sp>
         <p:nvSpPr>
-          <p:cNvPr id="1967626950" name="Slide Image Placeholder 1"/>
+          <p:cNvPr id="138655671" name="Slide Image Placeholder 1"/>
           <p:cNvSpPr>
             <a:spLocks noChangeAspect="1" noGrp="1" noRot="1"/>
           </p:cNvSpPr>
@@ -1919,7 +1920,7 @@
       </p:sp>
       <p:sp>
         <p:nvSpPr>
-          <p:cNvPr id="788043083" name="Notes Placeholder 2"/>
+          <p:cNvPr id="1360831559" name="Notes Placeholder 2"/>
           <p:cNvSpPr>
             <a:spLocks noGrp="1"/>
           </p:cNvSpPr>
@@ -1941,7 +1942,7 @@
       </p:sp>
       <p:sp>
         <p:nvSpPr>
-          <p:cNvPr id="1054074005" name="Slide Number Placeholder 3"/>
+          <p:cNvPr id="920960523" name="Slide Number Placeholder 3"/>
           <p:cNvSpPr>
             <a:spLocks noGrp="1"/>
           </p:cNvSpPr>
@@ -1992,7 +1993,7 @@
       </p:grpSpPr>
       <p:sp>
         <p:nvSpPr>
-          <p:cNvPr id="1032768109" name="Slide Image Placeholder 1"/>
+          <p:cNvPr id="1917190187" name="Slide Image Placeholder 1"/>
           <p:cNvSpPr>
             <a:spLocks noChangeAspect="1" noGrp="1" noRot="1"/>
           </p:cNvSpPr>
@@ -2004,7 +2005,7 @@
       </p:sp>
       <p:sp>
         <p:nvSpPr>
-          <p:cNvPr id="1265440152" name="Notes Placeholder 2"/>
+          <p:cNvPr id="902459666" name="Notes Placeholder 2"/>
           <p:cNvSpPr>
             <a:spLocks noGrp="1"/>
           </p:cNvSpPr>
@@ -2026,7 +2027,7 @@
       </p:sp>
       <p:sp>
         <p:nvSpPr>
-          <p:cNvPr id="769984362" name="Slide Number Placeholder 3"/>
+          <p:cNvPr id="2089248374" name="Slide Number Placeholder 3"/>
           <p:cNvSpPr>
             <a:spLocks noGrp="1"/>
           </p:cNvSpPr>
@@ -2077,7 +2078,7 @@
       </p:grpSpPr>
       <p:sp>
         <p:nvSpPr>
-          <p:cNvPr id="261372776" name="Slide Image Placeholder 1"/>
+          <p:cNvPr id="57324897" name="Slide Image Placeholder 1"/>
           <p:cNvSpPr>
             <a:spLocks noChangeAspect="1" noGrp="1" noRot="1"/>
           </p:cNvSpPr>
@@ -2089,7 +2090,7 @@
       </p:sp>
       <p:sp>
         <p:nvSpPr>
-          <p:cNvPr id="1810693253" name="Notes Placeholder 2"/>
+          <p:cNvPr id="1365970839" name="Notes Placeholder 2"/>
           <p:cNvSpPr>
             <a:spLocks noGrp="1"/>
           </p:cNvSpPr>
@@ -2111,7 +2112,7 @@
       </p:sp>
       <p:sp>
         <p:nvSpPr>
-          <p:cNvPr id="125784939" name="Slide Number Placeholder 3"/>
+          <p:cNvPr id="639755686" name="Slide Number Placeholder 3"/>
           <p:cNvSpPr>
             <a:spLocks noGrp="1"/>
           </p:cNvSpPr>
@@ -2162,7 +2163,7 @@
       </p:grpSpPr>
       <p:sp>
         <p:nvSpPr>
-          <p:cNvPr id="2120152128" name="Slide Image Placeholder 1"/>
+          <p:cNvPr id="1428273085" name="Slide Image Placeholder 1"/>
           <p:cNvSpPr>
             <a:spLocks noChangeAspect="1" noGrp="1" noRot="1"/>
           </p:cNvSpPr>
@@ -2174,7 +2175,7 @@
       </p:sp>
       <p:sp>
         <p:nvSpPr>
-          <p:cNvPr id="1709328555" name="Notes Placeholder 2"/>
+          <p:cNvPr id="514983845" name="Notes Placeholder 2"/>
           <p:cNvSpPr>
             <a:spLocks noGrp="1"/>
           </p:cNvSpPr>
@@ -2196,7 +2197,7 @@
       </p:sp>
       <p:sp>
         <p:nvSpPr>
-          <p:cNvPr id="404757678" name="Slide Number Placeholder 3"/>
+          <p:cNvPr id="747731916" name="Slide Number Placeholder 3"/>
           <p:cNvSpPr>
             <a:spLocks noGrp="1"/>
           </p:cNvSpPr>
@@ -2247,7 +2248,7 @@
       </p:grpSpPr>
       <p:sp>
         <p:nvSpPr>
-          <p:cNvPr id="1334240450" name="Slide Image Placeholder 1"/>
+          <p:cNvPr id="882022364" name="Slide Image Placeholder 1"/>
           <p:cNvSpPr>
             <a:spLocks noChangeAspect="1" noGrp="1" noRot="1"/>
           </p:cNvSpPr>
@@ -2259,7 +2260,7 @@
       </p:sp>
       <p:sp>
         <p:nvSpPr>
-          <p:cNvPr id="1471427442" name="Notes Placeholder 2"/>
+          <p:cNvPr id="942505614" name="Notes Placeholder 2"/>
           <p:cNvSpPr>
             <a:spLocks noGrp="1"/>
           </p:cNvSpPr>
@@ -2281,7 +2282,7 @@
       </p:sp>
       <p:sp>
         <p:nvSpPr>
-          <p:cNvPr id="645860116" name="Slide Number Placeholder 3"/>
+          <p:cNvPr id="1546635388" name="Slide Number Placeholder 3"/>
           <p:cNvSpPr>
             <a:spLocks noGrp="1"/>
           </p:cNvSpPr>
@@ -2332,7 +2333,7 @@
       </p:grpSpPr>
       <p:sp>
         <p:nvSpPr>
-          <p:cNvPr id="1913407598" name="Slide Image Placeholder 1"/>
+          <p:cNvPr id="389864394" name="Slide Image Placeholder 1"/>
           <p:cNvSpPr>
             <a:spLocks noChangeAspect="1" noGrp="1" noRot="1"/>
           </p:cNvSpPr>
@@ -2344,7 +2345,7 @@
       </p:sp>
       <p:sp>
         <p:nvSpPr>
-          <p:cNvPr id="1974657524" name="Notes Placeholder 2"/>
+          <p:cNvPr id="465105580" name="Notes Placeholder 2"/>
           <p:cNvSpPr>
             <a:spLocks noGrp="1"/>
           </p:cNvSpPr>
@@ -2366,7 +2367,7 @@
       </p:sp>
       <p:sp>
         <p:nvSpPr>
-          <p:cNvPr id="1641848845" name="Slide Number Placeholder 3"/>
+          <p:cNvPr id="922888646" name="Slide Number Placeholder 3"/>
           <p:cNvSpPr>
             <a:spLocks noGrp="1"/>
           </p:cNvSpPr>
@@ -2417,7 +2418,7 @@
       </p:grpSpPr>
       <p:sp>
         <p:nvSpPr>
-          <p:cNvPr id="1056784793" name="Slide Image Placeholder 1"/>
+          <p:cNvPr id="915260874" name="Slide Image Placeholder 1"/>
           <p:cNvSpPr>
             <a:spLocks noChangeAspect="1" noGrp="1" noRot="1"/>
           </p:cNvSpPr>
@@ -2429,7 +2430,7 @@
       </p:sp>
       <p:sp>
         <p:nvSpPr>
-          <p:cNvPr id="962224807" name="Notes Placeholder 2"/>
+          <p:cNvPr id="673311394" name="Notes Placeholder 2"/>
           <p:cNvSpPr>
             <a:spLocks noGrp="1"/>
           </p:cNvSpPr>
@@ -2451,7 +2452,7 @@
       </p:sp>
       <p:sp>
         <p:nvSpPr>
-          <p:cNvPr id="469259690" name="Slide Number Placeholder 3"/>
+          <p:cNvPr id="559451527" name="Slide Number Placeholder 3"/>
           <p:cNvSpPr>
             <a:spLocks noGrp="1"/>
           </p:cNvSpPr>
@@ -2502,7 +2503,7 @@
       </p:grpSpPr>
       <p:sp>
         <p:nvSpPr>
-          <p:cNvPr id="592740735" name="Slide Image Placeholder 1"/>
+          <p:cNvPr id="693306647" name="Slide Image Placeholder 1"/>
           <p:cNvSpPr>
             <a:spLocks noChangeAspect="1" noGrp="1" noRot="1"/>
           </p:cNvSpPr>
@@ -2514,7 +2515,7 @@
       </p:sp>
       <p:sp>
         <p:nvSpPr>
-          <p:cNvPr id="1865919180" name="Notes Placeholder 2"/>
+          <p:cNvPr id="496423817" name="Notes Placeholder 2"/>
           <p:cNvSpPr>
             <a:spLocks noGrp="1"/>
           </p:cNvSpPr>
@@ -2536,7 +2537,7 @@
       </p:sp>
       <p:sp>
         <p:nvSpPr>
-          <p:cNvPr id="1098580890" name="Slide Number Placeholder 3"/>
+          <p:cNvPr id="418450538" name="Slide Number Placeholder 3"/>
           <p:cNvSpPr>
             <a:spLocks noGrp="1"/>
           </p:cNvSpPr>
@@ -2587,7 +2588,7 @@
       </p:grpSpPr>
       <p:sp>
         <p:nvSpPr>
-          <p:cNvPr id="1703314238" name="Slide Image Placeholder 1"/>
+          <p:cNvPr id="1449323043" name="Slide Image Placeholder 1"/>
           <p:cNvSpPr>
             <a:spLocks noChangeAspect="1" noGrp="1" noRot="1"/>
           </p:cNvSpPr>
@@ -2599,7 +2600,7 @@
       </p:sp>
       <p:sp>
         <p:nvSpPr>
-          <p:cNvPr id="2112307961" name="Notes Placeholder 2"/>
+          <p:cNvPr id="2037778426" name="Notes Placeholder 2"/>
           <p:cNvSpPr>
             <a:spLocks noGrp="1"/>
           </p:cNvSpPr>
@@ -2621,7 +2622,7 @@
       </p:sp>
       <p:sp>
         <p:nvSpPr>
-          <p:cNvPr id="55854674" name="Slide Number Placeholder 3"/>
+          <p:cNvPr id="1212275795" name="Slide Number Placeholder 3"/>
           <p:cNvSpPr>
             <a:spLocks noGrp="1"/>
           </p:cNvSpPr>
@@ -2672,7 +2673,7 @@
       </p:grpSpPr>
       <p:sp>
         <p:nvSpPr>
-          <p:cNvPr id="2031376311" name="Slide Image Placeholder 1"/>
+          <p:cNvPr id="1202095595" name="Slide Image Placeholder 1"/>
           <p:cNvSpPr>
             <a:spLocks noChangeAspect="1" noGrp="1" noRot="1"/>
           </p:cNvSpPr>
@@ -2684,7 +2685,7 @@
       </p:sp>
       <p:sp>
         <p:nvSpPr>
-          <p:cNvPr id="1455662986" name="Notes Placeholder 2"/>
+          <p:cNvPr id="1813073003" name="Notes Placeholder 2"/>
           <p:cNvSpPr>
             <a:spLocks noGrp="1"/>
           </p:cNvSpPr>
@@ -2706,7 +2707,7 @@
       </p:sp>
       <p:sp>
         <p:nvSpPr>
-          <p:cNvPr id="1385604580" name="Slide Number Placeholder 3"/>
+          <p:cNvPr id="1598406683" name="Slide Number Placeholder 3"/>
           <p:cNvSpPr>
             <a:spLocks noGrp="1"/>
           </p:cNvSpPr>
@@ -2757,7 +2758,7 @@
       </p:grpSpPr>
       <p:sp>
         <p:nvSpPr>
-          <p:cNvPr id="522634014" name="Slide Image Placeholder 1"/>
+          <p:cNvPr id="1570840207" name="Slide Image Placeholder 1"/>
           <p:cNvSpPr>
             <a:spLocks noChangeAspect="1" noGrp="1" noRot="1"/>
           </p:cNvSpPr>
@@ -2769,7 +2770,7 @@
       </p:sp>
       <p:sp>
         <p:nvSpPr>
-          <p:cNvPr id="1627921331" name="Notes Placeholder 2"/>
+          <p:cNvPr id="1773911592" name="Notes Placeholder 2"/>
           <p:cNvSpPr>
             <a:spLocks noGrp="1"/>
           </p:cNvSpPr>
@@ -2791,7 +2792,7 @@
       </p:sp>
       <p:sp>
         <p:nvSpPr>
-          <p:cNvPr id="695337055" name="Slide Number Placeholder 3"/>
+          <p:cNvPr id="1943286445" name="Slide Number Placeholder 3"/>
           <p:cNvSpPr>
             <a:spLocks noGrp="1"/>
           </p:cNvSpPr>
@@ -2842,7 +2843,7 @@
       </p:grpSpPr>
       <p:sp>
         <p:nvSpPr>
-          <p:cNvPr id="1190174315" name="Slide Image Placeholder 1"/>
+          <p:cNvPr id="1945532175" name="Slide Image Placeholder 1"/>
           <p:cNvSpPr>
             <a:spLocks noChangeAspect="1" noGrp="1" noRot="1"/>
           </p:cNvSpPr>
@@ -2854,7 +2855,7 @@
       </p:sp>
       <p:sp>
         <p:nvSpPr>
-          <p:cNvPr id="1462763374" name="Notes Placeholder 2"/>
+          <p:cNvPr id="1616390463" name="Notes Placeholder 2"/>
           <p:cNvSpPr>
             <a:spLocks noGrp="1"/>
           </p:cNvSpPr>
@@ -2876,7 +2877,7 @@
       </p:sp>
       <p:sp>
         <p:nvSpPr>
-          <p:cNvPr id="927782290" name="Slide Number Placeholder 3"/>
+          <p:cNvPr id="1673476366" name="Slide Number Placeholder 3"/>
           <p:cNvSpPr>
             <a:spLocks noGrp="1"/>
           </p:cNvSpPr>
@@ -2893,6 +2894,91 @@
               <a:defRPr/>
             </a:pPr>
             <a:fld id="{C6115E83-2554-AFFF-9315-394E5E7602CD}" type="slidenum">
+              <a:rPr/>
+              <a:t/>
+            </a:fld>
+            <a:endParaRPr/>
+          </a:p>
+        </p:txBody>
+      </p:sp>
+    </p:spTree>
+  </p:cSld>
+  <p:clrMapOvr>
+    <a:masterClrMapping/>
+  </p:clrMapOvr>
+</p:notes>
+</file>
+
+<file path=ppt/notesSlides/notesSlide34.xml><?xml version="1.0" encoding="utf-8"?>
+<p:notes xmlns:a="http://schemas.openxmlformats.org/drawingml/2006/main" xmlns:r="http://schemas.openxmlformats.org/officeDocument/2006/relationships" xmlns:p="http://schemas.openxmlformats.org/presentationml/2006/main" xmlns:m="http://schemas.openxmlformats.org/officeDocument/2006/math" xmlns:w="http://schemas.openxmlformats.org/wordprocessingml/2006/main">
+  <p:cSld name="">
+    <p:spTree>
+      <p:nvGrpSpPr>
+        <p:cNvPr id="1" name=""/>
+        <p:cNvGrpSpPr/>
+        <p:nvPr/>
+      </p:nvGrpSpPr>
+      <p:grpSpPr bwMode="auto">
+        <a:xfrm>
+          <a:off x="0" y="0"/>
+          <a:ext cx="0" cy="0"/>
+          <a:chOff x="0" y="0"/>
+          <a:chExt cx="0" cy="0"/>
+        </a:xfrm>
+      </p:grpSpPr>
+      <p:sp>
+        <p:nvSpPr>
+          <p:cNvPr id="2" name="Slide Image Placeholder 1"/>
+          <p:cNvSpPr>
+            <a:spLocks noChangeAspect="1" noGrp="1" noRot="1"/>
+          </p:cNvSpPr>
+          <p:nvPr>
+            <p:ph type="sldImg"/>
+          </p:nvPr>
+        </p:nvSpPr>
+        <p:spPr bwMode="auto"/>
+      </p:sp>
+      <p:sp>
+        <p:nvSpPr>
+          <p:cNvPr id="3" name="Notes Placeholder 2"/>
+          <p:cNvSpPr>
+            <a:spLocks noGrp="1"/>
+          </p:cNvSpPr>
+          <p:nvPr>
+            <p:ph type="body" idx="1"/>
+          </p:nvPr>
+        </p:nvSpPr>
+        <p:spPr bwMode="auto"/>
+        <p:txBody>
+          <a:bodyPr/>
+          <a:lstStyle/>
+          <a:p>
+            <a:pPr>
+              <a:defRPr/>
+            </a:pPr>
+            <a:endParaRPr/>
+          </a:p>
+        </p:txBody>
+      </p:sp>
+      <p:sp>
+        <p:nvSpPr>
+          <p:cNvPr id="4" name="Slide Number Placeholder 3"/>
+          <p:cNvSpPr>
+            <a:spLocks noGrp="1"/>
+          </p:cNvSpPr>
+          <p:nvPr>
+            <p:ph type="sldNum" sz="quarter" idx="10"/>
+          </p:nvPr>
+        </p:nvSpPr>
+        <p:spPr bwMode="auto"/>
+        <p:txBody>
+          <a:bodyPr/>
+          <a:lstStyle/>
+          <a:p>
+            <a:pPr>
+              <a:defRPr/>
+            </a:pPr>
+            <a:fld id="{01973ADF-4C80-A23C-CD53-7BA5969F54BE}" type="slidenum">
               <a:rPr/>
               <a:t/>
             </a:fld>
@@ -2927,7 +3013,7 @@
       </p:grpSpPr>
       <p:sp>
         <p:nvSpPr>
-          <p:cNvPr id="1060459005" name="Slide Image Placeholder 1"/>
+          <p:cNvPr id="43583161" name="Slide Image Placeholder 1"/>
           <p:cNvSpPr>
             <a:spLocks noChangeAspect="1" noGrp="1" noRot="1"/>
           </p:cNvSpPr>
@@ -2939,7 +3025,7 @@
       </p:sp>
       <p:sp>
         <p:nvSpPr>
-          <p:cNvPr id="866987898" name="Notes Placeholder 2"/>
+          <p:cNvPr id="1588208776" name="Notes Placeholder 2"/>
           <p:cNvSpPr>
             <a:spLocks noGrp="1"/>
           </p:cNvSpPr>
@@ -2961,7 +3047,7 @@
       </p:sp>
       <p:sp>
         <p:nvSpPr>
-          <p:cNvPr id="935463144" name="Slide Number Placeholder 3"/>
+          <p:cNvPr id="974936245" name="Slide Number Placeholder 3"/>
           <p:cNvSpPr>
             <a:spLocks noGrp="1"/>
           </p:cNvSpPr>
@@ -3012,7 +3098,7 @@
       </p:grpSpPr>
       <p:sp>
         <p:nvSpPr>
-          <p:cNvPr id="524716319" name="Slide Image Placeholder 1"/>
+          <p:cNvPr id="1722686837" name="Slide Image Placeholder 1"/>
           <p:cNvSpPr>
             <a:spLocks noChangeAspect="1" noGrp="1" noRot="1"/>
           </p:cNvSpPr>
@@ -3024,7 +3110,7 @@
       </p:sp>
       <p:sp>
         <p:nvSpPr>
-          <p:cNvPr id="928419286" name="Notes Placeholder 2"/>
+          <p:cNvPr id="1911093075" name="Notes Placeholder 2"/>
           <p:cNvSpPr>
             <a:spLocks noGrp="1"/>
           </p:cNvSpPr>
@@ -3046,7 +3132,7 @@
       </p:sp>
       <p:sp>
         <p:nvSpPr>
-          <p:cNvPr id="480997349" name="Slide Number Placeholder 3"/>
+          <p:cNvPr id="625645366" name="Slide Number Placeholder 3"/>
           <p:cNvSpPr>
             <a:spLocks noGrp="1"/>
           </p:cNvSpPr>
@@ -3097,7 +3183,7 @@
       </p:grpSpPr>
       <p:sp>
         <p:nvSpPr>
-          <p:cNvPr id="1249327655" name="Slide Image Placeholder 1"/>
+          <p:cNvPr id="936997943" name="Slide Image Placeholder 1"/>
           <p:cNvSpPr>
             <a:spLocks noChangeAspect="1" noGrp="1" noRot="1"/>
           </p:cNvSpPr>
@@ -3109,7 +3195,7 @@
       </p:sp>
       <p:sp>
         <p:nvSpPr>
-          <p:cNvPr id="1781652723" name="Notes Placeholder 2"/>
+          <p:cNvPr id="1568289193" name="Notes Placeholder 2"/>
           <p:cNvSpPr>
             <a:spLocks noGrp="1"/>
           </p:cNvSpPr>
@@ -3131,7 +3217,7 @@
       </p:sp>
       <p:sp>
         <p:nvSpPr>
-          <p:cNvPr id="180431544" name="Slide Number Placeholder 3"/>
+          <p:cNvPr id="1077297991" name="Slide Number Placeholder 3"/>
           <p:cNvSpPr>
             <a:spLocks noGrp="1"/>
           </p:cNvSpPr>
@@ -3182,7 +3268,7 @@
       </p:grpSpPr>
       <p:sp>
         <p:nvSpPr>
-          <p:cNvPr id="1340565838" name="Slide Image Placeholder 1"/>
+          <p:cNvPr id="1519992811" name="Slide Image Placeholder 1"/>
           <p:cNvSpPr>
             <a:spLocks noChangeAspect="1" noGrp="1" noRot="1"/>
           </p:cNvSpPr>
@@ -3194,7 +3280,7 @@
       </p:sp>
       <p:sp>
         <p:nvSpPr>
-          <p:cNvPr id="731878960" name="Notes Placeholder 2"/>
+          <p:cNvPr id="866238026" name="Notes Placeholder 2"/>
           <p:cNvSpPr>
             <a:spLocks noGrp="1"/>
           </p:cNvSpPr>
@@ -3216,7 +3302,7 @@
       </p:sp>
       <p:sp>
         <p:nvSpPr>
-          <p:cNvPr id="1540482984" name="Slide Number Placeholder 3"/>
+          <p:cNvPr id="174420955" name="Slide Number Placeholder 3"/>
           <p:cNvSpPr>
             <a:spLocks noGrp="1"/>
           </p:cNvSpPr>
@@ -3267,7 +3353,7 @@
       </p:grpSpPr>
       <p:sp>
         <p:nvSpPr>
-          <p:cNvPr id="1056949776" name="Slide Image Placeholder 1"/>
+          <p:cNvPr id="749732410" name="Slide Image Placeholder 1"/>
           <p:cNvSpPr>
             <a:spLocks noChangeAspect="1" noGrp="1" noRot="1"/>
           </p:cNvSpPr>
@@ -3279,7 +3365,7 @@
       </p:sp>
       <p:sp>
         <p:nvSpPr>
-          <p:cNvPr id="679683519" name="Notes Placeholder 2"/>
+          <p:cNvPr id="2142719341" name="Notes Placeholder 2"/>
           <p:cNvSpPr>
             <a:spLocks noGrp="1"/>
           </p:cNvSpPr>
@@ -3301,7 +3387,7 @@
       </p:sp>
       <p:sp>
         <p:nvSpPr>
-          <p:cNvPr id="1872758549" name="Slide Number Placeholder 3"/>
+          <p:cNvPr id="1690669164" name="Slide Number Placeholder 3"/>
           <p:cNvSpPr>
             <a:spLocks noGrp="1"/>
           </p:cNvSpPr>
@@ -3352,7 +3438,7 @@
       </p:grpSpPr>
       <p:sp>
         <p:nvSpPr>
-          <p:cNvPr id="1286944528" name="Slide Image Placeholder 1"/>
+          <p:cNvPr id="980366811" name="Slide Image Placeholder 1"/>
           <p:cNvSpPr>
             <a:spLocks noChangeAspect="1" noGrp="1" noRot="1"/>
           </p:cNvSpPr>
@@ -3364,7 +3450,7 @@
       </p:sp>
       <p:sp>
         <p:nvSpPr>
-          <p:cNvPr id="1343906195" name="Notes Placeholder 2"/>
+          <p:cNvPr id="1537274133" name="Notes Placeholder 2"/>
           <p:cNvSpPr>
             <a:spLocks noGrp="1"/>
           </p:cNvSpPr>
@@ -3386,7 +3472,7 @@
       </p:sp>
       <p:sp>
         <p:nvSpPr>
-          <p:cNvPr id="278249809" name="Slide Number Placeholder 3"/>
+          <p:cNvPr id="950174218" name="Slide Number Placeholder 3"/>
           <p:cNvSpPr>
             <a:spLocks noGrp="1"/>
           </p:cNvSpPr>
@@ -3437,7 +3523,7 @@
       </p:grpSpPr>
       <p:sp>
         <p:nvSpPr>
-          <p:cNvPr id="1494674484" name="Titelplatzhalter 25"/>
+          <p:cNvPr id="352977595" name="Titelplatzhalter 25"/>
           <p:cNvSpPr>
             <a:spLocks noGrp="1"/>
           </p:cNvSpPr>
@@ -3534,7 +3620,7 @@
       </p:grpSpPr>
       <p:sp>
         <p:nvSpPr>
-          <p:cNvPr id="1474847683" name="Titel 3"/>
+          <p:cNvPr id="1695456080" name="Titel 3"/>
           <p:cNvSpPr>
             <a:spLocks noGrp="1"/>
           </p:cNvSpPr>
@@ -3574,7 +3660,7 @@
       </p:sp>
       <p:sp>
         <p:nvSpPr>
-          <p:cNvPr id="1874507194" name="Textplatzhalter 7"/>
+          <p:cNvPr id="1313408715" name="Textplatzhalter 7"/>
           <p:cNvSpPr>
             <a:spLocks noGrp="1"/>
           </p:cNvSpPr>
@@ -3646,7 +3732,7 @@
       </p:sp>
       <p:sp>
         <p:nvSpPr>
-          <p:cNvPr id="1441901598" name="Bildplatzhalter 2"/>
+          <p:cNvPr id="1787496432" name="Bildplatzhalter 2"/>
           <p:cNvSpPr>
             <a:spLocks noGrp="1"/>
           </p:cNvSpPr>
@@ -3688,7 +3774,7 @@
       </p:sp>
       <p:sp>
         <p:nvSpPr>
-          <p:cNvPr id="865100059" name="Textplatzhalter 7"/>
+          <p:cNvPr id="1257369805" name="Textplatzhalter 7"/>
           <p:cNvSpPr>
             <a:spLocks noGrp="1"/>
           </p:cNvSpPr>
@@ -3795,7 +3881,7 @@
       </p:sp>
       <p:sp>
         <p:nvSpPr>
-          <p:cNvPr id="1515763011" name="Bildplatzhalter 2"/>
+          <p:cNvPr id="1927158875" name="Bildplatzhalter 2"/>
           <p:cNvSpPr>
             <a:spLocks noGrp="1"/>
           </p:cNvSpPr>
@@ -3837,7 +3923,7 @@
       </p:sp>
       <p:sp>
         <p:nvSpPr>
-          <p:cNvPr id="1407421232" name="Textplatzhalter 7"/>
+          <p:cNvPr id="937118579" name="Textplatzhalter 7"/>
           <p:cNvSpPr>
             <a:spLocks noGrp="1"/>
           </p:cNvSpPr>
@@ -3944,7 +4030,7 @@
       </p:sp>
       <p:sp>
         <p:nvSpPr>
-          <p:cNvPr id="2045598100" name="Bildplatzhalter 2"/>
+          <p:cNvPr id="81996550" name="Bildplatzhalter 2"/>
           <p:cNvSpPr>
             <a:spLocks noGrp="1"/>
           </p:cNvSpPr>
@@ -3986,7 +4072,7 @@
       </p:sp>
       <p:sp>
         <p:nvSpPr>
-          <p:cNvPr id="894236936" name="Textplatzhalter 7"/>
+          <p:cNvPr id="51999817" name="Textplatzhalter 7"/>
           <p:cNvSpPr>
             <a:spLocks noGrp="1"/>
           </p:cNvSpPr>
@@ -4118,7 +4204,7 @@
       </p:grpSpPr>
       <p:sp>
         <p:nvSpPr>
-          <p:cNvPr id="1963381548" name="Titelplatzhalter 25"/>
+          <p:cNvPr id="51896516" name="Titelplatzhalter 25"/>
           <p:cNvSpPr>
             <a:spLocks noGrp="1"/>
           </p:cNvSpPr>
@@ -4162,7 +4248,7 @@
       </p:sp>
       <p:sp>
         <p:nvSpPr>
-          <p:cNvPr id="822070868" name="Textplatzhalter 7"/>
+          <p:cNvPr id="1613030172" name="Textplatzhalter 7"/>
           <p:cNvSpPr>
             <a:spLocks noGrp="1"/>
           </p:cNvSpPr>
@@ -4234,7 +4320,7 @@
       </p:sp>
       <p:sp>
         <p:nvSpPr>
-          <p:cNvPr id="1610962667" name="Bildplatzhalter 2"/>
+          <p:cNvPr id="1985899875" name="Bildplatzhalter 2"/>
           <p:cNvSpPr>
             <a:spLocks noGrp="1"/>
           </p:cNvSpPr>
@@ -4276,7 +4362,7 @@
       </p:sp>
       <p:sp>
         <p:nvSpPr>
-          <p:cNvPr id="938709761" name="Bildplatzhalter 2"/>
+          <p:cNvPr id="2127997667" name="Bildplatzhalter 2"/>
           <p:cNvSpPr>
             <a:spLocks noGrp="1"/>
           </p:cNvSpPr>
@@ -4318,7 +4404,7 @@
       </p:sp>
       <p:sp>
         <p:nvSpPr>
-          <p:cNvPr id="255008579" name="Bildplatzhalter 2"/>
+          <p:cNvPr id="1030934261" name="Bildplatzhalter 2"/>
           <p:cNvSpPr>
             <a:spLocks noGrp="1"/>
           </p:cNvSpPr>
@@ -4360,7 +4446,7 @@
       </p:sp>
       <p:sp>
         <p:nvSpPr>
-          <p:cNvPr id="1499827084" name="Bildplatzhalter 4"/>
+          <p:cNvPr id="14179753" name="Bildplatzhalter 4"/>
           <p:cNvSpPr>
             <a:spLocks noGrp="1"/>
           </p:cNvSpPr>
@@ -4404,7 +4490,7 @@
       </p:sp>
       <p:sp>
         <p:nvSpPr>
-          <p:cNvPr id="430342056" name="Textplatzhalter 7"/>
+          <p:cNvPr id="1032862780" name="Textplatzhalter 7"/>
           <p:cNvSpPr>
             <a:spLocks noGrp="1"/>
           </p:cNvSpPr>
@@ -4497,7 +4583,7 @@
       </p:grpSpPr>
       <p:sp>
         <p:nvSpPr>
-          <p:cNvPr id="148207620" name="Titelplatzhalter 25"/>
+          <p:cNvPr id="942190458" name="Titelplatzhalter 25"/>
           <p:cNvSpPr>
             <a:spLocks noGrp="1"/>
           </p:cNvSpPr>
@@ -4541,7 +4627,7 @@
       </p:sp>
       <p:sp>
         <p:nvSpPr>
-          <p:cNvPr id="1705841108" name="Bildplatzhalter 4"/>
+          <p:cNvPr id="217874115" name="Bildplatzhalter 4"/>
           <p:cNvSpPr>
             <a:spLocks noGrp="1"/>
           </p:cNvSpPr>
@@ -4585,7 +4671,7 @@
       </p:sp>
       <p:sp>
         <p:nvSpPr>
-          <p:cNvPr id="943507428" name="Textplatzhalter 7"/>
+          <p:cNvPr id="1953073824" name="Textplatzhalter 7"/>
           <p:cNvSpPr>
             <a:spLocks noGrp="1"/>
           </p:cNvSpPr>
@@ -4657,7 +4743,7 @@
       </p:sp>
       <p:sp>
         <p:nvSpPr>
-          <p:cNvPr id="1792595096" name="Bildplatzhalter 2"/>
+          <p:cNvPr id="898020307" name="Bildplatzhalter 2"/>
           <p:cNvSpPr>
             <a:spLocks noGrp="1"/>
           </p:cNvSpPr>
@@ -4724,7 +4810,7 @@
       </p:grpSpPr>
       <p:sp>
         <p:nvSpPr>
-          <p:cNvPr id="1342921210" name="Titelplatzhalter 25"/>
+          <p:cNvPr id="1091499537" name="Titelplatzhalter 25"/>
           <p:cNvSpPr>
             <a:spLocks noGrp="1"/>
           </p:cNvSpPr>
@@ -4768,7 +4854,7 @@
       </p:sp>
       <p:sp>
         <p:nvSpPr>
-          <p:cNvPr id="594048433" name="Bildplatzhalter 2"/>
+          <p:cNvPr id="2027688606" name="Bildplatzhalter 2"/>
           <p:cNvSpPr>
             <a:spLocks noGrp="1"/>
           </p:cNvSpPr>
@@ -4810,7 +4896,7 @@
       </p:sp>
       <p:sp>
         <p:nvSpPr>
-          <p:cNvPr id="572607935" name="Bildplatzhalter 2"/>
+          <p:cNvPr id="2068956513" name="Bildplatzhalter 2"/>
           <p:cNvSpPr>
             <a:spLocks noGrp="1"/>
           </p:cNvSpPr>
@@ -4852,7 +4938,7 @@
       </p:sp>
       <p:sp>
         <p:nvSpPr>
-          <p:cNvPr id="188103021" name="Bildplatzhalter 2"/>
+          <p:cNvPr id="171073358" name="Bildplatzhalter 2"/>
           <p:cNvSpPr>
             <a:spLocks noGrp="1"/>
           </p:cNvSpPr>
@@ -4894,7 +4980,7 @@
       </p:sp>
       <p:sp>
         <p:nvSpPr>
-          <p:cNvPr id="1528809900" name="Textplatzhalter 7"/>
+          <p:cNvPr id="1081539112" name="Textplatzhalter 7"/>
           <p:cNvSpPr>
             <a:spLocks noGrp="1"/>
           </p:cNvSpPr>
@@ -4991,7 +5077,7 @@
       </p:grpSpPr>
       <p:sp>
         <p:nvSpPr>
-          <p:cNvPr id="1909464926" name="Titel 3"/>
+          <p:cNvPr id="1171871929" name="Titel 3"/>
           <p:cNvSpPr>
             <a:spLocks noGrp="1"/>
           </p:cNvSpPr>
@@ -5059,7 +5145,7 @@
       </p:sp>
       <p:sp>
         <p:nvSpPr>
-          <p:cNvPr id="1030945026" name="Textplatzhalter 7"/>
+          <p:cNvPr id="246179777" name="Textplatzhalter 7"/>
           <p:cNvSpPr>
             <a:spLocks noGrp="1"/>
           </p:cNvSpPr>
@@ -5131,7 +5217,7 @@
       </p:sp>
       <p:sp>
         <p:nvSpPr>
-          <p:cNvPr id="365305680" name="Textplatzhalter 7"/>
+          <p:cNvPr id="1316139454" name="Textplatzhalter 7"/>
           <p:cNvSpPr>
             <a:spLocks noGrp="1"/>
           </p:cNvSpPr>
@@ -5263,7 +5349,7 @@
       </p:grpSpPr>
       <p:sp>
         <p:nvSpPr>
-          <p:cNvPr id="1333440395" name="Titel 3"/>
+          <p:cNvPr id="1732599185" name="Titel 3"/>
           <p:cNvSpPr>
             <a:spLocks noGrp="1"/>
           </p:cNvSpPr>
@@ -5331,7 +5417,7 @@
       </p:sp>
       <p:sp>
         <p:nvSpPr>
-          <p:cNvPr id="96818196" name="Textplatzhalter 7"/>
+          <p:cNvPr id="1107148828" name="Textplatzhalter 7"/>
           <p:cNvSpPr>
             <a:spLocks noGrp="1"/>
           </p:cNvSpPr>
@@ -5403,7 +5489,7 @@
       </p:sp>
       <p:sp>
         <p:nvSpPr>
-          <p:cNvPr id="492345400" name="Bildplatzhalter 2"/>
+          <p:cNvPr id="1917540452" name="Bildplatzhalter 2"/>
           <p:cNvSpPr>
             <a:spLocks noGrp="1"/>
           </p:cNvSpPr>
@@ -5445,7 +5531,7 @@
       </p:sp>
       <p:sp>
         <p:nvSpPr>
-          <p:cNvPr id="2121636567" name="Textplatzhalter 7"/>
+          <p:cNvPr id="2018067510" name="Textplatzhalter 7"/>
           <p:cNvSpPr>
             <a:spLocks noGrp="1"/>
           </p:cNvSpPr>
@@ -5577,7 +5663,7 @@
       </p:grpSpPr>
       <p:sp>
         <p:nvSpPr>
-          <p:cNvPr id="441880893" name="Titel 3"/>
+          <p:cNvPr id="566622638" name="Titel 3"/>
           <p:cNvSpPr>
             <a:spLocks noGrp="1"/>
           </p:cNvSpPr>
@@ -5651,7 +5737,7 @@
       </p:sp>
       <p:sp>
         <p:nvSpPr>
-          <p:cNvPr id="1009257038" name="Textplatzhalter 7"/>
+          <p:cNvPr id="33540676" name="Textplatzhalter 7"/>
           <p:cNvSpPr>
             <a:spLocks noGrp="1"/>
           </p:cNvSpPr>
@@ -5723,7 +5809,7 @@
       </p:sp>
       <p:sp>
         <p:nvSpPr>
-          <p:cNvPr id="1184719991" name="Bildplatzhalter 2"/>
+          <p:cNvPr id="1460799450" name="Bildplatzhalter 2"/>
           <p:cNvSpPr>
             <a:spLocks noGrp="1"/>
           </p:cNvSpPr>
@@ -5765,7 +5851,7 @@
       </p:sp>
       <p:sp>
         <p:nvSpPr>
-          <p:cNvPr id="1422141955" name="Textplatzhalter 7"/>
+          <p:cNvPr id="1698572443" name="Textplatzhalter 7"/>
           <p:cNvSpPr>
             <a:spLocks noGrp="1"/>
           </p:cNvSpPr>
@@ -5842,7 +5928,7 @@
       </p:sp>
       <p:sp>
         <p:nvSpPr>
-          <p:cNvPr id="599824978" name="Bildplatzhalter 2"/>
+          <p:cNvPr id="1906996071" name="Bildplatzhalter 2"/>
           <p:cNvSpPr>
             <a:spLocks noGrp="1"/>
           </p:cNvSpPr>
@@ -5884,7 +5970,7 @@
       </p:sp>
       <p:sp>
         <p:nvSpPr>
-          <p:cNvPr id="1298543769" name="Textplatzhalter 7"/>
+          <p:cNvPr id="1214527808" name="Textplatzhalter 7"/>
           <p:cNvSpPr>
             <a:spLocks noGrp="1"/>
           </p:cNvSpPr>
@@ -5986,7 +6072,7 @@
       </p:grpSpPr>
       <p:sp>
         <p:nvSpPr>
-          <p:cNvPr id="1112938980" name="Titel 3"/>
+          <p:cNvPr id="1100584123" name="Titel 3"/>
           <p:cNvSpPr>
             <a:spLocks noGrp="1"/>
           </p:cNvSpPr>
@@ -6060,7 +6146,7 @@
       </p:sp>
       <p:sp>
         <p:nvSpPr>
-          <p:cNvPr id="348868370" name="Textplatzhalter 7"/>
+          <p:cNvPr id="276316257" name="Textplatzhalter 7"/>
           <p:cNvSpPr>
             <a:spLocks noGrp="1"/>
           </p:cNvSpPr>
@@ -6132,7 +6218,7 @@
       </p:sp>
       <p:sp>
         <p:nvSpPr>
-          <p:cNvPr id="745350974" name="Bildplatzhalter 2"/>
+          <p:cNvPr id="1604846507" name="Bildplatzhalter 2"/>
           <p:cNvSpPr>
             <a:spLocks noGrp="1"/>
           </p:cNvSpPr>
@@ -6174,7 +6260,7 @@
       </p:sp>
       <p:sp>
         <p:nvSpPr>
-          <p:cNvPr id="707434107" name="Textplatzhalter 7"/>
+          <p:cNvPr id="2044199128" name="Textplatzhalter 7"/>
           <p:cNvSpPr>
             <a:spLocks noGrp="1"/>
           </p:cNvSpPr>
@@ -6306,7 +6392,7 @@
       </p:grpSpPr>
       <p:sp>
         <p:nvSpPr>
-          <p:cNvPr id="1946942867" name="Titel 3"/>
+          <p:cNvPr id="1080006655" name="Titel 3"/>
           <p:cNvSpPr>
             <a:spLocks noGrp="1"/>
           </p:cNvSpPr>
@@ -6346,7 +6432,7 @@
       </p:sp>
       <p:sp>
         <p:nvSpPr>
-          <p:cNvPr id="1983945252" name="Bildplatzhalter 4"/>
+          <p:cNvPr id="1434969600" name="Bildplatzhalter 4"/>
           <p:cNvSpPr>
             <a:spLocks noGrp="1"/>
           </p:cNvSpPr>
@@ -6390,7 +6476,7 @@
       </p:sp>
       <p:sp>
         <p:nvSpPr>
-          <p:cNvPr id="170414608" name="Textplatzhalter 7"/>
+          <p:cNvPr id="1184577740" name="Textplatzhalter 7"/>
           <p:cNvSpPr>
             <a:spLocks noGrp="1"/>
           </p:cNvSpPr>
@@ -6462,7 +6548,7 @@
       </p:sp>
       <p:sp>
         <p:nvSpPr>
-          <p:cNvPr id="2000206108" name="Textplatzhalter 7"/>
+          <p:cNvPr id="1870245416" name="Textplatzhalter 7"/>
           <p:cNvSpPr>
             <a:spLocks noGrp="1"/>
           </p:cNvSpPr>
@@ -6601,7 +6687,7 @@
       </p:grpSpPr>
       <p:sp>
         <p:nvSpPr>
-          <p:cNvPr id="2022670821" name="Rechteck 8"/>
+          <p:cNvPr id="1610312664" name="Rechteck 8"/>
           <p:cNvSpPr/>
           <p:nvPr userDrawn="1"/>
         </p:nvSpPr>
@@ -6649,7 +6735,7 @@
       </p:sp>
       <p:cxnSp>
         <p:nvCxnSpPr>
-          <p:cNvPr id="1460254119" name="Gerader Verbinder 13"/>
+          <p:cNvPr id="2119509207" name="Gerader Verbinder 13"/>
           <p:cNvCxnSpPr/>
           <p:nvPr userDrawn="1"/>
         </p:nvCxnSpPr>
@@ -6684,7 +6770,7 @@
       </p:cxnSp>
       <p:cxnSp>
         <p:nvCxnSpPr>
-          <p:cNvPr id="1663067983" name="Gerader Verbinder 9"/>
+          <p:cNvPr id="668335131" name="Gerader Verbinder 9"/>
           <p:cNvCxnSpPr/>
           <p:nvPr userDrawn="1"/>
         </p:nvCxnSpPr>
@@ -6721,7 +6807,7 @@
       </p:cxnSp>
       <p:sp>
         <p:nvSpPr>
-          <p:cNvPr id="1394600240" name="Rectangle 4"/>
+          <p:cNvPr id="827059912" name="Rectangle 4"/>
           <p:cNvSpPr txBox="1">
             <a:spLocks noChangeArrowheads="1"/>
           </p:cNvSpPr>
@@ -6952,7 +7038,7 @@
       </p:sp>
       <p:sp>
         <p:nvSpPr>
-          <p:cNvPr id="2004244902" name="Rectangle 5"/>
+          <p:cNvPr id="568639123" name="Rectangle 5"/>
           <p:cNvSpPr txBox="1">
             <a:spLocks noChangeArrowheads="1"/>
           </p:cNvSpPr>
@@ -7118,7 +7204,7 @@
       </p:sp>
       <p:pic>
         <p:nvPicPr>
-          <p:cNvPr id="167345658" name="Grafik 2" title="Logo der TU Chemnitz mit Bezug zur Kulturhauptstadt 2025"/>
+          <p:cNvPr id="1897094723" name="Grafik 2" title="Logo der TU Chemnitz mit Bezug zur Kulturhauptstadt 2025"/>
           <p:cNvPicPr>
             <a:picLocks noChangeAspect="1"/>
           </p:cNvPicPr>
@@ -7559,7 +7645,7 @@
       </p:grpSpPr>
       <p:sp>
         <p:nvSpPr>
-          <p:cNvPr id="723351719" name="Rechteck 8"/>
+          <p:cNvPr id="1310042938" name="Rechteck 8"/>
           <p:cNvSpPr/>
           <p:nvPr userDrawn="1"/>
         </p:nvSpPr>
@@ -7607,7 +7693,7 @@
       </p:sp>
       <p:cxnSp>
         <p:nvCxnSpPr>
-          <p:cNvPr id="1743409473" name="Gerader Verbinder 10"/>
+          <p:cNvPr id="1404704192" name="Gerader Verbinder 10"/>
           <p:cNvCxnSpPr/>
           <p:nvPr userDrawn="1"/>
         </p:nvCxnSpPr>
@@ -7642,7 +7728,7 @@
       </p:cxnSp>
       <p:cxnSp>
         <p:nvCxnSpPr>
-          <p:cNvPr id="90398598" name="Gerader Verbinder 32"/>
+          <p:cNvPr id="1842988845" name="Gerader Verbinder 32"/>
           <p:cNvCxnSpPr/>
           <p:nvPr userDrawn="1"/>
         </p:nvCxnSpPr>
@@ -7679,7 +7765,7 @@
       </p:cxnSp>
       <p:sp>
         <p:nvSpPr>
-          <p:cNvPr id="337061151" name="Rectangle 5"/>
+          <p:cNvPr id="1137331142" name="Rectangle 5"/>
           <p:cNvSpPr txBox="1">
             <a:spLocks noChangeArrowheads="1"/>
           </p:cNvSpPr>
@@ -7845,7 +7931,7 @@
       </p:sp>
       <p:sp>
         <p:nvSpPr>
-          <p:cNvPr id="169255674" name="Fußzeilenplatzhalter 4"/>
+          <p:cNvPr id="226192612" name="Fußzeilenplatzhalter 4"/>
           <p:cNvSpPr txBox="1"/>
           <p:nvPr userDrawn="1"/>
         </p:nvSpPr>
@@ -8005,7 +8091,7 @@
       </p:sp>
       <p:sp>
         <p:nvSpPr>
-          <p:cNvPr id="296437250" name="Rectangle 4"/>
+          <p:cNvPr id="86860798" name="Rectangle 4"/>
           <p:cNvSpPr txBox="1">
             <a:spLocks noChangeArrowheads="1"/>
           </p:cNvSpPr>
@@ -8175,7 +8261,7 @@
       </p:sp>
       <p:pic>
         <p:nvPicPr>
-          <p:cNvPr id="1893725832" name="Grafik 9" title="Logo der TU Chemnitz mit Bezug zur Kulturhauptstadt 2025"/>
+          <p:cNvPr id="1399040799" name="Grafik 9" title="Logo der TU Chemnitz mit Bezug zur Kulturhauptstadt 2025"/>
           <p:cNvPicPr>
             <a:picLocks noChangeAspect="1"/>
           </p:cNvPicPr>
@@ -8508,7 +8594,7 @@
       </p:grpSpPr>
       <p:sp>
         <p:nvSpPr>
-          <p:cNvPr id="602502962" name="Titel 1"/>
+          <p:cNvPr id="1315577917" name="Titel 1"/>
           <p:cNvSpPr>
             <a:spLocks noGrp="1"/>
           </p:cNvSpPr>
@@ -8564,7 +8650,7 @@
       </p:sp>
       <p:pic>
         <p:nvPicPr>
-          <p:cNvPr id="1804832154" name=""/>
+          <p:cNvPr id="1599678363" name=""/>
           <p:cNvPicPr>
             <a:picLocks noChangeAspect="1"/>
           </p:cNvPicPr>
@@ -8619,7 +8705,7 @@
       </p:grpSpPr>
       <p:sp>
         <p:nvSpPr>
-          <p:cNvPr id="23526089" name="Titel 3"/>
+          <p:cNvPr id="1710676861" name="Titel 3"/>
           <p:cNvSpPr>
             <a:spLocks noGrp="1"/>
           </p:cNvSpPr>
@@ -8685,7 +8771,7 @@
       </p:sp>
       <p:sp>
         <p:nvSpPr>
-          <p:cNvPr id="301039612" name="Textplatzhalter 7"/>
+          <p:cNvPr id="1291709237" name="Textplatzhalter 7"/>
           <p:cNvSpPr>
             <a:spLocks noGrp="1"/>
           </p:cNvSpPr>
@@ -8779,7 +8865,7 @@
       </p:sp>
       <p:pic>
         <p:nvPicPr>
-          <p:cNvPr id="441645492" name=""/>
+          <p:cNvPr id="1659167558" name=""/>
           <p:cNvPicPr>
             <a:picLocks noChangeAspect="1"/>
           </p:cNvPicPr>
@@ -8845,7 +8931,7 @@
       </p:grpSpPr>
       <p:sp>
         <p:nvSpPr>
-          <p:cNvPr id="2064473372" name="Titel 3"/>
+          <p:cNvPr id="518519989" name="Titel 3"/>
           <p:cNvSpPr>
             <a:spLocks noGrp="1"/>
           </p:cNvSpPr>
@@ -8911,7 +8997,7 @@
       </p:sp>
       <p:sp>
         <p:nvSpPr>
-          <p:cNvPr id="1408363269" name="Textplatzhalter 7"/>
+          <p:cNvPr id="1918905783" name="Textplatzhalter 7"/>
           <p:cNvSpPr>
             <a:spLocks noGrp="1"/>
           </p:cNvSpPr>
@@ -9005,7 +9091,7 @@
       </p:sp>
       <p:pic>
         <p:nvPicPr>
-          <p:cNvPr id="1198808387" name=""/>
+          <p:cNvPr id="1270950359" name=""/>
           <p:cNvPicPr>
             <a:picLocks noChangeAspect="1"/>
           </p:cNvPicPr>
@@ -9071,7 +9157,7 @@
       </p:grpSpPr>
       <p:sp>
         <p:nvSpPr>
-          <p:cNvPr id="523219953" name="Titel 3"/>
+          <p:cNvPr id="247420970" name="Titel 3"/>
           <p:cNvSpPr>
             <a:spLocks noGrp="1"/>
           </p:cNvSpPr>
@@ -9137,7 +9223,7 @@
       </p:sp>
       <p:sp>
         <p:nvSpPr>
-          <p:cNvPr id="602639494" name="Textplatzhalter 7"/>
+          <p:cNvPr id="1386248337" name="Textplatzhalter 7"/>
           <p:cNvSpPr>
             <a:spLocks noGrp="1"/>
           </p:cNvSpPr>
@@ -9231,7 +9317,7 @@
       </p:sp>
       <p:pic>
         <p:nvPicPr>
-          <p:cNvPr id="1449379916" name=""/>
+          <p:cNvPr id="1204054721" name=""/>
           <p:cNvPicPr>
             <a:picLocks noChangeAspect="1"/>
           </p:cNvPicPr>
@@ -9297,7 +9383,7 @@
       </p:grpSpPr>
       <p:sp>
         <p:nvSpPr>
-          <p:cNvPr id="1062984429" name="Titel 3"/>
+          <p:cNvPr id="2127662010" name="Titel 3"/>
           <p:cNvSpPr>
             <a:spLocks noGrp="1"/>
           </p:cNvSpPr>
@@ -9363,7 +9449,7 @@
       </p:sp>
       <p:sp>
         <p:nvSpPr>
-          <p:cNvPr id="931732826" name="Textplatzhalter 7"/>
+          <p:cNvPr id="28903793" name="Textplatzhalter 7"/>
           <p:cNvSpPr>
             <a:spLocks noGrp="1"/>
           </p:cNvSpPr>
@@ -9457,7 +9543,7 @@
       </p:sp>
       <p:pic>
         <p:nvPicPr>
-          <p:cNvPr id="2124786790" name=""/>
+          <p:cNvPr id="1223700387" name=""/>
           <p:cNvPicPr>
             <a:picLocks noChangeAspect="1"/>
           </p:cNvPicPr>
@@ -9523,7 +9609,7 @@
       </p:grpSpPr>
       <p:sp>
         <p:nvSpPr>
-          <p:cNvPr id="1558848338" name="Titel 3"/>
+          <p:cNvPr id="162220917" name="Titel 3"/>
           <p:cNvSpPr>
             <a:spLocks noGrp="1"/>
           </p:cNvSpPr>
@@ -9589,7 +9675,7 @@
       </p:sp>
       <p:sp>
         <p:nvSpPr>
-          <p:cNvPr id="305334195" name="Textplatzhalter 7"/>
+          <p:cNvPr id="853099597" name="Textplatzhalter 7"/>
           <p:cNvSpPr>
             <a:spLocks noGrp="1"/>
           </p:cNvSpPr>
@@ -9683,7 +9769,7 @@
       </p:sp>
       <p:pic>
         <p:nvPicPr>
-          <p:cNvPr id="736584224" name=""/>
+          <p:cNvPr id="1259160213" name=""/>
           <p:cNvPicPr>
             <a:picLocks noChangeAspect="1"/>
           </p:cNvPicPr>
@@ -9749,7 +9835,7 @@
       </p:grpSpPr>
       <p:sp>
         <p:nvSpPr>
-          <p:cNvPr id="105244392" name="Titel 3"/>
+          <p:cNvPr id="2122529174" name="Titel 3"/>
           <p:cNvSpPr>
             <a:spLocks noGrp="1"/>
           </p:cNvSpPr>
@@ -9815,7 +9901,7 @@
       </p:sp>
       <p:sp>
         <p:nvSpPr>
-          <p:cNvPr id="1941515110" name="Textplatzhalter 7"/>
+          <p:cNvPr id="70560065" name="Textplatzhalter 7"/>
           <p:cNvSpPr>
             <a:spLocks noGrp="1"/>
           </p:cNvSpPr>
@@ -9909,7 +9995,7 @@
       </p:sp>
       <p:pic>
         <p:nvPicPr>
-          <p:cNvPr id="782131261" name=""/>
+          <p:cNvPr id="510208165" name=""/>
           <p:cNvPicPr>
             <a:picLocks noChangeAspect="1"/>
           </p:cNvPicPr>
@@ -9975,7 +10061,7 @@
       </p:grpSpPr>
       <p:sp>
         <p:nvSpPr>
-          <p:cNvPr id="841617011" name="Titel 3"/>
+          <p:cNvPr id="420908319" name="Titel 3"/>
           <p:cNvSpPr>
             <a:spLocks noGrp="1"/>
           </p:cNvSpPr>
@@ -10041,7 +10127,7 @@
       </p:sp>
       <p:sp>
         <p:nvSpPr>
-          <p:cNvPr id="470779729" name="Textplatzhalter 7"/>
+          <p:cNvPr id="1869459845" name="Textplatzhalter 7"/>
           <p:cNvSpPr>
             <a:spLocks noGrp="1"/>
           </p:cNvSpPr>
@@ -10135,7 +10221,7 @@
       </p:sp>
       <p:pic>
         <p:nvPicPr>
-          <p:cNvPr id="282900243" name=""/>
+          <p:cNvPr id="1457202707" name=""/>
           <p:cNvPicPr>
             <a:picLocks noChangeAspect="1"/>
           </p:cNvPicPr>
@@ -10201,7 +10287,7 @@
       </p:grpSpPr>
       <p:sp>
         <p:nvSpPr>
-          <p:cNvPr id="1442644858" name="Titel 3"/>
+          <p:cNvPr id="1580368049" name="Titel 3"/>
           <p:cNvSpPr>
             <a:spLocks noGrp="1"/>
           </p:cNvSpPr>
@@ -10267,7 +10353,7 @@
       </p:sp>
       <p:sp>
         <p:nvSpPr>
-          <p:cNvPr id="1573533375" name="Textplatzhalter 7"/>
+          <p:cNvPr id="1735636714" name="Textplatzhalter 7"/>
           <p:cNvSpPr>
             <a:spLocks noGrp="1"/>
           </p:cNvSpPr>
@@ -10341,7 +10427,7 @@
       </p:sp>
       <p:pic>
         <p:nvPicPr>
-          <p:cNvPr id="1337884110" name=""/>
+          <p:cNvPr id="1110179814" name=""/>
           <p:cNvPicPr>
             <a:picLocks noChangeAspect="1"/>
           </p:cNvPicPr>
@@ -10407,7 +10493,7 @@
       </p:grpSpPr>
       <p:sp>
         <p:nvSpPr>
-          <p:cNvPr id="1950278312" name="Titel 3"/>
+          <p:cNvPr id="1855742845" name="Titel 3"/>
           <p:cNvSpPr>
             <a:spLocks noGrp="1"/>
           </p:cNvSpPr>
@@ -10473,7 +10559,7 @@
       </p:sp>
       <p:sp>
         <p:nvSpPr>
-          <p:cNvPr id="485971075" name="Textplatzhalter 7"/>
+          <p:cNvPr id="1770087939" name="Textplatzhalter 7"/>
           <p:cNvSpPr>
             <a:spLocks noGrp="1"/>
           </p:cNvSpPr>
@@ -10547,7 +10633,7 @@
       </p:sp>
       <p:pic>
         <p:nvPicPr>
-          <p:cNvPr id="1423646591" name=""/>
+          <p:cNvPr id="468706884" name=""/>
           <p:cNvPicPr>
             <a:picLocks noChangeAspect="1"/>
           </p:cNvPicPr>
@@ -10613,7 +10699,7 @@
       </p:grpSpPr>
       <p:sp>
         <p:nvSpPr>
-          <p:cNvPr id="1085033771" name="Titel 3"/>
+          <p:cNvPr id="1139357559" name="Titel 3"/>
           <p:cNvSpPr>
             <a:spLocks noGrp="1"/>
           </p:cNvSpPr>
@@ -10679,7 +10765,7 @@
       </p:sp>
       <p:sp>
         <p:nvSpPr>
-          <p:cNvPr id="39165988" name="Textplatzhalter 7"/>
+          <p:cNvPr id="370925670" name="Textplatzhalter 7"/>
           <p:cNvSpPr>
             <a:spLocks noGrp="1"/>
           </p:cNvSpPr>
@@ -10753,7 +10839,7 @@
       </p:sp>
       <p:pic>
         <p:nvPicPr>
-          <p:cNvPr id="1850423478" name=""/>
+          <p:cNvPr id="56917908" name=""/>
           <p:cNvPicPr>
             <a:picLocks noChangeAspect="1"/>
           </p:cNvPicPr>
@@ -10819,7 +10905,7 @@
       </p:grpSpPr>
       <p:sp>
         <p:nvSpPr>
-          <p:cNvPr id="1901926533" name="Titel 3"/>
+          <p:cNvPr id="1948758656" name="Titel 3"/>
           <p:cNvSpPr>
             <a:spLocks noGrp="1"/>
           </p:cNvSpPr>
@@ -10891,7 +10977,7 @@
       </p:sp>
       <p:sp>
         <p:nvSpPr>
-          <p:cNvPr id="1689955236" name="Textplatzhalter 2"/>
+          <p:cNvPr id="1441695405" name="Textplatzhalter 2"/>
           <p:cNvSpPr>
             <a:spLocks noGrp="1"/>
           </p:cNvSpPr>
@@ -10966,7 +11052,7 @@
       </p:sp>
       <p:pic>
         <p:nvPicPr>
-          <p:cNvPr id="1403336422" name=""/>
+          <p:cNvPr id="2040765728" name=""/>
           <p:cNvPicPr>
             <a:picLocks noChangeAspect="1"/>
           </p:cNvPicPr>
@@ -11021,7 +11107,7 @@
       </p:grpSpPr>
       <p:sp>
         <p:nvSpPr>
-          <p:cNvPr id="848099905" name="Titel 3"/>
+          <p:cNvPr id="1053856233" name="Titel 3"/>
           <p:cNvSpPr>
             <a:spLocks noGrp="1"/>
           </p:cNvSpPr>
@@ -11087,7 +11173,7 @@
       </p:sp>
       <p:sp>
         <p:nvSpPr>
-          <p:cNvPr id="1926721338" name="Textplatzhalter 7"/>
+          <p:cNvPr id="1346511538" name="Textplatzhalter 7"/>
           <p:cNvSpPr>
             <a:spLocks noGrp="1"/>
           </p:cNvSpPr>
@@ -11203,7 +11289,7 @@
       </p:sp>
       <p:pic>
         <p:nvPicPr>
-          <p:cNvPr id="1199724508" name=""/>
+          <p:cNvPr id="365132229" name=""/>
           <p:cNvPicPr>
             <a:picLocks noChangeAspect="1"/>
           </p:cNvPicPr>
@@ -11269,7 +11355,7 @@
       </p:grpSpPr>
       <p:sp>
         <p:nvSpPr>
-          <p:cNvPr id="85664183" name="Titel 3"/>
+          <p:cNvPr id="298089586" name="Titel 3"/>
           <p:cNvSpPr>
             <a:spLocks noGrp="1"/>
           </p:cNvSpPr>
@@ -11335,7 +11421,7 @@
       </p:sp>
       <p:sp>
         <p:nvSpPr>
-          <p:cNvPr id="2106965204" name="Textplatzhalter 7"/>
+          <p:cNvPr id="456576127" name="Textplatzhalter 7"/>
           <p:cNvSpPr>
             <a:spLocks noGrp="1"/>
           </p:cNvSpPr>
@@ -11451,7 +11537,7 @@
       </p:sp>
       <p:pic>
         <p:nvPicPr>
-          <p:cNvPr id="829282626" name=""/>
+          <p:cNvPr id="941573006" name=""/>
           <p:cNvPicPr>
             <a:picLocks noChangeAspect="1"/>
           </p:cNvPicPr>
@@ -11517,7 +11603,7 @@
       </p:grpSpPr>
       <p:sp>
         <p:nvSpPr>
-          <p:cNvPr id="2037931163" name="Titel 3"/>
+          <p:cNvPr id="1113943568" name="Titel 3"/>
           <p:cNvSpPr>
             <a:spLocks noGrp="1"/>
           </p:cNvSpPr>
@@ -11583,7 +11669,7 @@
       </p:sp>
       <p:sp>
         <p:nvSpPr>
-          <p:cNvPr id="1761143067" name="Textplatzhalter 7"/>
+          <p:cNvPr id="823805228" name="Textplatzhalter 7"/>
           <p:cNvSpPr>
             <a:spLocks noGrp="1"/>
           </p:cNvSpPr>
@@ -11699,7 +11785,7 @@
       </p:sp>
       <p:pic>
         <p:nvPicPr>
-          <p:cNvPr id="47236951" name=""/>
+          <p:cNvPr id="717042813" name=""/>
           <p:cNvPicPr>
             <a:picLocks noChangeAspect="1"/>
           </p:cNvPicPr>
@@ -11765,7 +11851,7 @@
       </p:grpSpPr>
       <p:sp>
         <p:nvSpPr>
-          <p:cNvPr id="506952821" name="Titel 3"/>
+          <p:cNvPr id="1508112038" name="Titel 3"/>
           <p:cNvSpPr>
             <a:spLocks noGrp="1"/>
           </p:cNvSpPr>
@@ -11831,7 +11917,7 @@
       </p:sp>
       <p:sp>
         <p:nvSpPr>
-          <p:cNvPr id="978320736" name="Textplatzhalter 7"/>
+          <p:cNvPr id="1707364041" name="Textplatzhalter 7"/>
           <p:cNvSpPr>
             <a:spLocks noGrp="1"/>
           </p:cNvSpPr>
@@ -11947,7 +12033,7 @@
       </p:sp>
       <p:pic>
         <p:nvPicPr>
-          <p:cNvPr id="547791380" name=""/>
+          <p:cNvPr id="1164477211" name=""/>
           <p:cNvPicPr>
             <a:picLocks noChangeAspect="1"/>
           </p:cNvPicPr>
@@ -12015,7 +12101,7 @@
       </p:grpSpPr>
       <p:sp>
         <p:nvSpPr>
-          <p:cNvPr id="166075737" name="Titel 3"/>
+          <p:cNvPr id="843069498" name="Titel 3"/>
           <p:cNvSpPr>
             <a:spLocks noGrp="1"/>
           </p:cNvSpPr>
@@ -12081,7 +12167,7 @@
       </p:sp>
       <p:sp>
         <p:nvSpPr>
-          <p:cNvPr id="1032127257" name="Textplatzhalter 7"/>
+          <p:cNvPr id="1002157004" name="Textplatzhalter 7"/>
           <p:cNvSpPr>
             <a:spLocks noGrp="1"/>
           </p:cNvSpPr>
@@ -12197,7 +12283,7 @@
       </p:sp>
       <p:pic>
         <p:nvPicPr>
-          <p:cNvPr id="247583936" name=""/>
+          <p:cNvPr id="558944691" name=""/>
           <p:cNvPicPr>
             <a:picLocks noChangeAspect="1"/>
           </p:cNvPicPr>
@@ -12266,7 +12352,7 @@
       </p:grpSpPr>
       <p:sp>
         <p:nvSpPr>
-          <p:cNvPr id="210189680" name="Titel 3"/>
+          <p:cNvPr id="998111874" name="Titel 3"/>
           <p:cNvSpPr>
             <a:spLocks noGrp="1"/>
           </p:cNvSpPr>
@@ -12332,7 +12418,7 @@
       </p:sp>
       <p:sp>
         <p:nvSpPr>
-          <p:cNvPr id="2055841337" name="Textplatzhalter 7"/>
+          <p:cNvPr id="1117287504" name="Textplatzhalter 7"/>
           <p:cNvSpPr>
             <a:spLocks noGrp="1"/>
           </p:cNvSpPr>
@@ -12448,7 +12534,7 @@
       </p:sp>
       <p:pic>
         <p:nvPicPr>
-          <p:cNvPr id="501009932" name=""/>
+          <p:cNvPr id="1836710594" name=""/>
           <p:cNvPicPr>
             <a:picLocks noChangeAspect="1"/>
           </p:cNvPicPr>
@@ -12517,7 +12603,7 @@
       </p:grpSpPr>
       <p:sp>
         <p:nvSpPr>
-          <p:cNvPr id="1623233211" name="Titel 3"/>
+          <p:cNvPr id="174048014" name="Titel 3"/>
           <p:cNvSpPr>
             <a:spLocks noGrp="1"/>
           </p:cNvSpPr>
@@ -12583,7 +12669,7 @@
       </p:sp>
       <p:sp>
         <p:nvSpPr>
-          <p:cNvPr id="527146086" name="Textplatzhalter 7"/>
+          <p:cNvPr id="1984912746" name="Textplatzhalter 7"/>
           <p:cNvSpPr>
             <a:spLocks noGrp="1"/>
           </p:cNvSpPr>
@@ -12699,7 +12785,7 @@
       </p:sp>
       <p:pic>
         <p:nvPicPr>
-          <p:cNvPr id="1291207779" name=""/>
+          <p:cNvPr id="1713986649" name=""/>
           <p:cNvPicPr>
             <a:picLocks noChangeAspect="1"/>
           </p:cNvPicPr>
@@ -12731,7 +12817,7 @@
       </p:pic>
       <p:pic>
         <p:nvPicPr>
-          <p:cNvPr id="744644424" name=""/>
+          <p:cNvPr id="2043815772" name=""/>
           <p:cNvPicPr>
             <a:picLocks noChangeAspect="1"/>
           </p:cNvPicPr>
@@ -12800,7 +12886,7 @@
       </p:grpSpPr>
       <p:sp>
         <p:nvSpPr>
-          <p:cNvPr id="734057952" name="Titel 3"/>
+          <p:cNvPr id="834348186" name="Titel 3"/>
           <p:cNvSpPr>
             <a:spLocks noGrp="1"/>
           </p:cNvSpPr>
@@ -12866,7 +12952,7 @@
       </p:sp>
       <p:sp>
         <p:nvSpPr>
-          <p:cNvPr id="1047924512" name="Textplatzhalter 7"/>
+          <p:cNvPr id="1056991424" name="Textplatzhalter 7"/>
           <p:cNvSpPr>
             <a:spLocks noGrp="1"/>
           </p:cNvSpPr>
@@ -12982,7 +13068,7 @@
       </p:sp>
       <p:pic>
         <p:nvPicPr>
-          <p:cNvPr id="1145345128" name=""/>
+          <p:cNvPr id="1173889420" name=""/>
           <p:cNvPicPr>
             <a:picLocks noChangeAspect="1"/>
           </p:cNvPicPr>
@@ -13014,7 +13100,7 @@
       </p:pic>
       <p:pic>
         <p:nvPicPr>
-          <p:cNvPr id="220115087" name=""/>
+          <p:cNvPr id="2114018464" name=""/>
           <p:cNvPicPr>
             <a:picLocks noChangeAspect="1"/>
           </p:cNvPicPr>
@@ -13083,7 +13169,7 @@
       </p:grpSpPr>
       <p:sp>
         <p:nvSpPr>
-          <p:cNvPr id="735416408" name="Titel 3"/>
+          <p:cNvPr id="1029089799" name="Titel 3"/>
           <p:cNvSpPr>
             <a:spLocks noGrp="1"/>
           </p:cNvSpPr>
@@ -13149,7 +13235,7 @@
       </p:sp>
       <p:sp>
         <p:nvSpPr>
-          <p:cNvPr id="593115977" name="Textplatzhalter 7"/>
+          <p:cNvPr id="758542488" name="Textplatzhalter 7"/>
           <p:cNvSpPr>
             <a:spLocks noGrp="1"/>
           </p:cNvSpPr>
@@ -13265,7 +13351,7 @@
       </p:sp>
       <p:pic>
         <p:nvPicPr>
-          <p:cNvPr id="1335524500" name=""/>
+          <p:cNvPr id="462646812" name=""/>
           <p:cNvPicPr>
             <a:picLocks noChangeAspect="1"/>
           </p:cNvPicPr>
@@ -13297,7 +13383,7 @@
       </p:pic>
       <p:pic>
         <p:nvPicPr>
-          <p:cNvPr id="1528460267" name=""/>
+          <p:cNvPr id="1718140220" name=""/>
           <p:cNvPicPr>
             <a:picLocks noChangeAspect="1"/>
           </p:cNvPicPr>
@@ -13366,7 +13452,7 @@
       </p:grpSpPr>
       <p:sp>
         <p:nvSpPr>
-          <p:cNvPr id="105012948" name="Titel 3"/>
+          <p:cNvPr id="716795743" name="Titel 3"/>
           <p:cNvSpPr>
             <a:spLocks noGrp="1"/>
           </p:cNvSpPr>
@@ -13432,7 +13518,7 @@
       </p:sp>
       <p:sp>
         <p:nvSpPr>
-          <p:cNvPr id="1928983096" name="Textplatzhalter 7"/>
+          <p:cNvPr id="1811251594" name="Textplatzhalter 7"/>
           <p:cNvSpPr>
             <a:spLocks noGrp="1"/>
           </p:cNvSpPr>
@@ -13548,7 +13634,7 @@
       </p:sp>
       <p:pic>
         <p:nvPicPr>
-          <p:cNvPr id="1686214061" name=""/>
+          <p:cNvPr id="1360580149" name=""/>
           <p:cNvPicPr>
             <a:picLocks noChangeAspect="1"/>
           </p:cNvPicPr>
@@ -13580,7 +13666,7 @@
       </p:pic>
       <p:pic>
         <p:nvPicPr>
-          <p:cNvPr id="143903512" name=""/>
+          <p:cNvPr id="323142129" name=""/>
           <p:cNvPicPr>
             <a:picLocks noChangeAspect="1"/>
           </p:cNvPicPr>
@@ -13649,7 +13735,7 @@
       </p:grpSpPr>
       <p:sp>
         <p:nvSpPr>
-          <p:cNvPr id="1508443923" name="Titel 3"/>
+          <p:cNvPr id="1734816270" name="Titel 3"/>
           <p:cNvSpPr>
             <a:spLocks noGrp="1"/>
           </p:cNvSpPr>
@@ -13715,7 +13801,7 @@
       </p:sp>
       <p:sp>
         <p:nvSpPr>
-          <p:cNvPr id="705835118" name="Textplatzhalter 7"/>
+          <p:cNvPr id="1089817454" name="Textplatzhalter 7"/>
           <p:cNvSpPr>
             <a:spLocks noGrp="1"/>
           </p:cNvSpPr>
@@ -13785,7 +13871,7 @@
       </p:sp>
       <p:pic>
         <p:nvPicPr>
-          <p:cNvPr id="1123081352" name=""/>
+          <p:cNvPr id="272309195" name=""/>
           <p:cNvPicPr>
             <a:picLocks noChangeAspect="1"/>
           </p:cNvPicPr>
@@ -13846,7 +13932,7 @@
       </p:grpSpPr>
       <p:sp>
         <p:nvSpPr>
-          <p:cNvPr id="777060139" name="Titelplatzhalter 25"/>
+          <p:cNvPr id="2092545169" name="Titelplatzhalter 25"/>
           <p:cNvSpPr>
             <a:spLocks noGrp="1"/>
           </p:cNvSpPr>
@@ -13924,7 +14010,7 @@
       </p:sp>
       <p:sp>
         <p:nvSpPr>
-          <p:cNvPr id="1603324674" name=""/>
+          <p:cNvPr id="773734043" name=""/>
           <p:cNvSpPr/>
           <p:nvPr/>
         </p:nvSpPr>
@@ -13970,7 +14056,7 @@
       </p:sp>
       <p:pic>
         <p:nvPicPr>
-          <p:cNvPr id="183389334" name=""/>
+          <p:cNvPr id="1170900981" name=""/>
           <p:cNvPicPr>
             <a:picLocks noChangeAspect="1"/>
           </p:cNvPicPr>
@@ -14025,7 +14111,7 @@
       </p:grpSpPr>
       <p:sp>
         <p:nvSpPr>
-          <p:cNvPr id="674632950" name="Titel 3"/>
+          <p:cNvPr id="54307651" name="Titel 3"/>
           <p:cNvSpPr>
             <a:spLocks noGrp="1"/>
           </p:cNvSpPr>
@@ -14097,7 +14183,7 @@
       </p:sp>
       <p:sp>
         <p:nvSpPr>
-          <p:cNvPr id="1041825163" name="Textplatzhalter 7"/>
+          <p:cNvPr id="38682571" name="Textplatzhalter 7"/>
           <p:cNvSpPr>
             <a:spLocks noGrp="1"/>
           </p:cNvSpPr>
@@ -14174,7 +14260,7 @@
       </p:sp>
       <p:sp>
         <p:nvSpPr>
-          <p:cNvPr id="1962907633" name=""/>
+          <p:cNvPr id="1255097653" name=""/>
           <p:cNvSpPr/>
           <p:nvPr/>
         </p:nvSpPr>
@@ -14210,7 +14296,7 @@
       </p:sp>
       <p:pic>
         <p:nvPicPr>
-          <p:cNvPr id="1238563202" name=""/>
+          <p:cNvPr id="47764178" name=""/>
           <p:cNvPicPr>
             <a:picLocks noChangeAspect="1"/>
           </p:cNvPicPr>
@@ -14232,7 +14318,7 @@
       </p:pic>
       <p:pic>
         <p:nvPicPr>
-          <p:cNvPr id="1224896427" name=""/>
+          <p:cNvPr id="1098333621" name=""/>
           <p:cNvPicPr>
             <a:picLocks noChangeAspect="1"/>
           </p:cNvPicPr>
@@ -14254,7 +14340,7 @@
       </p:pic>
       <p:pic>
         <p:nvPicPr>
-          <p:cNvPr id="783541638" name=""/>
+          <p:cNvPr id="1132652639" name=""/>
           <p:cNvPicPr>
             <a:picLocks noChangeAspect="1"/>
           </p:cNvPicPr>
@@ -14276,9 +14362,9 @@
       </p:pic>
       <p:cxnSp>
         <p:nvCxnSpPr>
-          <p:cNvPr id="1458263251" name=""/>
+          <p:cNvPr id="1418953224" name=""/>
           <p:cNvCxnSpPr>
-            <a:stCxn id="1238563202" idx="3"/>
+            <a:stCxn id="47764178" idx="3"/>
           </p:cNvCxnSpPr>
           <p:nvPr/>
         </p:nvCxnSpPr>
@@ -14318,10 +14404,10 @@
       </p:cxnSp>
       <p:cxnSp>
         <p:nvCxnSpPr>
-          <p:cNvPr id="964698238" name=""/>
+          <p:cNvPr id="1292664478" name=""/>
           <p:cNvCxnSpPr>
-            <a:stCxn id="1224896427" idx="3"/>
-            <a:endCxn id="783541638" idx="1"/>
+            <a:stCxn id="1098333621" idx="3"/>
+            <a:endCxn id="1132652639" idx="1"/>
           </p:cNvCxnSpPr>
           <p:nvPr/>
         </p:nvCxnSpPr>
@@ -14394,7 +14480,7 @@
       </p:grpSpPr>
       <p:sp>
         <p:nvSpPr>
-          <p:cNvPr id="1946278253" name="Titel 3"/>
+          <p:cNvPr id="2021110773" name="Titel 3"/>
           <p:cNvSpPr>
             <a:spLocks noGrp="1"/>
           </p:cNvSpPr>
@@ -14474,7 +14560,7 @@
       </p:sp>
       <p:sp>
         <p:nvSpPr>
-          <p:cNvPr id="1163470069" name="Textplatzhalter 7"/>
+          <p:cNvPr id="1425378940" name="Textplatzhalter 7"/>
           <p:cNvSpPr>
             <a:spLocks noGrp="1"/>
           </p:cNvSpPr>
@@ -14551,7 +14637,7 @@
       </p:sp>
       <p:pic>
         <p:nvPicPr>
-          <p:cNvPr id="1868216183" name=""/>
+          <p:cNvPr id="1674579061" name=""/>
           <p:cNvPicPr>
             <a:picLocks noChangeAspect="1"/>
           </p:cNvPicPr>
@@ -14573,7 +14659,7 @@
       </p:pic>
       <p:pic>
         <p:nvPicPr>
-          <p:cNvPr id="633042663" name=""/>
+          <p:cNvPr id="121910871" name=""/>
           <p:cNvPicPr>
             <a:picLocks noChangeAspect="1"/>
           </p:cNvPicPr>
@@ -14595,7 +14681,7 @@
       </p:pic>
       <p:pic>
         <p:nvPicPr>
-          <p:cNvPr id="840981940" name=""/>
+          <p:cNvPr id="31899993" name=""/>
           <p:cNvPicPr>
             <a:picLocks noChangeAspect="1"/>
           </p:cNvPicPr>
@@ -14663,7 +14749,7 @@
                                           </p:stCondLst>
                                         </p:cTn>
                                         <p:tgtEl>
-                                          <p:spTgt spid="633042663"/>
+                                          <p:spTgt spid="121910871"/>
                                         </p:tgtEl>
                                         <p:attrNameLst>
                                           <p:attrName>style.visibility</p:attrName>
@@ -14677,7 +14763,7 @@
                                       <p:cBhvr additive="base">
                                         <p:cTn id="13" dur="500" fill="hold"/>
                                         <p:tgtEl>
-                                          <p:spTgt spid="633042663"/>
+                                          <p:spTgt spid="121910871"/>
                                         </p:tgtEl>
                                         <p:attrNameLst>
                                           <p:attrName>ppt_x</p:attrName>
@@ -14700,7 +14786,7 @@
                                       <p:cBhvr additive="base">
                                         <p:cTn id="12" dur="500" fill="hold"/>
                                         <p:tgtEl>
-                                          <p:spTgt spid="633042663"/>
+                                          <p:spTgt spid="121910871"/>
                                         </p:tgtEl>
                                         <p:attrNameLst>
                                           <p:attrName>ppt_y</p:attrName>
@@ -14754,7 +14840,7 @@
                                           </p:stCondLst>
                                         </p:cTn>
                                         <p:tgtEl>
-                                          <p:spTgt spid="840981940"/>
+                                          <p:spTgt spid="31899993"/>
                                         </p:tgtEl>
                                         <p:attrNameLst>
                                           <p:attrName>style.visibility</p:attrName>
@@ -14768,7 +14854,7 @@
                                       <p:cBhvr additive="base">
                                         <p:cTn id="7" dur="500" fill="hold"/>
                                         <p:tgtEl>
-                                          <p:spTgt spid="840981940"/>
+                                          <p:spTgt spid="31899993"/>
                                         </p:tgtEl>
                                         <p:attrNameLst>
                                           <p:attrName>ppt_x</p:attrName>
@@ -14791,7 +14877,7 @@
                                       <p:cBhvr additive="base">
                                         <p:cTn id="8" dur="500" fill="hold"/>
                                         <p:tgtEl>
-                                          <p:spTgt spid="840981940"/>
+                                          <p:spTgt spid="31899993"/>
                                         </p:tgtEl>
                                         <p:attrNameLst>
                                           <p:attrName>ppt_y</p:attrName>
@@ -14863,7 +14949,7 @@
       </p:grpSpPr>
       <p:sp>
         <p:nvSpPr>
-          <p:cNvPr id="212514388" name="Titel 3"/>
+          <p:cNvPr id="1710086080" name="Titel 3"/>
           <p:cNvSpPr>
             <a:spLocks noGrp="1"/>
           </p:cNvSpPr>
@@ -14947,7 +15033,7 @@
       </p:sp>
       <p:sp>
         <p:nvSpPr>
-          <p:cNvPr id="794176082" name="Textplatzhalter 7"/>
+          <p:cNvPr id="1206228905" name="Textplatzhalter 7"/>
           <p:cNvSpPr>
             <a:spLocks noGrp="1"/>
           </p:cNvSpPr>
@@ -15024,7 +15110,7 @@
       </p:sp>
       <p:pic>
         <p:nvPicPr>
-          <p:cNvPr id="452627106" name=""/>
+          <p:cNvPr id="588176638" name=""/>
           <p:cNvPicPr>
             <a:picLocks noChangeAspect="1"/>
           </p:cNvPicPr>
@@ -15038,6 +15124,151 @@
           <a:xfrm>
             <a:off x="1666875" y="1836419"/>
             <a:ext cx="8858250" cy="3876674"/>
+          </a:xfrm>
+          <a:prstGeom prst="rect">
+            <a:avLst/>
+          </a:prstGeom>
+        </p:spPr>
+      </p:pic>
+    </p:spTree>
+  </p:cSld>
+  <p:clrMapOvr>
+    <a:masterClrMapping/>
+  </p:clrMapOvr>
+  <mc:AlternateContent xmlns:mc="http://schemas.openxmlformats.org/markup-compatibility/2006">
+    <mc:Choice xmlns:p159="http://schemas.microsoft.com/office/powerpoint/2015/09/main" xmlns:p14="http://schemas.microsoft.com/office/powerpoint/2010/main" Requires="p159">
+      <p:transition p14:dur="2000" advClick="1"/>
+    </mc:Choice>
+    <mc:Fallback>
+      <p:transition advClick="1"/>
+    </mc:Fallback>
+  </mc:AlternateContent>
+</p:sld>
+</file>
+
+<file path=ppt/slides/slide34.xml><?xml version="1.0" encoding="utf-8"?>
+<p:sld xmlns:a="http://schemas.openxmlformats.org/drawingml/2006/main" xmlns:r="http://schemas.openxmlformats.org/officeDocument/2006/relationships" xmlns:p="http://schemas.openxmlformats.org/presentationml/2006/main" xmlns:m="http://schemas.openxmlformats.org/officeDocument/2006/math" xmlns:w="http://schemas.openxmlformats.org/wordprocessingml/2006/main" xmlns:mc="http://schemas.openxmlformats.org/markup-compatibility/2006" showMasterPhAnim="0" showMasterSp="1" show="1">
+  <p:cSld name="">
+    <p:spTree>
+      <p:nvGrpSpPr>
+        <p:cNvPr id="1" name=""/>
+        <p:cNvGrpSpPr/>
+        <p:nvPr/>
+      </p:nvGrpSpPr>
+      <p:grpSpPr bwMode="auto">
+        <a:xfrm>
+          <a:off x="0" y="0"/>
+          <a:ext cx="0" cy="0"/>
+          <a:chOff x="0" y="0"/>
+          <a:chExt cx="0" cy="0"/>
+        </a:xfrm>
+      </p:grpSpPr>
+      <p:sp>
+        <p:nvSpPr>
+          <p:cNvPr id="1227519794" name="Titel 3"/>
+          <p:cNvSpPr>
+            <a:spLocks noGrp="1"/>
+          </p:cNvSpPr>
+          <p:nvPr>
+            <p:ph type="title" hasCustomPrompt="1"/>
+          </p:nvPr>
+        </p:nvSpPr>
+        <p:spPr bwMode="auto">
+          <a:xfrm>
+            <a:off x="1343025" y="76896"/>
+            <a:ext cx="10656887" cy="468313"/>
+          </a:xfrm>
+          <a:prstGeom prst="rect">
+            <a:avLst/>
+          </a:prstGeom>
+        </p:spPr>
+        <p:txBody>
+          <a:bodyPr/>
+          <a:lstStyle>
+            <a:lvl1pPr>
+              <a:defRPr sz="2800"/>
+            </a:lvl1pPr>
+          </a:lstStyle>
+          <a:p>
+            <a:pPr>
+              <a:defRPr/>
+            </a:pPr>
+            <a:r>
+              <a:rPr lang="de-DE" sz="2800" b="1" i="0" u="none" strike="noStrike" cap="none" spc="0">
+                <a:solidFill>
+                  <a:schemeClr val="bg1"/>
+                </a:solidFill>
+                <a:latin typeface="Roboto"/>
+                <a:ea typeface="Roboto"/>
+                <a:cs typeface="Roboto"/>
+              </a:rPr>
+              <a:t>Softwareengineering WS 25/26</a:t>
+            </a:r>
+            <a:br>
+              <a:rPr lang="de-DE" sz="2800" b="1" i="0" u="none" strike="noStrike" cap="none" spc="0">
+                <a:solidFill>
+                  <a:schemeClr val="bg1"/>
+                </a:solidFill>
+                <a:latin typeface="Roboto"/>
+                <a:ea typeface="Roboto"/>
+                <a:cs typeface="Roboto"/>
+              </a:rPr>
+            </a:br>
+            <a:r>
+              <a:rPr lang="de-DE" sz="2800" b="1" i="0" u="none" strike="noStrike" cap="none" spc="0">
+                <a:solidFill>
+                  <a:schemeClr val="bg1"/>
+                </a:solidFill>
+                <a:latin typeface="Roboto"/>
+                <a:ea typeface="Roboto"/>
+                <a:cs typeface="Roboto"/>
+              </a:rPr>
+              <a:t>2. Meilenstein: Design</a:t>
+            </a:r>
+            <a:endParaRPr sz="2800"/>
+          </a:p>
+          <a:p>
+            <a:pPr>
+              <a:defRPr/>
+            </a:pPr>
+            <a:endParaRPr sz="2800"/>
+          </a:p>
+          <a:p>
+            <a:pPr>
+              <a:defRPr/>
+            </a:pPr>
+            <a:endParaRPr sz="2800"/>
+          </a:p>
+          <a:p>
+            <a:pPr>
+              <a:defRPr/>
+            </a:pPr>
+            <a:endParaRPr sz="2800"/>
+          </a:p>
+          <a:p>
+            <a:pPr>
+              <a:defRPr/>
+            </a:pPr>
+            <a:endParaRPr/>
+          </a:p>
+        </p:txBody>
+      </p:sp>
+      <p:pic>
+        <p:nvPicPr>
+          <p:cNvPr id="1634916047" name=""/>
+          <p:cNvPicPr>
+            <a:picLocks noChangeAspect="1"/>
+          </p:cNvPicPr>
+          <p:nvPr/>
+        </p:nvPicPr>
+        <p:blipFill rotWithShape="1">
+          <a:blip r:embed="rId3"/>
+          <a:stretch/>
+        </p:blipFill>
+        <p:spPr bwMode="auto">
+          <a:xfrm flipH="0" flipV="0">
+            <a:off x="2215444" y="1312333"/>
+            <a:ext cx="7761110" cy="4233333"/>
           </a:xfrm>
           <a:prstGeom prst="rect">
             <a:avLst/>
@@ -15079,7 +15310,7 @@
       </p:grpSpPr>
       <p:sp>
         <p:nvSpPr>
-          <p:cNvPr id="152363368" name="Titel 3"/>
+          <p:cNvPr id="444696807" name="Titel 3"/>
           <p:cNvSpPr>
             <a:spLocks noGrp="1"/>
           </p:cNvSpPr>
@@ -15145,7 +15376,7 @@
       </p:sp>
       <p:sp>
         <p:nvSpPr>
-          <p:cNvPr id="2051138881" name="Textplatzhalter 7"/>
+          <p:cNvPr id="717499519" name="Textplatzhalter 7"/>
           <p:cNvSpPr>
             <a:spLocks noGrp="1"/>
           </p:cNvSpPr>
@@ -15239,7 +15470,7 @@
       </p:sp>
       <p:pic>
         <p:nvPicPr>
-          <p:cNvPr id="1299833483" name=""/>
+          <p:cNvPr id="1126170253" name=""/>
           <p:cNvPicPr>
             <a:picLocks noChangeAspect="1"/>
           </p:cNvPicPr>
@@ -15305,7 +15536,7 @@
       </p:grpSpPr>
       <p:sp>
         <p:nvSpPr>
-          <p:cNvPr id="1949888674" name="Titel 3"/>
+          <p:cNvPr id="1345094749" name="Titel 3"/>
           <p:cNvSpPr>
             <a:spLocks noGrp="1"/>
           </p:cNvSpPr>
@@ -15371,7 +15602,7 @@
       </p:sp>
       <p:sp>
         <p:nvSpPr>
-          <p:cNvPr id="1404693476" name="Textplatzhalter 7"/>
+          <p:cNvPr id="1268645440" name="Textplatzhalter 7"/>
           <p:cNvSpPr>
             <a:spLocks noGrp="1"/>
           </p:cNvSpPr>
@@ -15465,7 +15696,7 @@
       </p:sp>
       <p:pic>
         <p:nvPicPr>
-          <p:cNvPr id="934704561" name=""/>
+          <p:cNvPr id="870379235" name=""/>
           <p:cNvPicPr>
             <a:picLocks noChangeAspect="1"/>
           </p:cNvPicPr>
@@ -15532,7 +15763,7 @@
       </p:grpSpPr>
       <p:sp>
         <p:nvSpPr>
-          <p:cNvPr id="1662792618" name="Titel 3"/>
+          <p:cNvPr id="1623679345" name="Titel 3"/>
           <p:cNvSpPr>
             <a:spLocks noGrp="1"/>
           </p:cNvSpPr>
@@ -15598,7 +15829,7 @@
       </p:sp>
       <p:sp>
         <p:nvSpPr>
-          <p:cNvPr id="1107664051" name="Textplatzhalter 7"/>
+          <p:cNvPr id="1907702974" name="Textplatzhalter 7"/>
           <p:cNvSpPr>
             <a:spLocks noGrp="1"/>
           </p:cNvSpPr>
@@ -15692,7 +15923,7 @@
       </p:sp>
       <p:pic>
         <p:nvPicPr>
-          <p:cNvPr id="2037153106" name=""/>
+          <p:cNvPr id="200752243" name=""/>
           <p:cNvPicPr>
             <a:picLocks noChangeAspect="1"/>
           </p:cNvPicPr>
@@ -15758,7 +15989,7 @@
       </p:grpSpPr>
       <p:sp>
         <p:nvSpPr>
-          <p:cNvPr id="28937285" name="Titel 3"/>
+          <p:cNvPr id="890681901" name="Titel 3"/>
           <p:cNvSpPr>
             <a:spLocks noGrp="1"/>
           </p:cNvSpPr>
@@ -15824,7 +16055,7 @@
       </p:sp>
       <p:sp>
         <p:nvSpPr>
-          <p:cNvPr id="35839201" name="Textplatzhalter 7"/>
+          <p:cNvPr id="204869179" name="Textplatzhalter 7"/>
           <p:cNvSpPr>
             <a:spLocks noGrp="1"/>
           </p:cNvSpPr>
@@ -15918,7 +16149,7 @@
       </p:sp>
       <p:pic>
         <p:nvPicPr>
-          <p:cNvPr id="259293441" name=""/>
+          <p:cNvPr id="1259682201" name=""/>
           <p:cNvPicPr>
             <a:picLocks noChangeAspect="1"/>
           </p:cNvPicPr>
@@ -15984,7 +16215,7 @@
       </p:grpSpPr>
       <p:sp>
         <p:nvSpPr>
-          <p:cNvPr id="119587005" name="Titel 3"/>
+          <p:cNvPr id="1958580643" name="Titel 3"/>
           <p:cNvSpPr>
             <a:spLocks noGrp="1"/>
           </p:cNvSpPr>
@@ -16050,7 +16281,7 @@
       </p:sp>
       <p:sp>
         <p:nvSpPr>
-          <p:cNvPr id="1999622623" name="Textplatzhalter 7"/>
+          <p:cNvPr id="1540862089" name="Textplatzhalter 7"/>
           <p:cNvSpPr>
             <a:spLocks noGrp="1"/>
           </p:cNvSpPr>
@@ -16144,7 +16375,7 @@
       </p:sp>
       <p:pic>
         <p:nvPicPr>
-          <p:cNvPr id="252268627" name=""/>
+          <p:cNvPr id="2076338856" name=""/>
           <p:cNvPicPr>
             <a:picLocks noChangeAspect="1"/>
           </p:cNvPicPr>
@@ -16210,7 +16441,7 @@
       </p:grpSpPr>
       <p:sp>
         <p:nvSpPr>
-          <p:cNvPr id="537063628" name="Titel 3"/>
+          <p:cNvPr id="787522591" name="Titel 3"/>
           <p:cNvSpPr>
             <a:spLocks noGrp="1"/>
           </p:cNvSpPr>
@@ -16276,7 +16507,7 @@
       </p:sp>
       <p:sp>
         <p:nvSpPr>
-          <p:cNvPr id="1555493598" name="Textplatzhalter 7"/>
+          <p:cNvPr id="181355822" name="Textplatzhalter 7"/>
           <p:cNvSpPr>
             <a:spLocks noGrp="1"/>
           </p:cNvSpPr>
@@ -16370,7 +16601,7 @@
       </p:sp>
       <p:pic>
         <p:nvPicPr>
-          <p:cNvPr id="8025933" name=""/>
+          <p:cNvPr id="1558060934" name=""/>
           <p:cNvPicPr>
             <a:picLocks noChangeAspect="1"/>
           </p:cNvPicPr>
